--- a/HouseAnalysis_presentation.pptx
+++ b/HouseAnalysis_presentation.pptx
@@ -2,7 +2,7 @@
 <file path=ppt/presentation.xml><?xml version="1.0" encoding="utf-8"?>
 <p:presentation xmlns:a="http://schemas.openxmlformats.org/drawingml/2006/main" xmlns:r="http://schemas.openxmlformats.org/officeDocument/2006/relationships" xmlns:p="http://schemas.openxmlformats.org/presentationml/2006/main" saveSubsetFonts="1" autoCompressPictures="0">
   <p:sldMasterIdLst>
-    <p:sldMasterId id="2147483810" r:id="rId1"/>
+    <p:sldMasterId id="2147483924" r:id="rId1"/>
   </p:sldMasterIdLst>
   <p:sldIdLst>
     <p:sldId id="256" r:id="rId2"/>
@@ -145,21 +145,21 @@
       </p:grpSpPr>
       <p:grpSp>
         <p:nvGrpSpPr>
-          <p:cNvPr id="7" name="Group 6"/>
+          <p:cNvPr id="16" name="Group 15"/>
           <p:cNvGrpSpPr/>
           <p:nvPr/>
         </p:nvGrpSpPr>
         <p:grpSpPr>
           <a:xfrm>
-            <a:off x="0" y="0"/>
-            <a:ext cx="12192000" cy="6858000"/>
-            <a:chOff x="0" y="0"/>
-            <a:chExt cx="12192000" cy="6858000"/>
+            <a:off x="0" y="-2373"/>
+            <a:ext cx="12192000" cy="6867027"/>
+            <a:chOff x="0" y="-2373"/>
+            <a:chExt cx="12192000" cy="6867027"/>
           </a:xfrm>
         </p:grpSpPr>
         <p:sp>
           <p:nvSpPr>
-            <p:cNvPr id="9" name="Rectangle 8"/>
+            <p:cNvPr id="8" name="Rectangle 7"/>
             <p:cNvSpPr/>
             <p:nvPr/>
           </p:nvSpPr>
@@ -175,15 +175,16 @@
               <a:blip r:embed="rId2">
                 <a:duotone>
                   <a:schemeClr val="dk2">
-                    <a:shade val="69000"/>
-                    <a:hueMod val="91000"/>
+                    <a:shade val="62000"/>
+                    <a:hueMod val="108000"/>
                     <a:satMod val="164000"/>
-                    <a:lumMod val="74000"/>
+                    <a:lumMod val="69000"/>
                   </a:schemeClr>
                   <a:schemeClr val="dk2">
-                    <a:hueMod val="124000"/>
-                    <a:satMod val="140000"/>
-                    <a:lumMod val="142000"/>
+                    <a:tint val="96000"/>
+                    <a:hueMod val="90000"/>
+                    <a:satMod val="130000"/>
+                    <a:lumMod val="134000"/>
                   </a:schemeClr>
                 </a:duotone>
               </a:blip>
@@ -214,7 +215,322 @@
         </p:sp>
         <p:sp>
           <p:nvSpPr>
-            <p:cNvPr id="10" name="Freeform 5"/>
+            <p:cNvPr id="11" name="Oval 10"/>
+            <p:cNvSpPr/>
+            <p:nvPr/>
+          </p:nvSpPr>
+          <p:spPr>
+            <a:xfrm>
+              <a:off x="3220" y="2667000"/>
+              <a:ext cx="4191000" cy="4191000"/>
+            </a:xfrm>
+            <a:prstGeom prst="ellipse">
+              <a:avLst/>
+            </a:prstGeom>
+            <a:gradFill flip="none" rotWithShape="1">
+              <a:gsLst>
+                <a:gs pos="0">
+                  <a:schemeClr val="bg2">
+                    <a:lumMod val="40000"/>
+                    <a:lumOff val="60000"/>
+                    <a:alpha val="11000"/>
+                  </a:schemeClr>
+                </a:gs>
+                <a:gs pos="75000">
+                  <a:schemeClr val="bg2">
+                    <a:lumMod val="40000"/>
+                    <a:lumOff val="60000"/>
+                    <a:alpha val="0"/>
+                  </a:schemeClr>
+                </a:gs>
+                <a:gs pos="36000">
+                  <a:schemeClr val="bg2">
+                    <a:lumMod val="40000"/>
+                    <a:lumOff val="60000"/>
+                    <a:alpha val="10000"/>
+                  </a:schemeClr>
+                </a:gs>
+              </a:gsLst>
+              <a:path path="circle">
+                <a:fillToRect l="50000" t="50000" r="50000" b="50000"/>
+              </a:path>
+              <a:tileRect/>
+            </a:gradFill>
+            <a:ln>
+              <a:noFill/>
+            </a:ln>
+            <a:effectLst/>
+          </p:spPr>
+          <p:style>
+            <a:lnRef idx="1">
+              <a:schemeClr val="accent1"/>
+            </a:lnRef>
+            <a:fillRef idx="3">
+              <a:schemeClr val="accent1"/>
+            </a:fillRef>
+            <a:effectRef idx="2">
+              <a:schemeClr val="accent1"/>
+            </a:effectRef>
+            <a:fontRef idx="minor">
+              <a:schemeClr val="lt1"/>
+            </a:fontRef>
+          </p:style>
+        </p:sp>
+        <p:sp>
+          <p:nvSpPr>
+            <p:cNvPr id="12" name="Oval 11"/>
+            <p:cNvSpPr/>
+            <p:nvPr/>
+          </p:nvSpPr>
+          <p:spPr>
+            <a:xfrm>
+              <a:off x="1750" y="2895600"/>
+              <a:ext cx="2362200" cy="2362200"/>
+            </a:xfrm>
+            <a:prstGeom prst="ellipse">
+              <a:avLst/>
+            </a:prstGeom>
+            <a:gradFill flip="none" rotWithShape="1">
+              <a:gsLst>
+                <a:gs pos="0">
+                  <a:schemeClr val="bg2">
+                    <a:lumMod val="40000"/>
+                    <a:lumOff val="60000"/>
+                    <a:alpha val="8000"/>
+                  </a:schemeClr>
+                </a:gs>
+                <a:gs pos="72000">
+                  <a:schemeClr val="bg2">
+                    <a:lumMod val="40000"/>
+                    <a:lumOff val="60000"/>
+                    <a:alpha val="0"/>
+                  </a:schemeClr>
+                </a:gs>
+                <a:gs pos="36000">
+                  <a:schemeClr val="bg2">
+                    <a:lumMod val="40000"/>
+                    <a:lumOff val="60000"/>
+                    <a:alpha val="8000"/>
+                  </a:schemeClr>
+                </a:gs>
+              </a:gsLst>
+              <a:path path="circle">
+                <a:fillToRect l="50000" t="50000" r="50000" b="50000"/>
+              </a:path>
+              <a:tileRect/>
+            </a:gradFill>
+            <a:ln>
+              <a:noFill/>
+            </a:ln>
+            <a:effectLst/>
+          </p:spPr>
+          <p:style>
+            <a:lnRef idx="1">
+              <a:schemeClr val="accent1"/>
+            </a:lnRef>
+            <a:fillRef idx="3">
+              <a:schemeClr val="accent1"/>
+            </a:fillRef>
+            <a:effectRef idx="2">
+              <a:schemeClr val="accent1"/>
+            </a:effectRef>
+            <a:fontRef idx="minor">
+              <a:schemeClr val="lt1"/>
+            </a:fontRef>
+          </p:style>
+        </p:sp>
+        <p:sp>
+          <p:nvSpPr>
+            <p:cNvPr id="13" name="Oval 12"/>
+            <p:cNvSpPr/>
+            <p:nvPr/>
+          </p:nvSpPr>
+          <p:spPr>
+            <a:xfrm>
+              <a:off x="8609012" y="1676400"/>
+              <a:ext cx="2819400" cy="2819400"/>
+            </a:xfrm>
+            <a:prstGeom prst="ellipse">
+              <a:avLst/>
+            </a:prstGeom>
+            <a:gradFill flip="none" rotWithShape="1">
+              <a:gsLst>
+                <a:gs pos="0">
+                  <a:schemeClr val="bg2">
+                    <a:lumMod val="40000"/>
+                    <a:lumOff val="60000"/>
+                    <a:alpha val="7000"/>
+                  </a:schemeClr>
+                </a:gs>
+                <a:gs pos="69000">
+                  <a:schemeClr val="bg2">
+                    <a:lumMod val="40000"/>
+                    <a:lumOff val="60000"/>
+                    <a:alpha val="0"/>
+                  </a:schemeClr>
+                </a:gs>
+                <a:gs pos="36000">
+                  <a:schemeClr val="bg2">
+                    <a:lumMod val="40000"/>
+                    <a:lumOff val="60000"/>
+                    <a:alpha val="6000"/>
+                  </a:schemeClr>
+                </a:gs>
+              </a:gsLst>
+              <a:path path="circle">
+                <a:fillToRect l="50000" t="50000" r="50000" b="50000"/>
+              </a:path>
+              <a:tileRect/>
+            </a:gradFill>
+            <a:ln>
+              <a:noFill/>
+            </a:ln>
+            <a:effectLst/>
+          </p:spPr>
+          <p:style>
+            <a:lnRef idx="1">
+              <a:schemeClr val="accent1"/>
+            </a:lnRef>
+            <a:fillRef idx="3">
+              <a:schemeClr val="accent1"/>
+            </a:fillRef>
+            <a:effectRef idx="2">
+              <a:schemeClr val="accent1"/>
+            </a:effectRef>
+            <a:fontRef idx="minor">
+              <a:schemeClr val="lt1"/>
+            </a:fontRef>
+          </p:style>
+        </p:sp>
+        <p:sp>
+          <p:nvSpPr>
+            <p:cNvPr id="14" name="Oval 13"/>
+            <p:cNvSpPr/>
+            <p:nvPr/>
+          </p:nvSpPr>
+          <p:spPr>
+            <a:xfrm>
+              <a:off x="7999412" y="-2373"/>
+              <a:ext cx="1600200" cy="1600200"/>
+            </a:xfrm>
+            <a:prstGeom prst="ellipse">
+              <a:avLst/>
+            </a:prstGeom>
+            <a:gradFill flip="none" rotWithShape="1">
+              <a:gsLst>
+                <a:gs pos="0">
+                  <a:schemeClr val="bg2">
+                    <a:lumMod val="40000"/>
+                    <a:lumOff val="60000"/>
+                    <a:alpha val="14000"/>
+                  </a:schemeClr>
+                </a:gs>
+                <a:gs pos="73000">
+                  <a:schemeClr val="bg2">
+                    <a:lumMod val="40000"/>
+                    <a:lumOff val="60000"/>
+                    <a:alpha val="0"/>
+                  </a:schemeClr>
+                </a:gs>
+                <a:gs pos="36000">
+                  <a:schemeClr val="bg2">
+                    <a:lumMod val="40000"/>
+                    <a:lumOff val="60000"/>
+                    <a:alpha val="7000"/>
+                  </a:schemeClr>
+                </a:gs>
+              </a:gsLst>
+              <a:path path="circle">
+                <a:fillToRect l="50000" t="50000" r="50000" b="50000"/>
+              </a:path>
+              <a:tileRect/>
+            </a:gradFill>
+            <a:ln>
+              <a:noFill/>
+            </a:ln>
+            <a:effectLst/>
+          </p:spPr>
+          <p:style>
+            <a:lnRef idx="1">
+              <a:schemeClr val="accent1"/>
+            </a:lnRef>
+            <a:fillRef idx="3">
+              <a:schemeClr val="accent1"/>
+            </a:fillRef>
+            <a:effectRef idx="2">
+              <a:schemeClr val="accent1"/>
+            </a:effectRef>
+            <a:fontRef idx="minor">
+              <a:schemeClr val="lt1"/>
+            </a:fontRef>
+          </p:style>
+        </p:sp>
+        <p:sp>
+          <p:nvSpPr>
+            <p:cNvPr id="15" name="Oval 14"/>
+            <p:cNvSpPr/>
+            <p:nvPr/>
+          </p:nvSpPr>
+          <p:spPr>
+            <a:xfrm>
+              <a:off x="8609012" y="5874054"/>
+              <a:ext cx="990600" cy="990600"/>
+            </a:xfrm>
+            <a:prstGeom prst="ellipse">
+              <a:avLst/>
+            </a:prstGeom>
+            <a:gradFill flip="none" rotWithShape="1">
+              <a:gsLst>
+                <a:gs pos="0">
+                  <a:schemeClr val="bg2">
+                    <a:lumMod val="40000"/>
+                    <a:lumOff val="60000"/>
+                    <a:alpha val="14000"/>
+                  </a:schemeClr>
+                </a:gs>
+                <a:gs pos="66000">
+                  <a:schemeClr val="bg2">
+                    <a:lumMod val="40000"/>
+                    <a:lumOff val="60000"/>
+                    <a:alpha val="0"/>
+                  </a:schemeClr>
+                </a:gs>
+                <a:gs pos="36000">
+                  <a:schemeClr val="bg2">
+                    <a:lumMod val="40000"/>
+                    <a:lumOff val="60000"/>
+                    <a:alpha val="7000"/>
+                  </a:schemeClr>
+                </a:gs>
+              </a:gsLst>
+              <a:path path="circle">
+                <a:fillToRect l="50000" t="50000" r="50000" b="50000"/>
+              </a:path>
+              <a:tileRect/>
+            </a:gradFill>
+            <a:ln>
+              <a:noFill/>
+            </a:ln>
+            <a:effectLst/>
+          </p:spPr>
+          <p:style>
+            <a:lnRef idx="1">
+              <a:schemeClr val="accent1"/>
+            </a:lnRef>
+            <a:fillRef idx="3">
+              <a:schemeClr val="accent1"/>
+            </a:fillRef>
+            <a:effectRef idx="2">
+              <a:schemeClr val="accent1"/>
+            </a:effectRef>
+            <a:fontRef idx="minor">
+              <a:schemeClr val="lt1"/>
+            </a:fontRef>
+          </p:style>
+        </p:sp>
+        <p:sp>
+          <p:nvSpPr>
+            <p:cNvPr id="9" name="Freeform 5"/>
             <p:cNvSpPr>
               <a:spLocks noEditPoints="1"/>
             </p:cNvSpPr>
@@ -319,7 +635,7 @@
             <p:ph type="subTitle" idx="1"/>
           </p:nvPr>
         </p:nvSpPr>
-        <p:spPr bwMode="gray">
+        <p:spPr>
           <a:xfrm>
             <a:off x="1154955" y="4777380"/>
             <a:ext cx="8825658" cy="861420"/>
@@ -332,10 +648,7 @@
               <a:buNone/>
               <a:defRPr cap="all">
                 <a:solidFill>
-                  <a:schemeClr val="accent1">
-                    <a:lumMod val="60000"/>
-                    <a:lumOff val="40000"/>
-                  </a:schemeClr>
+                  <a:schemeClr val="accent1"/>
                 </a:solidFill>
               </a:defRPr>
             </a:lvl1pPr>
@@ -439,9 +752,9 @@
             <p:ph type="dt" sz="half" idx="10"/>
           </p:nvPr>
         </p:nvSpPr>
-        <p:spPr bwMode="gray">
+        <p:spPr>
           <a:xfrm rot="5400000">
-            <a:off x="10158984" y="1792224"/>
+            <a:off x="10089390" y="1792223"/>
             <a:ext cx="990599" cy="304799"/>
           </a:xfrm>
         </p:spPr>
@@ -451,9 +764,7 @@
             <a:lvl1pPr algn="l">
               <a:defRPr b="0" i="0">
                 <a:solidFill>
-                  <a:schemeClr val="bg1">
-                    <a:alpha val="60000"/>
-                  </a:schemeClr>
+                  <a:schemeClr val="bg1"/>
                 </a:solidFill>
               </a:defRPr>
             </a:lvl1pPr>
@@ -477,9 +788,9 @@
             <p:ph type="ftr" sz="quarter" idx="11"/>
           </p:nvPr>
         </p:nvSpPr>
-        <p:spPr bwMode="gray">
+        <p:spPr>
           <a:xfrm rot="5400000">
-            <a:off x="8951976" y="3227832"/>
+            <a:off x="8959592" y="3226820"/>
             <a:ext cx="3859795" cy="304801"/>
           </a:xfrm>
         </p:spPr>
@@ -489,9 +800,7 @@
             <a:lvl1pPr>
               <a:defRPr b="0" i="0">
                 <a:solidFill>
-                  <a:schemeClr val="bg1">
-                    <a:alpha val="60000"/>
-                  </a:schemeClr>
+                  <a:schemeClr val="bg1"/>
                 </a:solidFill>
               </a:defRPr>
             </a:lvl1pPr>
@@ -503,7 +812,7 @@
       </p:sp>
       <p:sp>
         <p:nvSpPr>
-          <p:cNvPr id="11" name="Rectangle 10"/>
+          <p:cNvPr id="10" name="Rectangle 9"/>
           <p:cNvSpPr/>
           <p:nvPr/>
         </p:nvSpPr>
@@ -539,7 +848,7 @@
       </p:sp>
       <p:sp>
         <p:nvSpPr>
-          <p:cNvPr id="12" name="Slide Number Placeholder 5"/>
+          <p:cNvPr id="6" name="Slide Number Placeholder 5"/>
           <p:cNvSpPr>
             <a:spLocks noGrp="1"/>
           </p:cNvSpPr>
@@ -549,13 +858,19 @@
         </p:nvSpPr>
         <p:spPr>
           <a:xfrm>
-            <a:off x="10352540" y="295729"/>
+            <a:off x="10351008" y="292608"/>
             <a:ext cx="838199" cy="767687"/>
           </a:xfrm>
         </p:spPr>
         <p:txBody>
           <a:bodyPr/>
-          <a:lstStyle/>
+          <a:lstStyle>
+            <a:lvl1pPr>
+              <a:defRPr sz="2800" b="0" i="0">
+                <a:latin typeface="+mj-lt"/>
+              </a:defRPr>
+            </a:lvl1pPr>
+          </a:lstStyle>
           <a:p>
             <a:fld id="{02F743FD-E683-2D46-859D-984CCF51A6C6}" type="slidenum">
               <a:rPr lang="en-KE" smtClean="0"/>
@@ -568,7 +883,7 @@
     </p:spTree>
     <p:extLst>
       <p:ext uri="{BB962C8B-B14F-4D97-AF65-F5344CB8AC3E}">
-        <p14:creationId xmlns:p14="http://schemas.microsoft.com/office/powerpoint/2010/main" val="2056837076"/>
+        <p14:creationId xmlns:p14="http://schemas.microsoft.com/office/powerpoint/2010/main" val="2496969644"/>
       </p:ext>
     </p:extLst>
   </p:cSld>
@@ -597,21 +912,21 @@
       </p:grpSpPr>
       <p:grpSp>
         <p:nvGrpSpPr>
-          <p:cNvPr id="9" name="Group 8"/>
+          <p:cNvPr id="19" name="Group 18"/>
           <p:cNvGrpSpPr/>
           <p:nvPr/>
         </p:nvGrpSpPr>
         <p:grpSpPr>
           <a:xfrm>
-            <a:off x="0" y="0"/>
-            <a:ext cx="12192000" cy="6858000"/>
-            <a:chOff x="0" y="0"/>
-            <a:chExt cx="12192000" cy="6858000"/>
+            <a:off x="0" y="-2373"/>
+            <a:ext cx="12192000" cy="6867027"/>
+            <a:chOff x="0" y="-2373"/>
+            <a:chExt cx="12192000" cy="6867027"/>
           </a:xfrm>
         </p:grpSpPr>
         <p:sp>
           <p:nvSpPr>
-            <p:cNvPr id="13" name="Rectangle 12"/>
+            <p:cNvPr id="11" name="Rectangle 10"/>
             <p:cNvSpPr/>
             <p:nvPr/>
           </p:nvSpPr>
@@ -627,15 +942,16 @@
               <a:blip r:embed="rId2">
                 <a:duotone>
                   <a:schemeClr val="dk2">
-                    <a:shade val="69000"/>
-                    <a:hueMod val="91000"/>
+                    <a:shade val="62000"/>
+                    <a:hueMod val="108000"/>
                     <a:satMod val="164000"/>
-                    <a:lumMod val="74000"/>
+                    <a:lumMod val="69000"/>
                   </a:schemeClr>
                   <a:schemeClr val="dk2">
-                    <a:hueMod val="124000"/>
-                    <a:satMod val="140000"/>
-                    <a:lumMod val="142000"/>
+                    <a:tint val="96000"/>
+                    <a:hueMod val="90000"/>
+                    <a:satMod val="130000"/>
+                    <a:lumMod val="134000"/>
                   </a:schemeClr>
                 </a:duotone>
               </a:blip>
@@ -666,13 +982,13 @@
         </p:sp>
         <p:sp>
           <p:nvSpPr>
-            <p:cNvPr id="17" name="Oval 16"/>
+            <p:cNvPr id="14" name="Oval 13"/>
             <p:cNvSpPr/>
             <p:nvPr/>
           </p:nvSpPr>
           <p:spPr>
             <a:xfrm>
-              <a:off x="0" y="2667000"/>
+              <a:off x="3220" y="2667000"/>
               <a:ext cx="4191000" cy="4191000"/>
             </a:xfrm>
             <a:prstGeom prst="ellipse">
@@ -681,17 +997,23 @@
             <a:gradFill flip="none" rotWithShape="1">
               <a:gsLst>
                 <a:gs pos="0">
-                  <a:schemeClr val="accent5">
+                  <a:schemeClr val="bg2">
+                    <a:lumMod val="40000"/>
+                    <a:lumOff val="60000"/>
                     <a:alpha val="11000"/>
                   </a:schemeClr>
                 </a:gs>
                 <a:gs pos="75000">
-                  <a:schemeClr val="accent5">
+                  <a:schemeClr val="bg2">
+                    <a:lumMod val="40000"/>
+                    <a:lumOff val="60000"/>
                     <a:alpha val="0"/>
                   </a:schemeClr>
                 </a:gs>
                 <a:gs pos="36000">
-                  <a:schemeClr val="accent5">
+                  <a:schemeClr val="bg2">
+                    <a:lumMod val="40000"/>
+                    <a:lumOff val="60000"/>
                     <a:alpha val="10000"/>
                   </a:schemeClr>
                 </a:gs>
@@ -723,13 +1045,13 @@
         </p:sp>
         <p:sp>
           <p:nvSpPr>
-            <p:cNvPr id="18" name="Oval 17"/>
+            <p:cNvPr id="15" name="Oval 14"/>
             <p:cNvSpPr/>
             <p:nvPr/>
           </p:nvSpPr>
           <p:spPr>
             <a:xfrm>
-              <a:off x="0" y="2895600"/>
+              <a:off x="1750" y="2895600"/>
               <a:ext cx="2362200" cy="2362200"/>
             </a:xfrm>
             <a:prstGeom prst="ellipse">
@@ -738,17 +1060,23 @@
             <a:gradFill flip="none" rotWithShape="1">
               <a:gsLst>
                 <a:gs pos="0">
-                  <a:schemeClr val="accent5">
+                  <a:schemeClr val="bg2">
+                    <a:lumMod val="40000"/>
+                    <a:lumOff val="60000"/>
                     <a:alpha val="8000"/>
                   </a:schemeClr>
                 </a:gs>
                 <a:gs pos="72000">
-                  <a:schemeClr val="accent5">
+                  <a:schemeClr val="bg2">
+                    <a:lumMod val="40000"/>
+                    <a:lumOff val="60000"/>
                     <a:alpha val="0"/>
                   </a:schemeClr>
                 </a:gs>
                 <a:gs pos="36000">
-                  <a:schemeClr val="accent5">
+                  <a:schemeClr val="bg2">
+                    <a:lumMod val="40000"/>
+                    <a:lumOff val="60000"/>
                     <a:alpha val="8000"/>
                   </a:schemeClr>
                 </a:gs>
@@ -780,14 +1108,14 @@
         </p:sp>
         <p:sp>
           <p:nvSpPr>
-            <p:cNvPr id="19" name="Oval 18"/>
+            <p:cNvPr id="16" name="Oval 15"/>
             <p:cNvSpPr/>
             <p:nvPr/>
           </p:nvSpPr>
           <p:spPr>
             <a:xfrm>
-              <a:off x="8609012" y="5867400"/>
-              <a:ext cx="990600" cy="990600"/>
+              <a:off x="8609012" y="1676400"/>
+              <a:ext cx="2819400" cy="2819400"/>
             </a:xfrm>
             <a:prstGeom prst="ellipse">
               <a:avLst/>
@@ -795,18 +1123,24 @@
             <a:gradFill flip="none" rotWithShape="1">
               <a:gsLst>
                 <a:gs pos="0">
-                  <a:schemeClr val="accent5">
-                    <a:alpha val="14000"/>
+                  <a:schemeClr val="bg2">
+                    <a:lumMod val="40000"/>
+                    <a:lumOff val="60000"/>
+                    <a:alpha val="7000"/>
                   </a:schemeClr>
                 </a:gs>
-                <a:gs pos="66000">
-                  <a:schemeClr val="accent5">
+                <a:gs pos="69000">
+                  <a:schemeClr val="bg2">
+                    <a:lumMod val="40000"/>
+                    <a:lumOff val="60000"/>
                     <a:alpha val="0"/>
                   </a:schemeClr>
                 </a:gs>
                 <a:gs pos="36000">
-                  <a:schemeClr val="accent5">
-                    <a:alpha val="7000"/>
+                  <a:schemeClr val="bg2">
+                    <a:lumMod val="40000"/>
+                    <a:lumOff val="60000"/>
+                    <a:alpha val="6000"/>
                   </a:schemeClr>
                 </a:gs>
               </a:gsLst>
@@ -837,14 +1171,14 @@
         </p:sp>
         <p:sp>
           <p:nvSpPr>
-            <p:cNvPr id="20" name="Oval 19"/>
+            <p:cNvPr id="17" name="Oval 16"/>
             <p:cNvSpPr/>
             <p:nvPr/>
           </p:nvSpPr>
           <p:spPr>
             <a:xfrm>
-              <a:off x="8609012" y="1676400"/>
-              <a:ext cx="2819400" cy="2819400"/>
+              <a:off x="7999412" y="-2373"/>
+              <a:ext cx="1600200" cy="1600200"/>
             </a:xfrm>
             <a:prstGeom prst="ellipse">
               <a:avLst/>
@@ -852,18 +1186,24 @@
             <a:gradFill flip="none" rotWithShape="1">
               <a:gsLst>
                 <a:gs pos="0">
-                  <a:schemeClr val="accent5">
-                    <a:alpha val="7000"/>
+                  <a:schemeClr val="bg2">
+                    <a:lumMod val="40000"/>
+                    <a:lumOff val="60000"/>
+                    <a:alpha val="14000"/>
                   </a:schemeClr>
                 </a:gs>
-                <a:gs pos="69000">
-                  <a:schemeClr val="accent5">
+                <a:gs pos="73000">
+                  <a:schemeClr val="bg2">
+                    <a:lumMod val="40000"/>
+                    <a:lumOff val="60000"/>
                     <a:alpha val="0"/>
                   </a:schemeClr>
                 </a:gs>
                 <a:gs pos="36000">
-                  <a:schemeClr val="accent5">
-                    <a:alpha val="6000"/>
+                  <a:schemeClr val="bg2">
+                    <a:lumMod val="40000"/>
+                    <a:lumOff val="60000"/>
+                    <a:alpha val="7000"/>
                   </a:schemeClr>
                 </a:gs>
               </a:gsLst>
@@ -894,14 +1234,14 @@
         </p:sp>
         <p:sp>
           <p:nvSpPr>
-            <p:cNvPr id="21" name="Oval 20"/>
+            <p:cNvPr id="18" name="Oval 17"/>
             <p:cNvSpPr/>
             <p:nvPr/>
           </p:nvSpPr>
           <p:spPr>
             <a:xfrm>
-              <a:off x="7999412" y="8464"/>
-              <a:ext cx="1600200" cy="1600200"/>
+              <a:off x="8609012" y="5874054"/>
+              <a:ext cx="990600" cy="990600"/>
             </a:xfrm>
             <a:prstGeom prst="ellipse">
               <a:avLst/>
@@ -909,17 +1249,23 @@
             <a:gradFill flip="none" rotWithShape="1">
               <a:gsLst>
                 <a:gs pos="0">
-                  <a:schemeClr val="accent5">
+                  <a:schemeClr val="bg2">
+                    <a:lumMod val="40000"/>
+                    <a:lumOff val="60000"/>
                     <a:alpha val="14000"/>
                   </a:schemeClr>
                 </a:gs>
-                <a:gs pos="73000">
-                  <a:schemeClr val="accent5">
+                <a:gs pos="66000">
+                  <a:schemeClr val="bg2">
+                    <a:lumMod val="40000"/>
+                    <a:lumOff val="60000"/>
                     <a:alpha val="0"/>
                   </a:schemeClr>
                 </a:gs>
                 <a:gs pos="36000">
-                  <a:schemeClr val="accent5">
+                  <a:schemeClr val="bg2">
+                    <a:lumMod val="40000"/>
+                    <a:lumOff val="60000"/>
                     <a:alpha val="7000"/>
                   </a:schemeClr>
                 </a:gs>
@@ -951,7 +1297,7 @@
         </p:sp>
         <p:sp>
           <p:nvSpPr>
-            <p:cNvPr id="14" name="Freeform 5"/>
+            <p:cNvPr id="8" name="Freeform 5"/>
             <p:cNvSpPr/>
             <p:nvPr/>
           </p:nvSpPr>
@@ -1098,7 +1444,7 @@
         </p:sp>
         <p:sp>
           <p:nvSpPr>
-            <p:cNvPr id="11" name="Freeform 5"/>
+            <p:cNvPr id="9" name="Freeform 5"/>
             <p:cNvSpPr/>
             <p:nvPr/>
           </p:nvSpPr>
@@ -1282,7 +1628,7 @@
         </p:sp>
         <p:sp>
           <p:nvSpPr>
-            <p:cNvPr id="15" name="Freeform 5"/>
+            <p:cNvPr id="12" name="Freeform 5"/>
             <p:cNvSpPr>
               <a:spLocks noEditPoints="1"/>
             </p:cNvSpPr>
@@ -1357,8 +1703,8 @@
         </p:nvSpPr>
         <p:spPr>
           <a:xfrm>
-            <a:off x="1154954" y="4969927"/>
-            <a:ext cx="8825659" cy="566738"/>
+            <a:off x="1154956" y="4966674"/>
+            <a:ext cx="8825657" cy="566738"/>
           </a:xfrm>
         </p:spPr>
         <p:txBody>
@@ -1391,8 +1737,8 @@
         </p:nvSpPr>
         <p:spPr>
           <a:xfrm>
-            <a:off x="1154954" y="685800"/>
-            <a:ext cx="8825659" cy="3429000"/>
+            <a:off x="1154955" y="685800"/>
+            <a:ext cx="8825658" cy="3429000"/>
           </a:xfrm>
           <a:prstGeom prst="roundRect">
             <a:avLst>
@@ -1468,10 +1814,10 @@
             <p:ph type="body" sz="half" idx="2"/>
           </p:nvPr>
         </p:nvSpPr>
-        <p:spPr>
+        <p:spPr bwMode="gray">
           <a:xfrm>
-            <a:off x="1154954" y="5536665"/>
-            <a:ext cx="8825658" cy="493712"/>
+            <a:off x="1154956" y="5536665"/>
+            <a:ext cx="8825656" cy="493712"/>
           </a:xfrm>
         </p:spPr>
         <p:txBody>
@@ -1483,10 +1829,7 @@
               <a:buNone/>
               <a:defRPr sz="1200">
                 <a:solidFill>
-                  <a:schemeClr val="accent1">
-                    <a:lumMod val="60000"/>
-                    <a:lumOff val="40000"/>
-                  </a:schemeClr>
+                  <a:schemeClr val="accent1"/>
                 </a:solidFill>
               </a:defRPr>
             </a:lvl1pPr>
@@ -1576,7 +1919,7 @@
       </p:sp>
       <p:sp>
         <p:nvSpPr>
-          <p:cNvPr id="16" name="Rectangle 15"/>
+          <p:cNvPr id="13" name="Rectangle 12"/>
           <p:cNvSpPr/>
           <p:nvPr/>
         </p:nvSpPr>
@@ -1636,7 +1979,7 @@
     </p:spTree>
     <p:extLst>
       <p:ext uri="{BB962C8B-B14F-4D97-AF65-F5344CB8AC3E}">
-        <p14:creationId xmlns:p14="http://schemas.microsoft.com/office/powerpoint/2010/main" val="1180521268"/>
+        <p14:creationId xmlns:p14="http://schemas.microsoft.com/office/powerpoint/2010/main" val="3444685619"/>
       </p:ext>
     </p:extLst>
   </p:cSld>
@@ -1665,21 +2008,21 @@
       </p:grpSpPr>
       <p:grpSp>
         <p:nvGrpSpPr>
-          <p:cNvPr id="7" name="Group 6"/>
+          <p:cNvPr id="12" name="Group 11"/>
           <p:cNvGrpSpPr/>
           <p:nvPr/>
         </p:nvGrpSpPr>
         <p:grpSpPr>
           <a:xfrm>
-            <a:off x="0" y="0"/>
-            <a:ext cx="12192000" cy="6858000"/>
-            <a:chOff x="0" y="0"/>
-            <a:chExt cx="12192000" cy="6858000"/>
+            <a:off x="0" y="-2373"/>
+            <a:ext cx="12192000" cy="6867027"/>
+            <a:chOff x="0" y="-2373"/>
+            <a:chExt cx="12192000" cy="6867027"/>
           </a:xfrm>
         </p:grpSpPr>
         <p:sp>
           <p:nvSpPr>
-            <p:cNvPr id="11" name="Rectangle 10"/>
+            <p:cNvPr id="10" name="Rectangle 9"/>
             <p:cNvSpPr/>
             <p:nvPr/>
           </p:nvSpPr>
@@ -1695,15 +2038,16 @@
               <a:blip r:embed="rId2">
                 <a:duotone>
                   <a:schemeClr val="dk2">
-                    <a:shade val="69000"/>
-                    <a:hueMod val="91000"/>
+                    <a:shade val="62000"/>
+                    <a:hueMod val="108000"/>
                     <a:satMod val="164000"/>
-                    <a:lumMod val="74000"/>
+                    <a:lumMod val="69000"/>
                   </a:schemeClr>
                   <a:schemeClr val="dk2">
-                    <a:hueMod val="124000"/>
-                    <a:satMod val="140000"/>
-                    <a:lumMod val="142000"/>
+                    <a:tint val="96000"/>
+                    <a:hueMod val="90000"/>
+                    <a:satMod val="130000"/>
+                    <a:lumMod val="134000"/>
                   </a:schemeClr>
                 </a:duotone>
               </a:blip>
@@ -1740,7 +2084,7 @@
           </p:nvSpPr>
           <p:spPr>
             <a:xfrm>
-              <a:off x="0" y="2667000"/>
+              <a:off x="3220" y="2667000"/>
               <a:ext cx="4191000" cy="4191000"/>
             </a:xfrm>
             <a:prstGeom prst="ellipse">
@@ -1749,17 +2093,23 @@
             <a:gradFill flip="none" rotWithShape="1">
               <a:gsLst>
                 <a:gs pos="0">
-                  <a:schemeClr val="accent5">
+                  <a:schemeClr val="bg2">
+                    <a:lumMod val="40000"/>
+                    <a:lumOff val="60000"/>
                     <a:alpha val="11000"/>
                   </a:schemeClr>
                 </a:gs>
                 <a:gs pos="75000">
-                  <a:schemeClr val="accent5">
+                  <a:schemeClr val="bg2">
+                    <a:lumMod val="40000"/>
+                    <a:lumOff val="60000"/>
                     <a:alpha val="0"/>
                   </a:schemeClr>
                 </a:gs>
                 <a:gs pos="36000">
-                  <a:schemeClr val="accent5">
+                  <a:schemeClr val="bg2">
+                    <a:lumMod val="40000"/>
+                    <a:lumOff val="60000"/>
                     <a:alpha val="10000"/>
                   </a:schemeClr>
                 </a:gs>
@@ -1797,7 +2147,7 @@
           </p:nvSpPr>
           <p:spPr>
             <a:xfrm>
-              <a:off x="0" y="2895600"/>
+              <a:off x="1750" y="2895600"/>
               <a:ext cx="2362200" cy="2362200"/>
             </a:xfrm>
             <a:prstGeom prst="ellipse">
@@ -1806,17 +2156,23 @@
             <a:gradFill flip="none" rotWithShape="1">
               <a:gsLst>
                 <a:gs pos="0">
-                  <a:schemeClr val="accent5">
+                  <a:schemeClr val="bg2">
+                    <a:lumMod val="40000"/>
+                    <a:lumOff val="60000"/>
                     <a:alpha val="8000"/>
                   </a:schemeClr>
                 </a:gs>
                 <a:gs pos="72000">
-                  <a:schemeClr val="accent5">
+                  <a:schemeClr val="bg2">
+                    <a:lumMod val="40000"/>
+                    <a:lumOff val="60000"/>
                     <a:alpha val="0"/>
                   </a:schemeClr>
                 </a:gs>
                 <a:gs pos="36000">
-                  <a:schemeClr val="accent5">
+                  <a:schemeClr val="bg2">
+                    <a:lumMod val="40000"/>
+                    <a:lumOff val="60000"/>
                     <a:alpha val="8000"/>
                   </a:schemeClr>
                 </a:gs>
@@ -1854,8 +2210,8 @@
           </p:nvSpPr>
           <p:spPr>
             <a:xfrm>
-              <a:off x="8609012" y="5867400"/>
-              <a:ext cx="990600" cy="990600"/>
+              <a:off x="8609012" y="1676400"/>
+              <a:ext cx="2819400" cy="2819400"/>
             </a:xfrm>
             <a:prstGeom prst="ellipse">
               <a:avLst/>
@@ -1863,18 +2219,24 @@
             <a:gradFill flip="none" rotWithShape="1">
               <a:gsLst>
                 <a:gs pos="0">
-                  <a:schemeClr val="accent5">
-                    <a:alpha val="14000"/>
+                  <a:schemeClr val="bg2">
+                    <a:lumMod val="40000"/>
+                    <a:lumOff val="60000"/>
+                    <a:alpha val="7000"/>
                   </a:schemeClr>
                 </a:gs>
-                <a:gs pos="66000">
-                  <a:schemeClr val="accent5">
+                <a:gs pos="69000">
+                  <a:schemeClr val="bg2">
+                    <a:lumMod val="40000"/>
+                    <a:lumOff val="60000"/>
                     <a:alpha val="0"/>
                   </a:schemeClr>
                 </a:gs>
                 <a:gs pos="36000">
-                  <a:schemeClr val="accent5">
-                    <a:alpha val="7000"/>
+                  <a:schemeClr val="bg2">
+                    <a:lumMod val="40000"/>
+                    <a:lumOff val="60000"/>
+                    <a:alpha val="6000"/>
                   </a:schemeClr>
                 </a:gs>
               </a:gsLst>
@@ -1905,14 +2267,14 @@
         </p:sp>
         <p:sp>
           <p:nvSpPr>
-            <p:cNvPr id="18" name="Oval 17"/>
+            <p:cNvPr id="17" name="Oval 16"/>
             <p:cNvSpPr/>
             <p:nvPr/>
           </p:nvSpPr>
           <p:spPr>
             <a:xfrm>
-              <a:off x="8609012" y="1676400"/>
-              <a:ext cx="2819400" cy="2819400"/>
+              <a:off x="7999412" y="-2373"/>
+              <a:ext cx="1600200" cy="1600200"/>
             </a:xfrm>
             <a:prstGeom prst="ellipse">
               <a:avLst/>
@@ -1920,18 +2282,24 @@
             <a:gradFill flip="none" rotWithShape="1">
               <a:gsLst>
                 <a:gs pos="0">
-                  <a:schemeClr val="accent5">
-                    <a:alpha val="7000"/>
+                  <a:schemeClr val="bg2">
+                    <a:lumMod val="40000"/>
+                    <a:lumOff val="60000"/>
+                    <a:alpha val="14000"/>
                   </a:schemeClr>
                 </a:gs>
-                <a:gs pos="69000">
-                  <a:schemeClr val="accent5">
+                <a:gs pos="73000">
+                  <a:schemeClr val="bg2">
+                    <a:lumMod val="40000"/>
+                    <a:lumOff val="60000"/>
                     <a:alpha val="0"/>
                   </a:schemeClr>
                 </a:gs>
                 <a:gs pos="36000">
-                  <a:schemeClr val="accent5">
-                    <a:alpha val="6000"/>
+                  <a:schemeClr val="bg2">
+                    <a:lumMod val="40000"/>
+                    <a:lumOff val="60000"/>
+                    <a:alpha val="7000"/>
                   </a:schemeClr>
                 </a:gs>
               </a:gsLst>
@@ -1962,14 +2330,14 @@
         </p:sp>
         <p:sp>
           <p:nvSpPr>
-            <p:cNvPr id="19" name="Oval 18"/>
+            <p:cNvPr id="18" name="Oval 17"/>
             <p:cNvSpPr/>
             <p:nvPr/>
           </p:nvSpPr>
           <p:spPr>
             <a:xfrm>
-              <a:off x="7999412" y="8464"/>
-              <a:ext cx="1600200" cy="1600200"/>
+              <a:off x="8609012" y="5874054"/>
+              <a:ext cx="990600" cy="990600"/>
             </a:xfrm>
             <a:prstGeom prst="ellipse">
               <a:avLst/>
@@ -1977,17 +2345,23 @@
             <a:gradFill flip="none" rotWithShape="1">
               <a:gsLst>
                 <a:gs pos="0">
-                  <a:schemeClr val="accent5">
+                  <a:schemeClr val="bg2">
+                    <a:lumMod val="40000"/>
+                    <a:lumOff val="60000"/>
                     <a:alpha val="14000"/>
                   </a:schemeClr>
                 </a:gs>
-                <a:gs pos="73000">
-                  <a:schemeClr val="accent5">
+                <a:gs pos="66000">
+                  <a:schemeClr val="bg2">
+                    <a:lumMod val="40000"/>
+                    <a:lumOff val="60000"/>
                     <a:alpha val="0"/>
                   </a:schemeClr>
                 </a:gs>
                 <a:gs pos="36000">
-                  <a:schemeClr val="accent5">
+                  <a:schemeClr val="bg2">
+                    <a:lumMod val="40000"/>
+                    <a:lumOff val="60000"/>
                     <a:alpha val="7000"/>
                   </a:schemeClr>
                 </a:gs>
@@ -2019,7 +2393,7 @@
         </p:sp>
         <p:sp>
           <p:nvSpPr>
-            <p:cNvPr id="25" name="Freeform 5"/>
+            <p:cNvPr id="9" name="Freeform 5"/>
             <p:cNvSpPr/>
             <p:nvPr/>
           </p:nvSpPr>
@@ -2166,7 +2540,7 @@
         </p:sp>
         <p:sp>
           <p:nvSpPr>
-            <p:cNvPr id="17" name="Freeform 5"/>
+            <p:cNvPr id="7" name="Freeform 5"/>
             <p:cNvSpPr/>
             <p:nvPr/>
           </p:nvSpPr>
@@ -2350,7 +2724,7 @@
         </p:sp>
         <p:sp>
           <p:nvSpPr>
-            <p:cNvPr id="12" name="Freeform 5"/>
+            <p:cNvPr id="11" name="Freeform 5"/>
             <p:cNvSpPr>
               <a:spLocks noEditPoints="1"/>
             </p:cNvSpPr>
@@ -2425,8 +2799,8 @@
         </p:nvSpPr>
         <p:spPr>
           <a:xfrm>
-            <a:off x="1148798" y="1063417"/>
-            <a:ext cx="8831816" cy="1372986"/>
+            <a:off x="1154954" y="1063416"/>
+            <a:ext cx="8825659" cy="1379755"/>
           </a:xfrm>
         </p:spPr>
         <p:txBody>
@@ -2616,7 +2990,7 @@
     </p:spTree>
     <p:extLst>
       <p:ext uri="{BB962C8B-B14F-4D97-AF65-F5344CB8AC3E}">
-        <p14:creationId xmlns:p14="http://schemas.microsoft.com/office/powerpoint/2010/main" val="2778819731"/>
+        <p14:creationId xmlns:p14="http://schemas.microsoft.com/office/powerpoint/2010/main" val="1507153363"/>
       </p:ext>
     </p:extLst>
   </p:cSld>
@@ -2645,21 +3019,21 @@
       </p:grpSpPr>
       <p:grpSp>
         <p:nvGrpSpPr>
-          <p:cNvPr id="3" name="Group 2"/>
+          <p:cNvPr id="7" name="Group 6"/>
           <p:cNvGrpSpPr/>
           <p:nvPr/>
         </p:nvGrpSpPr>
         <p:grpSpPr>
           <a:xfrm>
-            <a:off x="0" y="0"/>
-            <a:ext cx="12192000" cy="6858000"/>
-            <a:chOff x="0" y="0"/>
-            <a:chExt cx="12192000" cy="6858000"/>
+            <a:off x="0" y="-2373"/>
+            <a:ext cx="12192000" cy="6867027"/>
+            <a:chOff x="0" y="-2373"/>
+            <a:chExt cx="12192000" cy="6867027"/>
           </a:xfrm>
         </p:grpSpPr>
         <p:sp>
           <p:nvSpPr>
-            <p:cNvPr id="17" name="Rectangle 16"/>
+            <p:cNvPr id="15" name="Rectangle 14"/>
             <p:cNvSpPr/>
             <p:nvPr/>
           </p:nvSpPr>
@@ -2675,15 +3049,16 @@
               <a:blip r:embed="rId2">
                 <a:duotone>
                   <a:schemeClr val="dk2">
-                    <a:shade val="69000"/>
-                    <a:hueMod val="91000"/>
+                    <a:shade val="62000"/>
+                    <a:hueMod val="108000"/>
                     <a:satMod val="164000"/>
-                    <a:lumMod val="74000"/>
+                    <a:lumMod val="69000"/>
                   </a:schemeClr>
                   <a:schemeClr val="dk2">
-                    <a:hueMod val="124000"/>
-                    <a:satMod val="140000"/>
-                    <a:lumMod val="142000"/>
+                    <a:tint val="96000"/>
+                    <a:hueMod val="90000"/>
+                    <a:satMod val="130000"/>
+                    <a:lumMod val="134000"/>
                   </a:schemeClr>
                 </a:duotone>
               </a:blip>
@@ -2714,13 +3089,13 @@
         </p:sp>
         <p:sp>
           <p:nvSpPr>
-            <p:cNvPr id="20" name="Oval 19"/>
+            <p:cNvPr id="17" name="Oval 16"/>
             <p:cNvSpPr/>
             <p:nvPr/>
           </p:nvSpPr>
           <p:spPr>
             <a:xfrm>
-              <a:off x="0" y="2667000"/>
+              <a:off x="3220" y="2667000"/>
               <a:ext cx="4191000" cy="4191000"/>
             </a:xfrm>
             <a:prstGeom prst="ellipse">
@@ -2729,17 +3104,23 @@
             <a:gradFill flip="none" rotWithShape="1">
               <a:gsLst>
                 <a:gs pos="0">
-                  <a:schemeClr val="accent5">
+                  <a:schemeClr val="bg2">
+                    <a:lumMod val="40000"/>
+                    <a:lumOff val="60000"/>
                     <a:alpha val="11000"/>
                   </a:schemeClr>
                 </a:gs>
                 <a:gs pos="75000">
-                  <a:schemeClr val="accent5">
+                  <a:schemeClr val="bg2">
+                    <a:lumMod val="40000"/>
+                    <a:lumOff val="60000"/>
                     <a:alpha val="0"/>
                   </a:schemeClr>
                 </a:gs>
                 <a:gs pos="36000">
-                  <a:schemeClr val="accent5">
+                  <a:schemeClr val="bg2">
+                    <a:lumMod val="40000"/>
+                    <a:lumOff val="60000"/>
                     <a:alpha val="10000"/>
                   </a:schemeClr>
                 </a:gs>
@@ -2771,13 +3152,13 @@
         </p:sp>
         <p:sp>
           <p:nvSpPr>
-            <p:cNvPr id="22" name="Oval 21"/>
+            <p:cNvPr id="18" name="Oval 17"/>
             <p:cNvSpPr/>
             <p:nvPr/>
           </p:nvSpPr>
           <p:spPr>
             <a:xfrm>
-              <a:off x="0" y="2895600"/>
+              <a:off x="1750" y="2895600"/>
               <a:ext cx="2362200" cy="2362200"/>
             </a:xfrm>
             <a:prstGeom prst="ellipse">
@@ -2786,17 +3167,23 @@
             <a:gradFill flip="none" rotWithShape="1">
               <a:gsLst>
                 <a:gs pos="0">
-                  <a:schemeClr val="accent5">
+                  <a:schemeClr val="bg2">
+                    <a:lumMod val="40000"/>
+                    <a:lumOff val="60000"/>
                     <a:alpha val="8000"/>
                   </a:schemeClr>
                 </a:gs>
                 <a:gs pos="72000">
-                  <a:schemeClr val="accent5">
+                  <a:schemeClr val="bg2">
+                    <a:lumMod val="40000"/>
+                    <a:lumOff val="60000"/>
                     <a:alpha val="0"/>
                   </a:schemeClr>
                 </a:gs>
                 <a:gs pos="36000">
-                  <a:schemeClr val="accent5">
+                  <a:schemeClr val="bg2">
+                    <a:lumMod val="40000"/>
+                    <a:lumOff val="60000"/>
                     <a:alpha val="8000"/>
                   </a:schemeClr>
                 </a:gs>
@@ -2828,14 +3215,14 @@
         </p:sp>
         <p:sp>
           <p:nvSpPr>
-            <p:cNvPr id="23" name="Oval 22"/>
+            <p:cNvPr id="19" name="Oval 18"/>
             <p:cNvSpPr/>
             <p:nvPr/>
           </p:nvSpPr>
           <p:spPr>
             <a:xfrm>
-              <a:off x="8609012" y="5867400"/>
-              <a:ext cx="990600" cy="990600"/>
+              <a:off x="8609012" y="1676400"/>
+              <a:ext cx="2819400" cy="2819400"/>
             </a:xfrm>
             <a:prstGeom prst="ellipse">
               <a:avLst/>
@@ -2843,18 +3230,24 @@
             <a:gradFill flip="none" rotWithShape="1">
               <a:gsLst>
                 <a:gs pos="0">
-                  <a:schemeClr val="accent5">
-                    <a:alpha val="14000"/>
+                  <a:schemeClr val="bg2">
+                    <a:lumMod val="40000"/>
+                    <a:lumOff val="60000"/>
+                    <a:alpha val="7000"/>
                   </a:schemeClr>
                 </a:gs>
-                <a:gs pos="66000">
-                  <a:schemeClr val="accent5">
+                <a:gs pos="69000">
+                  <a:schemeClr val="bg2">
+                    <a:lumMod val="40000"/>
+                    <a:lumOff val="60000"/>
                     <a:alpha val="0"/>
                   </a:schemeClr>
                 </a:gs>
                 <a:gs pos="36000">
-                  <a:schemeClr val="accent5">
-                    <a:alpha val="7000"/>
+                  <a:schemeClr val="bg2">
+                    <a:lumMod val="40000"/>
+                    <a:lumOff val="60000"/>
+                    <a:alpha val="6000"/>
                   </a:schemeClr>
                 </a:gs>
               </a:gsLst>
@@ -2885,14 +3278,14 @@
         </p:sp>
         <p:sp>
           <p:nvSpPr>
-            <p:cNvPr id="24" name="Oval 23"/>
+            <p:cNvPr id="20" name="Oval 19"/>
             <p:cNvSpPr/>
             <p:nvPr/>
           </p:nvSpPr>
           <p:spPr>
             <a:xfrm>
-              <a:off x="8609012" y="1676400"/>
-              <a:ext cx="2819400" cy="2819400"/>
+              <a:off x="7999412" y="-2373"/>
+              <a:ext cx="1600200" cy="1600200"/>
             </a:xfrm>
             <a:prstGeom prst="ellipse">
               <a:avLst/>
@@ -2900,18 +3293,24 @@
             <a:gradFill flip="none" rotWithShape="1">
               <a:gsLst>
                 <a:gs pos="0">
-                  <a:schemeClr val="accent5">
-                    <a:alpha val="7000"/>
+                  <a:schemeClr val="bg2">
+                    <a:lumMod val="40000"/>
+                    <a:lumOff val="60000"/>
+                    <a:alpha val="14000"/>
                   </a:schemeClr>
                 </a:gs>
-                <a:gs pos="69000">
-                  <a:schemeClr val="accent5">
+                <a:gs pos="73000">
+                  <a:schemeClr val="bg2">
+                    <a:lumMod val="40000"/>
+                    <a:lumOff val="60000"/>
                     <a:alpha val="0"/>
                   </a:schemeClr>
                 </a:gs>
                 <a:gs pos="36000">
-                  <a:schemeClr val="accent5">
-                    <a:alpha val="6000"/>
+                  <a:schemeClr val="bg2">
+                    <a:lumMod val="40000"/>
+                    <a:lumOff val="60000"/>
+                    <a:alpha val="7000"/>
                   </a:schemeClr>
                 </a:gs>
               </a:gsLst>
@@ -2942,14 +3341,14 @@
         </p:sp>
         <p:sp>
           <p:nvSpPr>
-            <p:cNvPr id="25" name="Oval 24"/>
+            <p:cNvPr id="21" name="Oval 20"/>
             <p:cNvSpPr/>
             <p:nvPr/>
           </p:nvSpPr>
           <p:spPr>
             <a:xfrm>
-              <a:off x="7999412" y="8464"/>
-              <a:ext cx="1600200" cy="1600200"/>
+              <a:off x="8609012" y="5874054"/>
+              <a:ext cx="990600" cy="990600"/>
             </a:xfrm>
             <a:prstGeom prst="ellipse">
               <a:avLst/>
@@ -2957,17 +3356,23 @@
             <a:gradFill flip="none" rotWithShape="1">
               <a:gsLst>
                 <a:gs pos="0">
-                  <a:schemeClr val="accent5">
+                  <a:schemeClr val="bg2">
+                    <a:lumMod val="40000"/>
+                    <a:lumOff val="60000"/>
                     <a:alpha val="14000"/>
                   </a:schemeClr>
                 </a:gs>
-                <a:gs pos="73000">
-                  <a:schemeClr val="accent5">
+                <a:gs pos="66000">
+                  <a:schemeClr val="bg2">
+                    <a:lumMod val="40000"/>
+                    <a:lumOff val="60000"/>
                     <a:alpha val="0"/>
                   </a:schemeClr>
                 </a:gs>
                 <a:gs pos="36000">
-                  <a:schemeClr val="accent5">
+                  <a:schemeClr val="bg2">
+                    <a:lumMod val="40000"/>
+                    <a:lumOff val="60000"/>
                     <a:alpha val="7000"/>
                   </a:schemeClr>
                 </a:gs>
@@ -2999,7 +3404,7 @@
         </p:sp>
         <p:sp>
           <p:nvSpPr>
-            <p:cNvPr id="21" name="Freeform 5"/>
+            <p:cNvPr id="23" name="Freeform 5"/>
             <p:cNvSpPr/>
             <p:nvPr/>
           </p:nvSpPr>
@@ -3146,7 +3551,7 @@
         </p:sp>
         <p:sp>
           <p:nvSpPr>
-            <p:cNvPr id="12" name="Freeform 5"/>
+            <p:cNvPr id="24" name="Freeform 5"/>
             <p:cNvSpPr/>
             <p:nvPr/>
           </p:nvSpPr>
@@ -3330,7 +3735,7 @@
         </p:sp>
         <p:sp>
           <p:nvSpPr>
-            <p:cNvPr id="18" name="Freeform 5"/>
+            <p:cNvPr id="16" name="Freeform 5"/>
             <p:cNvSpPr>
               <a:spLocks noEditPoints="1"/>
             </p:cNvSpPr>
@@ -3395,13 +3800,13 @@
       </p:grpSp>
       <p:sp>
         <p:nvSpPr>
-          <p:cNvPr id="16" name="TextBox 15"/>
+          <p:cNvPr id="13" name="TextBox 12"/>
           <p:cNvSpPr txBox="1"/>
           <p:nvPr/>
         </p:nvSpPr>
-        <p:spPr bwMode="gray">
+        <p:spPr>
           <a:xfrm>
-            <a:off x="881566" y="607336"/>
+            <a:off x="9719438" y="2631815"/>
             <a:ext cx="801912" cy="1569660"/>
           </a:xfrm>
           <a:prstGeom prst="rect">
@@ -3413,35 +3818,39 @@
           <a:bodyPr wrap="square" rtlCol="0">
             <a:spAutoFit/>
           </a:bodyPr>
-          <a:lstStyle/>
-          <a:p>
-            <a:pPr algn="r"/>
-            <a:r>
-              <a:rPr lang="en-US" sz="9600" b="0" i="0" dirty="0">
+          <a:lstStyle>
+            <a:defPPr>
+              <a:defRPr lang="en-US"/>
+            </a:defPPr>
+            <a:lvl1pPr algn="r">
+              <a:defRPr sz="12200" b="0" i="0">
                 <a:solidFill>
-                  <a:schemeClr val="accent1">
-                    <a:lumMod val="60000"/>
-                    <a:lumOff val="40000"/>
-                  </a:schemeClr>
+                  <a:schemeClr val="accent1"/>
                 </a:solidFill>
                 <a:latin typeface="Arial"/>
                 <a:cs typeface="Arial"/>
-              </a:rPr>
-              <a:t>“</a:t>
+              </a:defRPr>
+            </a:lvl1pPr>
+          </a:lstStyle>
+          <a:p>
+            <a:pPr lvl="0"/>
+            <a:r>
+              <a:rPr lang="en-US" sz="9600" dirty="0"/>
+              <a:t>”</a:t>
             </a:r>
           </a:p>
         </p:txBody>
       </p:sp>
       <p:sp>
         <p:nvSpPr>
-          <p:cNvPr id="13" name="TextBox 12"/>
+          <p:cNvPr id="9" name="TextBox 8"/>
           <p:cNvSpPr txBox="1"/>
           <p:nvPr/>
         </p:nvSpPr>
-        <p:spPr bwMode="gray">
+        <p:spPr>
           <a:xfrm>
-            <a:off x="9884458" y="2613787"/>
-            <a:ext cx="652763" cy="1569660"/>
+            <a:off x="898295" y="591093"/>
+            <a:ext cx="801912" cy="1569660"/>
           </a:xfrm>
           <a:prstGeom prst="rect">
             <a:avLst/>
@@ -3452,21 +3861,25 @@
           <a:bodyPr wrap="square" rtlCol="0">
             <a:spAutoFit/>
           </a:bodyPr>
-          <a:lstStyle/>
-          <a:p>
-            <a:pPr algn="r"/>
-            <a:r>
-              <a:rPr lang="en-US" sz="9600" b="0" i="0" dirty="0">
+          <a:lstStyle>
+            <a:defPPr>
+              <a:defRPr lang="en-US"/>
+            </a:defPPr>
+            <a:lvl1pPr algn="r">
+              <a:defRPr sz="12200" b="0" i="0">
                 <a:solidFill>
-                  <a:schemeClr val="accent1">
-                    <a:lumMod val="60000"/>
-                    <a:lumOff val="40000"/>
-                  </a:schemeClr>
+                  <a:schemeClr val="accent1"/>
                 </a:solidFill>
                 <a:latin typeface="Arial"/>
                 <a:cs typeface="Arial"/>
-              </a:rPr>
-              <a:t>”</a:t>
+              </a:defRPr>
+            </a:lvl1pPr>
+          </a:lstStyle>
+          <a:p>
+            <a:pPr lvl="0"/>
+            <a:r>
+              <a:rPr lang="en-US" sz="9600" dirty="0"/>
+              <a:t>“</a:t>
             </a:r>
           </a:p>
         </p:txBody>
@@ -3483,8 +3896,8 @@
         </p:nvSpPr>
         <p:spPr>
           <a:xfrm>
-            <a:off x="1581878" y="982134"/>
-            <a:ext cx="8453906" cy="2696632"/>
+            <a:off x="1581878" y="980517"/>
+            <a:ext cx="8453906" cy="2698249"/>
           </a:xfrm>
         </p:spPr>
         <p:txBody>
@@ -3516,7 +3929,7 @@
         <p:spPr bwMode="gray">
           <a:xfrm>
             <a:off x="1945945" y="3678766"/>
-            <a:ext cx="7731219" cy="342174"/>
+            <a:ext cx="7725772" cy="342174"/>
           </a:xfrm>
         </p:spPr>
         <p:txBody>
@@ -3528,10 +3941,7 @@
               <a:buNone/>
               <a:defRPr lang="en-US" sz="1400" b="0" i="0" kern="1200" cap="small" dirty="0">
                 <a:solidFill>
-                  <a:schemeClr val="accent1">
-                    <a:lumMod val="60000"/>
-                    <a:lumOff val="40000"/>
-                  </a:schemeClr>
+                  <a:schemeClr val="accent1"/>
                 </a:solidFill>
                 <a:latin typeface="+mn-lt"/>
                 <a:ea typeface="+mn-ea"/>
@@ -3591,8 +4001,8 @@
         </p:nvSpPr>
         <p:spPr>
           <a:xfrm>
-            <a:off x="1154954" y="5029199"/>
-            <a:ext cx="9244897" cy="997857"/>
+            <a:off x="1154954" y="4350657"/>
+            <a:ext cx="8825659" cy="1676400"/>
           </a:xfrm>
         </p:spPr>
         <p:txBody>
@@ -3602,7 +4012,7 @@
           <a:lstStyle>
             <a:lvl1pPr marL="0" indent="0">
               <a:buNone/>
-              <a:defRPr sz="1400"/>
+              <a:defRPr sz="1800"/>
             </a:lvl1pPr>
             <a:lvl2pPr marL="457200" indent="0">
               <a:buNone/>
@@ -3690,7 +4100,7 @@
       </p:sp>
       <p:sp>
         <p:nvSpPr>
-          <p:cNvPr id="19" name="Rectangle 18"/>
+          <p:cNvPr id="32" name="Rectangle 31"/>
           <p:cNvSpPr/>
           <p:nvPr/>
         </p:nvSpPr>
@@ -3750,7 +4160,7 @@
     </p:spTree>
     <p:extLst>
       <p:ext uri="{BB962C8B-B14F-4D97-AF65-F5344CB8AC3E}">
-        <p14:creationId xmlns:p14="http://schemas.microsoft.com/office/powerpoint/2010/main" val="712993296"/>
+        <p14:creationId xmlns:p14="http://schemas.microsoft.com/office/powerpoint/2010/main" val="1463388487"/>
       </p:ext>
     </p:extLst>
   </p:cSld>
@@ -3779,21 +4189,21 @@
       </p:grpSpPr>
       <p:grpSp>
         <p:nvGrpSpPr>
-          <p:cNvPr id="9" name="Group 8"/>
+          <p:cNvPr id="18" name="Group 17"/>
           <p:cNvGrpSpPr/>
           <p:nvPr/>
         </p:nvGrpSpPr>
         <p:grpSpPr>
           <a:xfrm>
-            <a:off x="0" y="0"/>
-            <a:ext cx="12192000" cy="6858000"/>
-            <a:chOff x="0" y="0"/>
-            <a:chExt cx="12192000" cy="6858000"/>
+            <a:off x="0" y="-2373"/>
+            <a:ext cx="12192000" cy="6867027"/>
+            <a:chOff x="0" y="-2373"/>
+            <a:chExt cx="12192000" cy="6867027"/>
           </a:xfrm>
         </p:grpSpPr>
         <p:sp>
           <p:nvSpPr>
-            <p:cNvPr id="11" name="Rectangle 10"/>
+            <p:cNvPr id="10" name="Rectangle 9"/>
             <p:cNvSpPr/>
             <p:nvPr/>
           </p:nvSpPr>
@@ -3809,15 +4219,16 @@
               <a:blip r:embed="rId2">
                 <a:duotone>
                   <a:schemeClr val="dk2">
-                    <a:shade val="69000"/>
-                    <a:hueMod val="91000"/>
+                    <a:shade val="62000"/>
+                    <a:hueMod val="108000"/>
                     <a:satMod val="164000"/>
-                    <a:lumMod val="74000"/>
+                    <a:lumMod val="69000"/>
                   </a:schemeClr>
                   <a:schemeClr val="dk2">
-                    <a:hueMod val="124000"/>
-                    <a:satMod val="140000"/>
-                    <a:lumMod val="142000"/>
+                    <a:tint val="96000"/>
+                    <a:hueMod val="90000"/>
+                    <a:satMod val="130000"/>
+                    <a:lumMod val="134000"/>
                   </a:schemeClr>
                 </a:duotone>
               </a:blip>
@@ -3848,13 +4259,13 @@
         </p:sp>
         <p:sp>
           <p:nvSpPr>
-            <p:cNvPr id="15" name="Oval 14"/>
+            <p:cNvPr id="13" name="Oval 12"/>
             <p:cNvSpPr/>
             <p:nvPr/>
           </p:nvSpPr>
           <p:spPr>
             <a:xfrm>
-              <a:off x="0" y="2667000"/>
+              <a:off x="3220" y="2667000"/>
               <a:ext cx="4191000" cy="4191000"/>
             </a:xfrm>
             <a:prstGeom prst="ellipse">
@@ -3863,17 +4274,23 @@
             <a:gradFill flip="none" rotWithShape="1">
               <a:gsLst>
                 <a:gs pos="0">
-                  <a:schemeClr val="accent5">
+                  <a:schemeClr val="bg2">
+                    <a:lumMod val="40000"/>
+                    <a:lumOff val="60000"/>
                     <a:alpha val="11000"/>
                   </a:schemeClr>
                 </a:gs>
                 <a:gs pos="75000">
-                  <a:schemeClr val="accent5">
+                  <a:schemeClr val="bg2">
+                    <a:lumMod val="40000"/>
+                    <a:lumOff val="60000"/>
                     <a:alpha val="0"/>
                   </a:schemeClr>
                 </a:gs>
                 <a:gs pos="36000">
-                  <a:schemeClr val="accent5">
+                  <a:schemeClr val="bg2">
+                    <a:lumMod val="40000"/>
+                    <a:lumOff val="60000"/>
                     <a:alpha val="10000"/>
                   </a:schemeClr>
                 </a:gs>
@@ -3905,13 +4322,13 @@
         </p:sp>
         <p:sp>
           <p:nvSpPr>
-            <p:cNvPr id="16" name="Oval 15"/>
+            <p:cNvPr id="14" name="Oval 13"/>
             <p:cNvSpPr/>
             <p:nvPr/>
           </p:nvSpPr>
           <p:spPr>
             <a:xfrm>
-              <a:off x="0" y="2895600"/>
+              <a:off x="1750" y="2895600"/>
               <a:ext cx="2362200" cy="2362200"/>
             </a:xfrm>
             <a:prstGeom prst="ellipse">
@@ -3920,17 +4337,23 @@
             <a:gradFill flip="none" rotWithShape="1">
               <a:gsLst>
                 <a:gs pos="0">
-                  <a:schemeClr val="accent5">
+                  <a:schemeClr val="bg2">
+                    <a:lumMod val="40000"/>
+                    <a:lumOff val="60000"/>
                     <a:alpha val="8000"/>
                   </a:schemeClr>
                 </a:gs>
                 <a:gs pos="72000">
-                  <a:schemeClr val="accent5">
+                  <a:schemeClr val="bg2">
+                    <a:lumMod val="40000"/>
+                    <a:lumOff val="60000"/>
                     <a:alpha val="0"/>
                   </a:schemeClr>
                 </a:gs>
                 <a:gs pos="36000">
-                  <a:schemeClr val="accent5">
+                  <a:schemeClr val="bg2">
+                    <a:lumMod val="40000"/>
+                    <a:lumOff val="60000"/>
                     <a:alpha val="8000"/>
                   </a:schemeClr>
                 </a:gs>
@@ -3962,14 +4385,14 @@
         </p:sp>
         <p:sp>
           <p:nvSpPr>
-            <p:cNvPr id="17" name="Oval 16"/>
+            <p:cNvPr id="15" name="Oval 14"/>
             <p:cNvSpPr/>
             <p:nvPr/>
           </p:nvSpPr>
           <p:spPr>
             <a:xfrm>
-              <a:off x="8609012" y="5867400"/>
-              <a:ext cx="990600" cy="990600"/>
+              <a:off x="8609012" y="1676400"/>
+              <a:ext cx="2819400" cy="2819400"/>
             </a:xfrm>
             <a:prstGeom prst="ellipse">
               <a:avLst/>
@@ -3977,18 +4400,24 @@
             <a:gradFill flip="none" rotWithShape="1">
               <a:gsLst>
                 <a:gs pos="0">
-                  <a:schemeClr val="accent5">
-                    <a:alpha val="14000"/>
+                  <a:schemeClr val="bg2">
+                    <a:lumMod val="40000"/>
+                    <a:lumOff val="60000"/>
+                    <a:alpha val="7000"/>
                   </a:schemeClr>
                 </a:gs>
-                <a:gs pos="66000">
-                  <a:schemeClr val="accent5">
+                <a:gs pos="69000">
+                  <a:schemeClr val="bg2">
+                    <a:lumMod val="40000"/>
+                    <a:lumOff val="60000"/>
                     <a:alpha val="0"/>
                   </a:schemeClr>
                 </a:gs>
                 <a:gs pos="36000">
-                  <a:schemeClr val="accent5">
-                    <a:alpha val="7000"/>
+                  <a:schemeClr val="bg2">
+                    <a:lumMod val="40000"/>
+                    <a:lumOff val="60000"/>
+                    <a:alpha val="6000"/>
                   </a:schemeClr>
                 </a:gs>
               </a:gsLst>
@@ -4019,14 +4448,14 @@
         </p:sp>
         <p:sp>
           <p:nvSpPr>
-            <p:cNvPr id="18" name="Oval 17"/>
+            <p:cNvPr id="16" name="Oval 15"/>
             <p:cNvSpPr/>
             <p:nvPr/>
           </p:nvSpPr>
           <p:spPr>
             <a:xfrm>
-              <a:off x="8609012" y="1676400"/>
-              <a:ext cx="2819400" cy="2819400"/>
+              <a:off x="7999412" y="-2373"/>
+              <a:ext cx="1600200" cy="1600200"/>
             </a:xfrm>
             <a:prstGeom prst="ellipse">
               <a:avLst/>
@@ -4034,18 +4463,24 @@
             <a:gradFill flip="none" rotWithShape="1">
               <a:gsLst>
                 <a:gs pos="0">
-                  <a:schemeClr val="accent5">
-                    <a:alpha val="7000"/>
+                  <a:schemeClr val="bg2">
+                    <a:lumMod val="40000"/>
+                    <a:lumOff val="60000"/>
+                    <a:alpha val="14000"/>
                   </a:schemeClr>
                 </a:gs>
-                <a:gs pos="69000">
-                  <a:schemeClr val="accent5">
+                <a:gs pos="73000">
+                  <a:schemeClr val="bg2">
+                    <a:lumMod val="40000"/>
+                    <a:lumOff val="60000"/>
                     <a:alpha val="0"/>
                   </a:schemeClr>
                 </a:gs>
                 <a:gs pos="36000">
-                  <a:schemeClr val="accent5">
-                    <a:alpha val="6000"/>
+                  <a:schemeClr val="bg2">
+                    <a:lumMod val="40000"/>
+                    <a:lumOff val="60000"/>
+                    <a:alpha val="7000"/>
                   </a:schemeClr>
                 </a:gs>
               </a:gsLst>
@@ -4076,14 +4511,14 @@
         </p:sp>
         <p:sp>
           <p:nvSpPr>
-            <p:cNvPr id="19" name="Oval 18"/>
+            <p:cNvPr id="17" name="Oval 16"/>
             <p:cNvSpPr/>
             <p:nvPr/>
           </p:nvSpPr>
           <p:spPr>
             <a:xfrm>
-              <a:off x="7999412" y="8464"/>
-              <a:ext cx="1600200" cy="1600200"/>
+              <a:off x="8609012" y="5874054"/>
+              <a:ext cx="990600" cy="990600"/>
             </a:xfrm>
             <a:prstGeom prst="ellipse">
               <a:avLst/>
@@ -4091,17 +4526,23 @@
             <a:gradFill flip="none" rotWithShape="1">
               <a:gsLst>
                 <a:gs pos="0">
-                  <a:schemeClr val="accent5">
+                  <a:schemeClr val="bg2">
+                    <a:lumMod val="40000"/>
+                    <a:lumOff val="60000"/>
                     <a:alpha val="14000"/>
                   </a:schemeClr>
                 </a:gs>
-                <a:gs pos="73000">
-                  <a:schemeClr val="accent5">
+                <a:gs pos="66000">
+                  <a:schemeClr val="bg2">
+                    <a:lumMod val="40000"/>
+                    <a:lumOff val="60000"/>
                     <a:alpha val="0"/>
                   </a:schemeClr>
                 </a:gs>
                 <a:gs pos="36000">
-                  <a:schemeClr val="accent5">
+                  <a:schemeClr val="bg2">
+                    <a:lumMod val="40000"/>
+                    <a:lumOff val="60000"/>
                     <a:alpha val="7000"/>
                   </a:schemeClr>
                 </a:gs>
@@ -4133,7 +4574,7 @@
         </p:sp>
         <p:sp>
           <p:nvSpPr>
-            <p:cNvPr id="13" name="Freeform 5"/>
+            <p:cNvPr id="7" name="Freeform 5"/>
             <p:cNvSpPr/>
             <p:nvPr/>
           </p:nvSpPr>
@@ -4464,7 +4905,7 @@
         </p:sp>
         <p:sp>
           <p:nvSpPr>
-            <p:cNvPr id="12" name="Freeform 5"/>
+            <p:cNvPr id="11" name="Freeform 5"/>
             <p:cNvSpPr>
               <a:spLocks noEditPoints="1"/>
             </p:cNvSpPr>
@@ -4571,7 +5012,7 @@
         </p:nvSpPr>
         <p:spPr>
           <a:xfrm>
-            <a:off x="1154954" y="5024967"/>
+            <a:off x="1154954" y="5033068"/>
             <a:ext cx="8825659" cy="860400"/>
           </a:xfrm>
         </p:spPr>
@@ -4582,10 +5023,7 @@
               <a:buNone/>
               <a:defRPr sz="2000" cap="none">
                 <a:solidFill>
-                  <a:schemeClr val="accent1">
-                    <a:lumMod val="60000"/>
-                    <a:lumOff val="40000"/>
-                  </a:schemeClr>
+                  <a:schemeClr val="accent1"/>
                 </a:solidFill>
               </a:defRPr>
             </a:lvl1pPr>
@@ -4723,7 +5161,7 @@
       </p:sp>
       <p:sp>
         <p:nvSpPr>
-          <p:cNvPr id="14" name="Rectangle 13"/>
+          <p:cNvPr id="12" name="Rectangle 11"/>
           <p:cNvSpPr/>
           <p:nvPr/>
         </p:nvSpPr>
@@ -4783,7 +5221,7 @@
     </p:spTree>
     <p:extLst>
       <p:ext uri="{BB962C8B-B14F-4D97-AF65-F5344CB8AC3E}">
-        <p14:creationId xmlns:p14="http://schemas.microsoft.com/office/powerpoint/2010/main" val="1506309872"/>
+        <p14:creationId xmlns:p14="http://schemas.microsoft.com/office/powerpoint/2010/main" val="1367734918"/>
       </p:ext>
     </p:extLst>
   </p:cSld>
@@ -4820,12 +5258,7 @@
             <p:ph type="title"/>
           </p:nvPr>
         </p:nvSpPr>
-        <p:spPr>
-          <a:xfrm>
-            <a:off x="1154954" y="973668"/>
-            <a:ext cx="8825659" cy="706964"/>
-          </a:xfrm>
-        </p:spPr>
+        <p:spPr/>
         <p:txBody>
           <a:bodyPr/>
           <a:lstStyle>
@@ -4854,8 +5287,8 @@
         </p:nvSpPr>
         <p:spPr>
           <a:xfrm>
-            <a:off x="1154954" y="2603502"/>
-            <a:ext cx="3141878" cy="576262"/>
+            <a:off x="1154954" y="2617299"/>
+            <a:ext cx="3129168" cy="576262"/>
           </a:xfrm>
         </p:spPr>
         <p:txBody>
@@ -4867,10 +5300,7 @@
               <a:buNone/>
               <a:defRPr sz="2400" b="0">
                 <a:solidFill>
-                  <a:schemeClr val="accent1">
-                    <a:lumMod val="60000"/>
-                    <a:lumOff val="40000"/>
-                  </a:schemeClr>
+                  <a:schemeClr val="accent1"/>
                 </a:solidFill>
               </a:defRPr>
             </a:lvl1pPr>
@@ -4928,8 +5358,8 @@
         </p:nvSpPr>
         <p:spPr>
           <a:xfrm>
-            <a:off x="1154953" y="3179764"/>
-            <a:ext cx="3141879" cy="2847293"/>
+            <a:off x="1154954" y="3193561"/>
+            <a:ext cx="3129168" cy="2833496"/>
           </a:xfrm>
         </p:spPr>
         <p:txBody>
@@ -4995,8 +5425,8 @@
         </p:nvSpPr>
         <p:spPr>
           <a:xfrm>
-            <a:off x="4512721" y="2603500"/>
-            <a:ext cx="3147009" cy="576262"/>
+            <a:off x="4512721" y="2603502"/>
+            <a:ext cx="3145380" cy="576262"/>
           </a:xfrm>
         </p:spPr>
         <p:txBody>
@@ -5008,10 +5438,7 @@
               <a:buNone/>
               <a:defRPr sz="2400" b="0">
                 <a:solidFill>
-                  <a:schemeClr val="accent1">
-                    <a:lumMod val="60000"/>
-                    <a:lumOff val="40000"/>
-                  </a:schemeClr>
+                  <a:schemeClr val="accent1"/>
                 </a:solidFill>
               </a:defRPr>
             </a:lvl1pPr>
@@ -5069,8 +5496,8 @@
         </p:nvSpPr>
         <p:spPr>
           <a:xfrm>
-            <a:off x="4512721" y="3179763"/>
-            <a:ext cx="3147009" cy="2847293"/>
+            <a:off x="4512721" y="3193561"/>
+            <a:ext cx="3145380" cy="2833495"/>
           </a:xfrm>
         </p:spPr>
         <p:txBody>
@@ -5136,8 +5563,8 @@
         </p:nvSpPr>
         <p:spPr>
           <a:xfrm>
-            <a:off x="7888135" y="2603501"/>
-            <a:ext cx="3145730" cy="576262"/>
+            <a:off x="7886700" y="2617299"/>
+            <a:ext cx="3161029" cy="576261"/>
           </a:xfrm>
         </p:spPr>
         <p:txBody>
@@ -5149,10 +5576,7 @@
               <a:buNone/>
               <a:defRPr sz="2400" b="0">
                 <a:solidFill>
-                  <a:schemeClr val="accent1">
-                    <a:lumMod val="60000"/>
-                    <a:lumOff val="40000"/>
-                  </a:schemeClr>
+                  <a:schemeClr val="accent1"/>
                 </a:solidFill>
               </a:defRPr>
             </a:lvl1pPr>
@@ -5210,8 +5634,855 @@
         </p:nvSpPr>
         <p:spPr>
           <a:xfrm>
-            <a:off x="7888329" y="3179762"/>
-            <a:ext cx="3145536" cy="2847293"/>
+            <a:off x="7886700" y="3193561"/>
+            <a:ext cx="3164719" cy="2833493"/>
+          </a:xfrm>
+        </p:spPr>
+        <p:txBody>
+          <a:bodyPr anchor="t">
+            <a:normAutofit/>
+          </a:bodyPr>
+          <a:lstStyle>
+            <a:lvl1pPr marL="0" indent="0">
+              <a:buNone/>
+              <a:defRPr sz="1400"/>
+            </a:lvl1pPr>
+            <a:lvl2pPr marL="457200" indent="0">
+              <a:buNone/>
+              <a:defRPr sz="1200"/>
+            </a:lvl2pPr>
+            <a:lvl3pPr marL="914400" indent="0">
+              <a:buNone/>
+              <a:defRPr sz="1000"/>
+            </a:lvl3pPr>
+            <a:lvl4pPr marL="1371600" indent="0">
+              <a:buNone/>
+              <a:defRPr sz="900"/>
+            </a:lvl4pPr>
+            <a:lvl5pPr marL="1828800" indent="0">
+              <a:buNone/>
+              <a:defRPr sz="900"/>
+            </a:lvl5pPr>
+            <a:lvl6pPr marL="2286000" indent="0">
+              <a:buNone/>
+              <a:defRPr sz="900"/>
+            </a:lvl6pPr>
+            <a:lvl7pPr marL="2743200" indent="0">
+              <a:buNone/>
+              <a:defRPr sz="900"/>
+            </a:lvl7pPr>
+            <a:lvl8pPr marL="3200400" indent="0">
+              <a:buNone/>
+              <a:defRPr sz="900"/>
+            </a:lvl8pPr>
+            <a:lvl9pPr marL="3657600" indent="0">
+              <a:buNone/>
+              <a:defRPr sz="900"/>
+            </a:lvl9pPr>
+          </a:lstStyle>
+          <a:p>
+            <a:pPr lvl="0"/>
+            <a:r>
+              <a:rPr lang="en-GB"/>
+              <a:t>Click to edit Master text styles</a:t>
+            </a:r>
+          </a:p>
+        </p:txBody>
+      </p:sp>
+      <p:cxnSp>
+        <p:nvCxnSpPr>
+          <p:cNvPr id="22" name="Straight Connector 21"/>
+          <p:cNvCxnSpPr/>
+          <p:nvPr/>
+        </p:nvCxnSpPr>
+        <p:spPr>
+          <a:xfrm>
+            <a:off x="4403971" y="2569633"/>
+            <a:ext cx="0" cy="3492499"/>
+          </a:xfrm>
+          <a:prstGeom prst="line">
+            <a:avLst/>
+          </a:prstGeom>
+          <a:ln w="12700" cmpd="sng">
+            <a:solidFill>
+              <a:schemeClr val="accent1">
+                <a:alpha val="41000"/>
+              </a:schemeClr>
+            </a:solidFill>
+          </a:ln>
+        </p:spPr>
+        <p:style>
+          <a:lnRef idx="2">
+            <a:schemeClr val="accent1"/>
+          </a:lnRef>
+          <a:fillRef idx="0">
+            <a:schemeClr val="accent1"/>
+          </a:fillRef>
+          <a:effectRef idx="1">
+            <a:schemeClr val="accent1"/>
+          </a:effectRef>
+          <a:fontRef idx="minor">
+            <a:schemeClr val="tx1"/>
+          </a:fontRef>
+        </p:style>
+      </p:cxnSp>
+      <p:cxnSp>
+        <p:nvCxnSpPr>
+          <p:cNvPr id="23" name="Straight Connector 22"/>
+          <p:cNvCxnSpPr/>
+          <p:nvPr/>
+        </p:nvCxnSpPr>
+        <p:spPr>
+          <a:xfrm>
+            <a:off x="7772401" y="2569633"/>
+            <a:ext cx="0" cy="3492499"/>
+          </a:xfrm>
+          <a:prstGeom prst="line">
+            <a:avLst/>
+          </a:prstGeom>
+          <a:ln w="12700" cmpd="sng">
+            <a:solidFill>
+              <a:schemeClr val="accent1">
+                <a:alpha val="41000"/>
+              </a:schemeClr>
+            </a:solidFill>
+          </a:ln>
+        </p:spPr>
+        <p:style>
+          <a:lnRef idx="2">
+            <a:schemeClr val="accent1"/>
+          </a:lnRef>
+          <a:fillRef idx="0">
+            <a:schemeClr val="accent1"/>
+          </a:fillRef>
+          <a:effectRef idx="1">
+            <a:schemeClr val="accent1"/>
+          </a:effectRef>
+          <a:fontRef idx="minor">
+            <a:schemeClr val="tx1"/>
+          </a:fontRef>
+        </p:style>
+      </p:cxnSp>
+      <p:sp>
+        <p:nvSpPr>
+          <p:cNvPr id="7" name="Date Placeholder 6"/>
+          <p:cNvSpPr>
+            <a:spLocks noGrp="1"/>
+          </p:cNvSpPr>
+          <p:nvPr>
+            <p:ph type="dt" sz="half" idx="10"/>
+          </p:nvPr>
+        </p:nvSpPr>
+        <p:spPr/>
+        <p:txBody>
+          <a:bodyPr/>
+          <a:lstStyle/>
+          <a:p>
+            <a:fld id="{34DA4601-22FE-8A4F-9553-E61570E048DD}" type="datetimeFigureOut">
+              <a:rPr lang="en-KE" smtClean="0"/>
+              <a:t>04/07/2022</a:t>
+            </a:fld>
+            <a:endParaRPr lang="en-KE"/>
+          </a:p>
+        </p:txBody>
+      </p:sp>
+      <p:sp>
+        <p:nvSpPr>
+          <p:cNvPr id="8" name="Footer Placeholder 7"/>
+          <p:cNvSpPr>
+            <a:spLocks noGrp="1"/>
+          </p:cNvSpPr>
+          <p:nvPr>
+            <p:ph type="ftr" sz="quarter" idx="11"/>
+          </p:nvPr>
+        </p:nvSpPr>
+        <p:spPr/>
+        <p:txBody>
+          <a:bodyPr/>
+          <a:lstStyle/>
+          <a:p>
+            <a:endParaRPr lang="en-KE"/>
+          </a:p>
+        </p:txBody>
+      </p:sp>
+      <p:sp>
+        <p:nvSpPr>
+          <p:cNvPr id="9" name="Slide Number Placeholder 8"/>
+          <p:cNvSpPr>
+            <a:spLocks noGrp="1"/>
+          </p:cNvSpPr>
+          <p:nvPr>
+            <p:ph type="sldNum" sz="quarter" idx="12"/>
+          </p:nvPr>
+        </p:nvSpPr>
+        <p:spPr/>
+        <p:txBody>
+          <a:bodyPr/>
+          <a:lstStyle/>
+          <a:p>
+            <a:fld id="{02F743FD-E683-2D46-859D-984CCF51A6C6}" type="slidenum">
+              <a:rPr lang="en-KE" smtClean="0"/>
+              <a:t>‹#›</a:t>
+            </a:fld>
+            <a:endParaRPr lang="en-KE"/>
+          </a:p>
+        </p:txBody>
+      </p:sp>
+    </p:spTree>
+    <p:extLst>
+      <p:ext uri="{BB962C8B-B14F-4D97-AF65-F5344CB8AC3E}">
+        <p14:creationId xmlns:p14="http://schemas.microsoft.com/office/powerpoint/2010/main" val="997705018"/>
+      </p:ext>
+    </p:extLst>
+  </p:cSld>
+  <p:clrMapOvr>
+    <a:masterClrMapping/>
+  </p:clrMapOvr>
+</p:sldLayout>
+</file>
+
+<file path=ppt/slideLayouts/slideLayout15.xml><?xml version="1.0" encoding="utf-8"?>
+<p:sldLayout xmlns:a="http://schemas.openxmlformats.org/drawingml/2006/main" xmlns:r="http://schemas.openxmlformats.org/officeDocument/2006/relationships" xmlns:p="http://schemas.openxmlformats.org/presentationml/2006/main" preserve="1">
+  <p:cSld name="3 Picture Column">
+    <p:spTree>
+      <p:nvGrpSpPr>
+        <p:cNvPr id="1" name=""/>
+        <p:cNvGrpSpPr/>
+        <p:nvPr/>
+      </p:nvGrpSpPr>
+      <p:grpSpPr>
+        <a:xfrm>
+          <a:off x="0" y="0"/>
+          <a:ext cx="0" cy="0"/>
+          <a:chOff x="0" y="0"/>
+          <a:chExt cx="0" cy="0"/>
+        </a:xfrm>
+      </p:grpSpPr>
+      <p:sp>
+        <p:nvSpPr>
+          <p:cNvPr id="2" name="Title 1"/>
+          <p:cNvSpPr>
+            <a:spLocks noGrp="1"/>
+          </p:cNvSpPr>
+          <p:nvPr>
+            <p:ph type="title"/>
+          </p:nvPr>
+        </p:nvSpPr>
+        <p:spPr/>
+        <p:txBody>
+          <a:bodyPr/>
+          <a:lstStyle>
+            <a:lvl1pPr>
+              <a:defRPr sz="3600"/>
+            </a:lvl1pPr>
+          </a:lstStyle>
+          <a:p>
+            <a:r>
+              <a:rPr lang="en-GB"/>
+              <a:t>Click to edit Master title style</a:t>
+            </a:r>
+            <a:endParaRPr lang="en-US" dirty="0"/>
+          </a:p>
+        </p:txBody>
+      </p:sp>
+      <p:sp>
+        <p:nvSpPr>
+          <p:cNvPr id="3" name="Text Placeholder 2"/>
+          <p:cNvSpPr>
+            <a:spLocks noGrp="1"/>
+          </p:cNvSpPr>
+          <p:nvPr>
+            <p:ph type="body" idx="1"/>
+          </p:nvPr>
+        </p:nvSpPr>
+        <p:spPr>
+          <a:xfrm>
+            <a:off x="1154952" y="4532845"/>
+            <a:ext cx="3050439" cy="576262"/>
+          </a:xfrm>
+        </p:spPr>
+        <p:txBody>
+          <a:bodyPr anchor="b">
+            <a:noAutofit/>
+          </a:bodyPr>
+          <a:lstStyle>
+            <a:lvl1pPr marL="0" indent="0">
+              <a:buNone/>
+              <a:defRPr sz="2400" b="0">
+                <a:solidFill>
+                  <a:schemeClr val="accent1"/>
+                </a:solidFill>
+              </a:defRPr>
+            </a:lvl1pPr>
+            <a:lvl2pPr marL="457200" indent="0">
+              <a:buNone/>
+              <a:defRPr sz="2000" b="1"/>
+            </a:lvl2pPr>
+            <a:lvl3pPr marL="914400" indent="0">
+              <a:buNone/>
+              <a:defRPr sz="1800" b="1"/>
+            </a:lvl3pPr>
+            <a:lvl4pPr marL="1371600" indent="0">
+              <a:buNone/>
+              <a:defRPr sz="1600" b="1"/>
+            </a:lvl4pPr>
+            <a:lvl5pPr marL="1828800" indent="0">
+              <a:buNone/>
+              <a:defRPr sz="1600" b="1"/>
+            </a:lvl5pPr>
+            <a:lvl6pPr marL="2286000" indent="0">
+              <a:buNone/>
+              <a:defRPr sz="1600" b="1"/>
+            </a:lvl6pPr>
+            <a:lvl7pPr marL="2743200" indent="0">
+              <a:buNone/>
+              <a:defRPr sz="1600" b="1"/>
+            </a:lvl7pPr>
+            <a:lvl8pPr marL="3200400" indent="0">
+              <a:buNone/>
+              <a:defRPr sz="1600" b="1"/>
+            </a:lvl8pPr>
+            <a:lvl9pPr marL="3657600" indent="0">
+              <a:buNone/>
+              <a:defRPr sz="1600" b="1"/>
+            </a:lvl9pPr>
+          </a:lstStyle>
+          <a:p>
+            <a:pPr lvl="0"/>
+            <a:r>
+              <a:rPr lang="en-GB"/>
+              <a:t>Click to edit Master text styles</a:t>
+            </a:r>
+          </a:p>
+        </p:txBody>
+      </p:sp>
+      <p:sp>
+        <p:nvSpPr>
+          <p:cNvPr id="29" name="Picture Placeholder 2"/>
+          <p:cNvSpPr>
+            <a:spLocks noGrp="1" noChangeAspect="1"/>
+          </p:cNvSpPr>
+          <p:nvPr>
+            <p:ph type="pic" idx="15"/>
+          </p:nvPr>
+        </p:nvSpPr>
+        <p:spPr>
+          <a:xfrm>
+            <a:off x="1334552" y="2603500"/>
+            <a:ext cx="2691242" cy="1591510"/>
+          </a:xfrm>
+          <a:prstGeom prst="roundRect">
+            <a:avLst>
+              <a:gd name="adj" fmla="val 1858"/>
+            </a:avLst>
+          </a:prstGeom>
+          <a:effectLst>
+            <a:outerShdw blurRad="50800" dist="50800" dir="5400000" algn="tl" rotWithShape="0">
+              <a:srgbClr val="000000">
+                <a:alpha val="43000"/>
+              </a:srgbClr>
+            </a:outerShdw>
+          </a:effectLst>
+        </p:spPr>
+        <p:txBody>
+          <a:bodyPr anchor="t">
+            <a:normAutofit/>
+          </a:bodyPr>
+          <a:lstStyle>
+            <a:lvl1pPr marL="0" indent="0" algn="ctr">
+              <a:buNone/>
+              <a:defRPr sz="1600"/>
+            </a:lvl1pPr>
+            <a:lvl2pPr marL="457200" indent="0">
+              <a:buNone/>
+              <a:defRPr sz="1600"/>
+            </a:lvl2pPr>
+            <a:lvl3pPr marL="914400" indent="0">
+              <a:buNone/>
+              <a:defRPr sz="1600"/>
+            </a:lvl3pPr>
+            <a:lvl4pPr marL="1371600" indent="0">
+              <a:buNone/>
+              <a:defRPr sz="1600"/>
+            </a:lvl4pPr>
+            <a:lvl5pPr marL="1828800" indent="0">
+              <a:buNone/>
+              <a:defRPr sz="1600"/>
+            </a:lvl5pPr>
+            <a:lvl6pPr marL="2286000" indent="0">
+              <a:buNone/>
+              <a:defRPr sz="1600"/>
+            </a:lvl6pPr>
+            <a:lvl7pPr marL="2743200" indent="0">
+              <a:buNone/>
+              <a:defRPr sz="1600"/>
+            </a:lvl7pPr>
+            <a:lvl8pPr marL="3200400" indent="0">
+              <a:buNone/>
+              <a:defRPr sz="1600"/>
+            </a:lvl8pPr>
+            <a:lvl9pPr marL="3657600" indent="0">
+              <a:buNone/>
+              <a:defRPr sz="1600"/>
+            </a:lvl9pPr>
+          </a:lstStyle>
+          <a:p>
+            <a:r>
+              <a:rPr lang="en-GB"/>
+              <a:t>Click icon to add picture</a:t>
+            </a:r>
+            <a:endParaRPr lang="en-US" dirty="0"/>
+          </a:p>
+        </p:txBody>
+      </p:sp>
+      <p:sp>
+        <p:nvSpPr>
+          <p:cNvPr id="22" name="Text Placeholder 3"/>
+          <p:cNvSpPr>
+            <a:spLocks noGrp="1"/>
+          </p:cNvSpPr>
+          <p:nvPr>
+            <p:ph type="body" sz="half" idx="18"/>
+          </p:nvPr>
+        </p:nvSpPr>
+        <p:spPr>
+          <a:xfrm>
+            <a:off x="1154953" y="5109107"/>
+            <a:ext cx="3050437" cy="917949"/>
+          </a:xfrm>
+        </p:spPr>
+        <p:txBody>
+          <a:bodyPr anchor="t">
+            <a:normAutofit/>
+          </a:bodyPr>
+          <a:lstStyle>
+            <a:lvl1pPr marL="0" indent="0">
+              <a:buNone/>
+              <a:defRPr sz="1400"/>
+            </a:lvl1pPr>
+            <a:lvl2pPr marL="457200" indent="0">
+              <a:buNone/>
+              <a:defRPr sz="1200"/>
+            </a:lvl2pPr>
+            <a:lvl3pPr marL="914400" indent="0">
+              <a:buNone/>
+              <a:defRPr sz="1000"/>
+            </a:lvl3pPr>
+            <a:lvl4pPr marL="1371600" indent="0">
+              <a:buNone/>
+              <a:defRPr sz="900"/>
+            </a:lvl4pPr>
+            <a:lvl5pPr marL="1828800" indent="0">
+              <a:buNone/>
+              <a:defRPr sz="900"/>
+            </a:lvl5pPr>
+            <a:lvl6pPr marL="2286000" indent="0">
+              <a:buNone/>
+              <a:defRPr sz="900"/>
+            </a:lvl6pPr>
+            <a:lvl7pPr marL="2743200" indent="0">
+              <a:buNone/>
+              <a:defRPr sz="900"/>
+            </a:lvl7pPr>
+            <a:lvl8pPr marL="3200400" indent="0">
+              <a:buNone/>
+              <a:defRPr sz="900"/>
+            </a:lvl8pPr>
+            <a:lvl9pPr marL="3657600" indent="0">
+              <a:buNone/>
+              <a:defRPr sz="900"/>
+            </a:lvl9pPr>
+          </a:lstStyle>
+          <a:p>
+            <a:pPr lvl="0"/>
+            <a:r>
+              <a:rPr lang="en-GB"/>
+              <a:t>Click to edit Master text styles</a:t>
+            </a:r>
+          </a:p>
+        </p:txBody>
+      </p:sp>
+      <p:sp>
+        <p:nvSpPr>
+          <p:cNvPr id="5" name="Text Placeholder 4"/>
+          <p:cNvSpPr>
+            <a:spLocks noGrp="1"/>
+          </p:cNvSpPr>
+          <p:nvPr>
+            <p:ph type="body" sz="quarter" idx="3"/>
+          </p:nvPr>
+        </p:nvSpPr>
+        <p:spPr>
+          <a:xfrm>
+            <a:off x="4572537" y="4532846"/>
+            <a:ext cx="3046766" cy="651156"/>
+          </a:xfrm>
+        </p:spPr>
+        <p:txBody>
+          <a:bodyPr anchor="b">
+            <a:noAutofit/>
+          </a:bodyPr>
+          <a:lstStyle>
+            <a:lvl1pPr marL="0" indent="0">
+              <a:buNone/>
+              <a:defRPr sz="2400" b="0">
+                <a:solidFill>
+                  <a:schemeClr val="accent1"/>
+                </a:solidFill>
+              </a:defRPr>
+            </a:lvl1pPr>
+            <a:lvl2pPr marL="457200" indent="0">
+              <a:buNone/>
+              <a:defRPr sz="2000" b="1"/>
+            </a:lvl2pPr>
+            <a:lvl3pPr marL="914400" indent="0">
+              <a:buNone/>
+              <a:defRPr sz="1800" b="1"/>
+            </a:lvl3pPr>
+            <a:lvl4pPr marL="1371600" indent="0">
+              <a:buNone/>
+              <a:defRPr sz="1600" b="1"/>
+            </a:lvl4pPr>
+            <a:lvl5pPr marL="1828800" indent="0">
+              <a:buNone/>
+              <a:defRPr sz="1600" b="1"/>
+            </a:lvl5pPr>
+            <a:lvl6pPr marL="2286000" indent="0">
+              <a:buNone/>
+              <a:defRPr sz="1600" b="1"/>
+            </a:lvl6pPr>
+            <a:lvl7pPr marL="2743200" indent="0">
+              <a:buNone/>
+              <a:defRPr sz="1600" b="1"/>
+            </a:lvl7pPr>
+            <a:lvl8pPr marL="3200400" indent="0">
+              <a:buNone/>
+              <a:defRPr sz="1600" b="1"/>
+            </a:lvl8pPr>
+            <a:lvl9pPr marL="3657600" indent="0">
+              <a:buNone/>
+              <a:defRPr sz="1600" b="1"/>
+            </a:lvl9pPr>
+          </a:lstStyle>
+          <a:p>
+            <a:pPr lvl="0"/>
+            <a:r>
+              <a:rPr lang="en-GB"/>
+              <a:t>Click to edit Master text styles</a:t>
+            </a:r>
+          </a:p>
+        </p:txBody>
+      </p:sp>
+      <p:sp>
+        <p:nvSpPr>
+          <p:cNvPr id="30" name="Picture Placeholder 2"/>
+          <p:cNvSpPr>
+            <a:spLocks noGrp="1" noChangeAspect="1"/>
+          </p:cNvSpPr>
+          <p:nvPr>
+            <p:ph type="pic" idx="21"/>
+          </p:nvPr>
+        </p:nvSpPr>
+        <p:spPr>
+          <a:xfrm>
+            <a:off x="4748463" y="2603500"/>
+            <a:ext cx="2691241" cy="1591510"/>
+          </a:xfrm>
+          <a:prstGeom prst="roundRect">
+            <a:avLst>
+              <a:gd name="adj" fmla="val 1858"/>
+            </a:avLst>
+          </a:prstGeom>
+          <a:effectLst>
+            <a:outerShdw blurRad="50800" dist="50800" dir="5400000" algn="tl" rotWithShape="0">
+              <a:srgbClr val="000000">
+                <a:alpha val="43000"/>
+              </a:srgbClr>
+            </a:outerShdw>
+          </a:effectLst>
+        </p:spPr>
+        <p:txBody>
+          <a:bodyPr anchor="t">
+            <a:normAutofit/>
+          </a:bodyPr>
+          <a:lstStyle>
+            <a:lvl1pPr marL="0" indent="0" algn="ctr">
+              <a:buNone/>
+              <a:defRPr sz="1600"/>
+            </a:lvl1pPr>
+            <a:lvl2pPr marL="457200" indent="0">
+              <a:buNone/>
+              <a:defRPr sz="1600"/>
+            </a:lvl2pPr>
+            <a:lvl3pPr marL="914400" indent="0">
+              <a:buNone/>
+              <a:defRPr sz="1600"/>
+            </a:lvl3pPr>
+            <a:lvl4pPr marL="1371600" indent="0">
+              <a:buNone/>
+              <a:defRPr sz="1600"/>
+            </a:lvl4pPr>
+            <a:lvl5pPr marL="1828800" indent="0">
+              <a:buNone/>
+              <a:defRPr sz="1600"/>
+            </a:lvl5pPr>
+            <a:lvl6pPr marL="2286000" indent="0">
+              <a:buNone/>
+              <a:defRPr sz="1600"/>
+            </a:lvl6pPr>
+            <a:lvl7pPr marL="2743200" indent="0">
+              <a:buNone/>
+              <a:defRPr sz="1600"/>
+            </a:lvl7pPr>
+            <a:lvl8pPr marL="3200400" indent="0">
+              <a:buNone/>
+              <a:defRPr sz="1600"/>
+            </a:lvl8pPr>
+            <a:lvl9pPr marL="3657600" indent="0">
+              <a:buNone/>
+              <a:defRPr sz="1600"/>
+            </a:lvl9pPr>
+          </a:lstStyle>
+          <a:p>
+            <a:r>
+              <a:rPr lang="en-GB"/>
+              <a:t>Click icon to add picture</a:t>
+            </a:r>
+            <a:endParaRPr lang="en-US" dirty="0"/>
+          </a:p>
+        </p:txBody>
+      </p:sp>
+      <p:sp>
+        <p:nvSpPr>
+          <p:cNvPr id="23" name="Text Placeholder 3"/>
+          <p:cNvSpPr>
+            <a:spLocks noGrp="1"/>
+          </p:cNvSpPr>
+          <p:nvPr>
+            <p:ph type="body" sz="half" idx="19"/>
+          </p:nvPr>
+        </p:nvSpPr>
+        <p:spPr>
+          <a:xfrm>
+            <a:off x="4568865" y="5184002"/>
+            <a:ext cx="3050438" cy="843056"/>
+          </a:xfrm>
+        </p:spPr>
+        <p:txBody>
+          <a:bodyPr anchor="t">
+            <a:normAutofit/>
+          </a:bodyPr>
+          <a:lstStyle>
+            <a:lvl1pPr marL="0" indent="0">
+              <a:buNone/>
+              <a:defRPr sz="1400"/>
+            </a:lvl1pPr>
+            <a:lvl2pPr marL="457200" indent="0">
+              <a:buNone/>
+              <a:defRPr sz="1200"/>
+            </a:lvl2pPr>
+            <a:lvl3pPr marL="914400" indent="0">
+              <a:buNone/>
+              <a:defRPr sz="1000"/>
+            </a:lvl3pPr>
+            <a:lvl4pPr marL="1371600" indent="0">
+              <a:buNone/>
+              <a:defRPr sz="900"/>
+            </a:lvl4pPr>
+            <a:lvl5pPr marL="1828800" indent="0">
+              <a:buNone/>
+              <a:defRPr sz="900"/>
+            </a:lvl5pPr>
+            <a:lvl6pPr marL="2286000" indent="0">
+              <a:buNone/>
+              <a:defRPr sz="900"/>
+            </a:lvl6pPr>
+            <a:lvl7pPr marL="2743200" indent="0">
+              <a:buNone/>
+              <a:defRPr sz="900"/>
+            </a:lvl7pPr>
+            <a:lvl8pPr marL="3200400" indent="0">
+              <a:buNone/>
+              <a:defRPr sz="900"/>
+            </a:lvl8pPr>
+            <a:lvl9pPr marL="3657600" indent="0">
+              <a:buNone/>
+              <a:defRPr sz="900"/>
+            </a:lvl9pPr>
+          </a:lstStyle>
+          <a:p>
+            <a:pPr lvl="0"/>
+            <a:r>
+              <a:rPr lang="en-GB"/>
+              <a:t>Click to edit Master text styles</a:t>
+            </a:r>
+          </a:p>
+        </p:txBody>
+      </p:sp>
+      <p:sp>
+        <p:nvSpPr>
+          <p:cNvPr id="14" name="Text Placeholder 4"/>
+          <p:cNvSpPr>
+            <a:spLocks noGrp="1"/>
+          </p:cNvSpPr>
+          <p:nvPr>
+            <p:ph type="body" sz="quarter" idx="13"/>
+          </p:nvPr>
+        </p:nvSpPr>
+        <p:spPr>
+          <a:xfrm>
+            <a:off x="7983434" y="4532847"/>
+            <a:ext cx="3050438" cy="651154"/>
+          </a:xfrm>
+        </p:spPr>
+        <p:txBody>
+          <a:bodyPr anchor="b">
+            <a:noAutofit/>
+          </a:bodyPr>
+          <a:lstStyle>
+            <a:lvl1pPr marL="0" indent="0">
+              <a:buNone/>
+              <a:defRPr sz="2400" b="0">
+                <a:solidFill>
+                  <a:schemeClr val="accent1"/>
+                </a:solidFill>
+              </a:defRPr>
+            </a:lvl1pPr>
+            <a:lvl2pPr marL="457200" indent="0">
+              <a:buNone/>
+              <a:defRPr sz="2000" b="1"/>
+            </a:lvl2pPr>
+            <a:lvl3pPr marL="914400" indent="0">
+              <a:buNone/>
+              <a:defRPr sz="1800" b="1"/>
+            </a:lvl3pPr>
+            <a:lvl4pPr marL="1371600" indent="0">
+              <a:buNone/>
+              <a:defRPr sz="1600" b="1"/>
+            </a:lvl4pPr>
+            <a:lvl5pPr marL="1828800" indent="0">
+              <a:buNone/>
+              <a:defRPr sz="1600" b="1"/>
+            </a:lvl5pPr>
+            <a:lvl6pPr marL="2286000" indent="0">
+              <a:buNone/>
+              <a:defRPr sz="1600" b="1"/>
+            </a:lvl6pPr>
+            <a:lvl7pPr marL="2743200" indent="0">
+              <a:buNone/>
+              <a:defRPr sz="1600" b="1"/>
+            </a:lvl7pPr>
+            <a:lvl8pPr marL="3200400" indent="0">
+              <a:buNone/>
+              <a:defRPr sz="1600" b="1"/>
+            </a:lvl8pPr>
+            <a:lvl9pPr marL="3657600" indent="0">
+              <a:buNone/>
+              <a:defRPr sz="1600" b="1"/>
+            </a:lvl9pPr>
+          </a:lstStyle>
+          <a:p>
+            <a:pPr lvl="0"/>
+            <a:r>
+              <a:rPr lang="en-GB"/>
+              <a:t>Click to edit Master text styles</a:t>
+            </a:r>
+          </a:p>
+        </p:txBody>
+      </p:sp>
+      <p:sp>
+        <p:nvSpPr>
+          <p:cNvPr id="31" name="Picture Placeholder 2"/>
+          <p:cNvSpPr>
+            <a:spLocks noGrp="1" noChangeAspect="1"/>
+          </p:cNvSpPr>
+          <p:nvPr>
+            <p:ph type="pic" idx="22"/>
+          </p:nvPr>
+        </p:nvSpPr>
+        <p:spPr>
+          <a:xfrm>
+            <a:off x="8163031" y="2603500"/>
+            <a:ext cx="2691242" cy="1591510"/>
+          </a:xfrm>
+          <a:prstGeom prst="roundRect">
+            <a:avLst>
+              <a:gd name="adj" fmla="val 1858"/>
+            </a:avLst>
+          </a:prstGeom>
+          <a:effectLst>
+            <a:outerShdw blurRad="50800" dist="50800" dir="5400000" algn="tl" rotWithShape="0">
+              <a:srgbClr val="000000">
+                <a:alpha val="43000"/>
+              </a:srgbClr>
+            </a:outerShdw>
+          </a:effectLst>
+        </p:spPr>
+        <p:txBody>
+          <a:bodyPr anchor="t">
+            <a:normAutofit/>
+          </a:bodyPr>
+          <a:lstStyle>
+            <a:lvl1pPr marL="0" indent="0" algn="ctr">
+              <a:buNone/>
+              <a:defRPr sz="1600"/>
+            </a:lvl1pPr>
+            <a:lvl2pPr marL="457200" indent="0">
+              <a:buNone/>
+              <a:defRPr sz="1600"/>
+            </a:lvl2pPr>
+            <a:lvl3pPr marL="914400" indent="0">
+              <a:buNone/>
+              <a:defRPr sz="1600"/>
+            </a:lvl3pPr>
+            <a:lvl4pPr marL="1371600" indent="0">
+              <a:buNone/>
+              <a:defRPr sz="1600"/>
+            </a:lvl4pPr>
+            <a:lvl5pPr marL="1828800" indent="0">
+              <a:buNone/>
+              <a:defRPr sz="1600"/>
+            </a:lvl5pPr>
+            <a:lvl6pPr marL="2286000" indent="0">
+              <a:buNone/>
+              <a:defRPr sz="1600"/>
+            </a:lvl6pPr>
+            <a:lvl7pPr marL="2743200" indent="0">
+              <a:buNone/>
+              <a:defRPr sz="1600"/>
+            </a:lvl7pPr>
+            <a:lvl8pPr marL="3200400" indent="0">
+              <a:buNone/>
+              <a:defRPr sz="1600"/>
+            </a:lvl8pPr>
+            <a:lvl9pPr marL="3657600" indent="0">
+              <a:buNone/>
+              <a:defRPr sz="1600"/>
+            </a:lvl9pPr>
+          </a:lstStyle>
+          <a:p>
+            <a:r>
+              <a:rPr lang="en-GB"/>
+              <a:t>Click icon to add picture</a:t>
+            </a:r>
+            <a:endParaRPr lang="en-US" dirty="0"/>
+          </a:p>
+        </p:txBody>
+      </p:sp>
+      <p:sp>
+        <p:nvSpPr>
+          <p:cNvPr id="24" name="Text Placeholder 3"/>
+          <p:cNvSpPr>
+            <a:spLocks noGrp="1"/>
+          </p:cNvSpPr>
+          <p:nvPr>
+            <p:ph type="body" sz="half" idx="20"/>
+          </p:nvPr>
+        </p:nvSpPr>
+        <p:spPr>
+          <a:xfrm>
+            <a:off x="7983434" y="5184001"/>
+            <a:ext cx="3050437" cy="843054"/>
           </a:xfrm>
         </p:spPr>
         <p:txBody>
@@ -5273,8 +6544,8 @@
         </p:nvCxnSpPr>
         <p:spPr>
           <a:xfrm>
-            <a:off x="4403971" y="2569633"/>
-            <a:ext cx="0" cy="3492499"/>
+            <a:off x="4388153" y="2603500"/>
+            <a:ext cx="0" cy="3517594"/>
           </a:xfrm>
           <a:prstGeom prst="line">
             <a:avLst/>
@@ -5310,8 +6581,8 @@
         </p:nvCxnSpPr>
         <p:spPr>
           <a:xfrm>
-            <a:off x="7772401" y="2569633"/>
-            <a:ext cx="0" cy="3492499"/>
+            <a:off x="7801905" y="2603500"/>
+            <a:ext cx="0" cy="3492500"/>
           </a:xfrm>
           <a:prstGeom prst="line">
             <a:avLst/>
@@ -5407,873 +6678,7 @@
     </p:spTree>
     <p:extLst>
       <p:ext uri="{BB962C8B-B14F-4D97-AF65-F5344CB8AC3E}">
-        <p14:creationId xmlns:p14="http://schemas.microsoft.com/office/powerpoint/2010/main" val="2088664438"/>
-      </p:ext>
-    </p:extLst>
-  </p:cSld>
-  <p:clrMapOvr>
-    <a:masterClrMapping/>
-  </p:clrMapOvr>
-</p:sldLayout>
-</file>
-
-<file path=ppt/slideLayouts/slideLayout15.xml><?xml version="1.0" encoding="utf-8"?>
-<p:sldLayout xmlns:a="http://schemas.openxmlformats.org/drawingml/2006/main" xmlns:r="http://schemas.openxmlformats.org/officeDocument/2006/relationships" xmlns:p="http://schemas.openxmlformats.org/presentationml/2006/main" preserve="1">
-  <p:cSld name="3 Picture Column">
-    <p:spTree>
-      <p:nvGrpSpPr>
-        <p:cNvPr id="1" name=""/>
-        <p:cNvGrpSpPr/>
-        <p:nvPr/>
-      </p:nvGrpSpPr>
-      <p:grpSpPr>
-        <a:xfrm>
-          <a:off x="0" y="0"/>
-          <a:ext cx="0" cy="0"/>
-          <a:chOff x="0" y="0"/>
-          <a:chExt cx="0" cy="0"/>
-        </a:xfrm>
-      </p:grpSpPr>
-      <p:sp>
-        <p:nvSpPr>
-          <p:cNvPr id="2" name="Title 1"/>
-          <p:cNvSpPr>
-            <a:spLocks noGrp="1"/>
-          </p:cNvSpPr>
-          <p:nvPr>
-            <p:ph type="title"/>
-          </p:nvPr>
-        </p:nvSpPr>
-        <p:spPr>
-          <a:xfrm>
-            <a:off x="1154954" y="973668"/>
-            <a:ext cx="8825659" cy="706964"/>
-          </a:xfrm>
-        </p:spPr>
-        <p:txBody>
-          <a:bodyPr/>
-          <a:lstStyle>
-            <a:lvl1pPr>
-              <a:defRPr sz="3600"/>
-            </a:lvl1pPr>
-          </a:lstStyle>
-          <a:p>
-            <a:r>
-              <a:rPr lang="en-GB"/>
-              <a:t>Click to edit Master title style</a:t>
-            </a:r>
-            <a:endParaRPr lang="en-US" dirty="0"/>
-          </a:p>
-        </p:txBody>
-      </p:sp>
-      <p:sp>
-        <p:nvSpPr>
-          <p:cNvPr id="3" name="Text Placeholder 2"/>
-          <p:cNvSpPr>
-            <a:spLocks noGrp="1"/>
-          </p:cNvSpPr>
-          <p:nvPr>
-            <p:ph type="body" idx="1"/>
-          </p:nvPr>
-        </p:nvSpPr>
-        <p:spPr>
-          <a:xfrm>
-            <a:off x="1154954" y="4532844"/>
-            <a:ext cx="3050438" cy="576262"/>
-          </a:xfrm>
-        </p:spPr>
-        <p:txBody>
-          <a:bodyPr anchor="b">
-            <a:noAutofit/>
-          </a:bodyPr>
-          <a:lstStyle>
-            <a:lvl1pPr marL="0" indent="0">
-              <a:buNone/>
-              <a:defRPr sz="2400" b="0">
-                <a:solidFill>
-                  <a:schemeClr val="accent1">
-                    <a:lumMod val="60000"/>
-                    <a:lumOff val="40000"/>
-                  </a:schemeClr>
-                </a:solidFill>
-              </a:defRPr>
-            </a:lvl1pPr>
-            <a:lvl2pPr marL="457200" indent="0">
-              <a:buNone/>
-              <a:defRPr sz="2000" b="1"/>
-            </a:lvl2pPr>
-            <a:lvl3pPr marL="914400" indent="0">
-              <a:buNone/>
-              <a:defRPr sz="1800" b="1"/>
-            </a:lvl3pPr>
-            <a:lvl4pPr marL="1371600" indent="0">
-              <a:buNone/>
-              <a:defRPr sz="1600" b="1"/>
-            </a:lvl4pPr>
-            <a:lvl5pPr marL="1828800" indent="0">
-              <a:buNone/>
-              <a:defRPr sz="1600" b="1"/>
-            </a:lvl5pPr>
-            <a:lvl6pPr marL="2286000" indent="0">
-              <a:buNone/>
-              <a:defRPr sz="1600" b="1"/>
-            </a:lvl6pPr>
-            <a:lvl7pPr marL="2743200" indent="0">
-              <a:buNone/>
-              <a:defRPr sz="1600" b="1"/>
-            </a:lvl7pPr>
-            <a:lvl8pPr marL="3200400" indent="0">
-              <a:buNone/>
-              <a:defRPr sz="1600" b="1"/>
-            </a:lvl8pPr>
-            <a:lvl9pPr marL="3657600" indent="0">
-              <a:buNone/>
-              <a:defRPr sz="1600" b="1"/>
-            </a:lvl9pPr>
-          </a:lstStyle>
-          <a:p>
-            <a:pPr lvl="0"/>
-            <a:r>
-              <a:rPr lang="en-GB"/>
-              <a:t>Click to edit Master text styles</a:t>
-            </a:r>
-          </a:p>
-        </p:txBody>
-      </p:sp>
-      <p:sp>
-        <p:nvSpPr>
-          <p:cNvPr id="19" name="Picture Placeholder 2"/>
-          <p:cNvSpPr>
-            <a:spLocks noGrp="1" noChangeAspect="1"/>
-          </p:cNvSpPr>
-          <p:nvPr>
-            <p:ph type="pic" idx="15"/>
-          </p:nvPr>
-        </p:nvSpPr>
-        <p:spPr>
-          <a:xfrm>
-            <a:off x="1334553" y="2603500"/>
-            <a:ext cx="2691242" cy="1591510"/>
-          </a:xfrm>
-          <a:prstGeom prst="roundRect">
-            <a:avLst>
-              <a:gd name="adj" fmla="val 1858"/>
-            </a:avLst>
-          </a:prstGeom>
-          <a:effectLst>
-            <a:outerShdw blurRad="50800" dist="50800" dir="5400000" algn="tl" rotWithShape="0">
-              <a:srgbClr val="000000">
-                <a:alpha val="43000"/>
-              </a:srgbClr>
-            </a:outerShdw>
-          </a:effectLst>
-        </p:spPr>
-        <p:txBody>
-          <a:bodyPr anchor="t">
-            <a:normAutofit/>
-          </a:bodyPr>
-          <a:lstStyle>
-            <a:lvl1pPr marL="0" indent="0" algn="ctr">
-              <a:buNone/>
-              <a:defRPr sz="1600"/>
-            </a:lvl1pPr>
-            <a:lvl2pPr marL="457200" indent="0">
-              <a:buNone/>
-              <a:defRPr sz="1600"/>
-            </a:lvl2pPr>
-            <a:lvl3pPr marL="914400" indent="0">
-              <a:buNone/>
-              <a:defRPr sz="1600"/>
-            </a:lvl3pPr>
-            <a:lvl4pPr marL="1371600" indent="0">
-              <a:buNone/>
-              <a:defRPr sz="1600"/>
-            </a:lvl4pPr>
-            <a:lvl5pPr marL="1828800" indent="0">
-              <a:buNone/>
-              <a:defRPr sz="1600"/>
-            </a:lvl5pPr>
-            <a:lvl6pPr marL="2286000" indent="0">
-              <a:buNone/>
-              <a:defRPr sz="1600"/>
-            </a:lvl6pPr>
-            <a:lvl7pPr marL="2743200" indent="0">
-              <a:buNone/>
-              <a:defRPr sz="1600"/>
-            </a:lvl7pPr>
-            <a:lvl8pPr marL="3200400" indent="0">
-              <a:buNone/>
-              <a:defRPr sz="1600"/>
-            </a:lvl8pPr>
-            <a:lvl9pPr marL="3657600" indent="0">
-              <a:buNone/>
-              <a:defRPr sz="1600"/>
-            </a:lvl9pPr>
-          </a:lstStyle>
-          <a:p>
-            <a:r>
-              <a:rPr lang="en-GB"/>
-              <a:t>Click icon to add picture</a:t>
-            </a:r>
-            <a:endParaRPr lang="en-US" dirty="0"/>
-          </a:p>
-        </p:txBody>
-      </p:sp>
-      <p:sp>
-        <p:nvSpPr>
-          <p:cNvPr id="22" name="Text Placeholder 3"/>
-          <p:cNvSpPr>
-            <a:spLocks noGrp="1"/>
-          </p:cNvSpPr>
-          <p:nvPr>
-            <p:ph type="body" sz="half" idx="18"/>
-          </p:nvPr>
-        </p:nvSpPr>
-        <p:spPr>
-          <a:xfrm>
-            <a:off x="1154954" y="5109106"/>
-            <a:ext cx="3050438" cy="917952"/>
-          </a:xfrm>
-        </p:spPr>
-        <p:txBody>
-          <a:bodyPr anchor="t">
-            <a:normAutofit/>
-          </a:bodyPr>
-          <a:lstStyle>
-            <a:lvl1pPr marL="0" indent="0">
-              <a:buNone/>
-              <a:defRPr sz="1400"/>
-            </a:lvl1pPr>
-            <a:lvl2pPr marL="457200" indent="0">
-              <a:buNone/>
-              <a:defRPr sz="1200"/>
-            </a:lvl2pPr>
-            <a:lvl3pPr marL="914400" indent="0">
-              <a:buNone/>
-              <a:defRPr sz="1000"/>
-            </a:lvl3pPr>
-            <a:lvl4pPr marL="1371600" indent="0">
-              <a:buNone/>
-              <a:defRPr sz="900"/>
-            </a:lvl4pPr>
-            <a:lvl5pPr marL="1828800" indent="0">
-              <a:buNone/>
-              <a:defRPr sz="900"/>
-            </a:lvl5pPr>
-            <a:lvl6pPr marL="2286000" indent="0">
-              <a:buNone/>
-              <a:defRPr sz="900"/>
-            </a:lvl6pPr>
-            <a:lvl7pPr marL="2743200" indent="0">
-              <a:buNone/>
-              <a:defRPr sz="900"/>
-            </a:lvl7pPr>
-            <a:lvl8pPr marL="3200400" indent="0">
-              <a:buNone/>
-              <a:defRPr sz="900"/>
-            </a:lvl8pPr>
-            <a:lvl9pPr marL="3657600" indent="0">
-              <a:buNone/>
-              <a:defRPr sz="900"/>
-            </a:lvl9pPr>
-          </a:lstStyle>
-          <a:p>
-            <a:pPr lvl="0"/>
-            <a:r>
-              <a:rPr lang="en-GB"/>
-              <a:t>Click to edit Master text styles</a:t>
-            </a:r>
-          </a:p>
-        </p:txBody>
-      </p:sp>
-      <p:sp>
-        <p:nvSpPr>
-          <p:cNvPr id="5" name="Text Placeholder 4"/>
-          <p:cNvSpPr>
-            <a:spLocks noGrp="1"/>
-          </p:cNvSpPr>
-          <p:nvPr>
-            <p:ph type="body" sz="quarter" idx="3"/>
-          </p:nvPr>
-        </p:nvSpPr>
-        <p:spPr>
-          <a:xfrm>
-            <a:off x="4568865" y="4532844"/>
-            <a:ext cx="3050438" cy="576263"/>
-          </a:xfrm>
-        </p:spPr>
-        <p:txBody>
-          <a:bodyPr anchor="b">
-            <a:noAutofit/>
-          </a:bodyPr>
-          <a:lstStyle>
-            <a:lvl1pPr marL="0" indent="0">
-              <a:buNone/>
-              <a:defRPr sz="2400" b="0">
-                <a:solidFill>
-                  <a:schemeClr val="accent1">
-                    <a:lumMod val="60000"/>
-                    <a:lumOff val="40000"/>
-                  </a:schemeClr>
-                </a:solidFill>
-              </a:defRPr>
-            </a:lvl1pPr>
-            <a:lvl2pPr marL="457200" indent="0">
-              <a:buNone/>
-              <a:defRPr sz="2000" b="1"/>
-            </a:lvl2pPr>
-            <a:lvl3pPr marL="914400" indent="0">
-              <a:buNone/>
-              <a:defRPr sz="1800" b="1"/>
-            </a:lvl3pPr>
-            <a:lvl4pPr marL="1371600" indent="0">
-              <a:buNone/>
-              <a:defRPr sz="1600" b="1"/>
-            </a:lvl4pPr>
-            <a:lvl5pPr marL="1828800" indent="0">
-              <a:buNone/>
-              <a:defRPr sz="1600" b="1"/>
-            </a:lvl5pPr>
-            <a:lvl6pPr marL="2286000" indent="0">
-              <a:buNone/>
-              <a:defRPr sz="1600" b="1"/>
-            </a:lvl6pPr>
-            <a:lvl7pPr marL="2743200" indent="0">
-              <a:buNone/>
-              <a:defRPr sz="1600" b="1"/>
-            </a:lvl7pPr>
-            <a:lvl8pPr marL="3200400" indent="0">
-              <a:buNone/>
-              <a:defRPr sz="1600" b="1"/>
-            </a:lvl8pPr>
-            <a:lvl9pPr marL="3657600" indent="0">
-              <a:buNone/>
-              <a:defRPr sz="1600" b="1"/>
-            </a:lvl9pPr>
-          </a:lstStyle>
-          <a:p>
-            <a:pPr lvl="0"/>
-            <a:r>
-              <a:rPr lang="en-GB"/>
-              <a:t>Click to edit Master text styles</a:t>
-            </a:r>
-          </a:p>
-        </p:txBody>
-      </p:sp>
-      <p:sp>
-        <p:nvSpPr>
-          <p:cNvPr id="41" name="Picture Placeholder 2"/>
-          <p:cNvSpPr>
-            <a:spLocks noGrp="1" noChangeAspect="1"/>
-          </p:cNvSpPr>
-          <p:nvPr>
-            <p:ph type="pic" idx="21"/>
-          </p:nvPr>
-        </p:nvSpPr>
-        <p:spPr>
-          <a:xfrm>
-            <a:off x="4748462" y="2603500"/>
-            <a:ext cx="2691243" cy="1591510"/>
-          </a:xfrm>
-          <a:prstGeom prst="roundRect">
-            <a:avLst>
-              <a:gd name="adj" fmla="val 1858"/>
-            </a:avLst>
-          </a:prstGeom>
-          <a:effectLst>
-            <a:outerShdw blurRad="50800" dist="50800" dir="5400000" algn="tl" rotWithShape="0">
-              <a:srgbClr val="000000">
-                <a:alpha val="43000"/>
-              </a:srgbClr>
-            </a:outerShdw>
-          </a:effectLst>
-        </p:spPr>
-        <p:txBody>
-          <a:bodyPr anchor="t">
-            <a:normAutofit/>
-          </a:bodyPr>
-          <a:lstStyle>
-            <a:lvl1pPr marL="0" indent="0" algn="ctr">
-              <a:buNone/>
-              <a:defRPr sz="1600"/>
-            </a:lvl1pPr>
-            <a:lvl2pPr marL="457200" indent="0">
-              <a:buNone/>
-              <a:defRPr sz="1600"/>
-            </a:lvl2pPr>
-            <a:lvl3pPr marL="914400" indent="0">
-              <a:buNone/>
-              <a:defRPr sz="1600"/>
-            </a:lvl3pPr>
-            <a:lvl4pPr marL="1371600" indent="0">
-              <a:buNone/>
-              <a:defRPr sz="1600"/>
-            </a:lvl4pPr>
-            <a:lvl5pPr marL="1828800" indent="0">
-              <a:buNone/>
-              <a:defRPr sz="1600"/>
-            </a:lvl5pPr>
-            <a:lvl6pPr marL="2286000" indent="0">
-              <a:buNone/>
-              <a:defRPr sz="1600"/>
-            </a:lvl6pPr>
-            <a:lvl7pPr marL="2743200" indent="0">
-              <a:buNone/>
-              <a:defRPr sz="1600"/>
-            </a:lvl7pPr>
-            <a:lvl8pPr marL="3200400" indent="0">
-              <a:buNone/>
-              <a:defRPr sz="1600"/>
-            </a:lvl8pPr>
-            <a:lvl9pPr marL="3657600" indent="0">
-              <a:buNone/>
-              <a:defRPr sz="1600"/>
-            </a:lvl9pPr>
-          </a:lstStyle>
-          <a:p>
-            <a:r>
-              <a:rPr lang="en-GB"/>
-              <a:t>Click icon to add picture</a:t>
-            </a:r>
-            <a:endParaRPr lang="en-US" dirty="0"/>
-          </a:p>
-        </p:txBody>
-      </p:sp>
-      <p:sp>
-        <p:nvSpPr>
-          <p:cNvPr id="23" name="Text Placeholder 3"/>
-          <p:cNvSpPr>
-            <a:spLocks noGrp="1"/>
-          </p:cNvSpPr>
-          <p:nvPr>
-            <p:ph type="body" sz="half" idx="19"/>
-          </p:nvPr>
-        </p:nvSpPr>
-        <p:spPr>
-          <a:xfrm>
-            <a:off x="4570172" y="5109105"/>
-            <a:ext cx="3050438" cy="917952"/>
-          </a:xfrm>
-        </p:spPr>
-        <p:txBody>
-          <a:bodyPr anchor="t">
-            <a:normAutofit/>
-          </a:bodyPr>
-          <a:lstStyle>
-            <a:lvl1pPr marL="0" indent="0">
-              <a:buNone/>
-              <a:defRPr sz="1400"/>
-            </a:lvl1pPr>
-            <a:lvl2pPr marL="457200" indent="0">
-              <a:buNone/>
-              <a:defRPr sz="1200"/>
-            </a:lvl2pPr>
-            <a:lvl3pPr marL="914400" indent="0">
-              <a:buNone/>
-              <a:defRPr sz="1000"/>
-            </a:lvl3pPr>
-            <a:lvl4pPr marL="1371600" indent="0">
-              <a:buNone/>
-              <a:defRPr sz="900"/>
-            </a:lvl4pPr>
-            <a:lvl5pPr marL="1828800" indent="0">
-              <a:buNone/>
-              <a:defRPr sz="900"/>
-            </a:lvl5pPr>
-            <a:lvl6pPr marL="2286000" indent="0">
-              <a:buNone/>
-              <a:defRPr sz="900"/>
-            </a:lvl6pPr>
-            <a:lvl7pPr marL="2743200" indent="0">
-              <a:buNone/>
-              <a:defRPr sz="900"/>
-            </a:lvl7pPr>
-            <a:lvl8pPr marL="3200400" indent="0">
-              <a:buNone/>
-              <a:defRPr sz="900"/>
-            </a:lvl8pPr>
-            <a:lvl9pPr marL="3657600" indent="0">
-              <a:buNone/>
-              <a:defRPr sz="900"/>
-            </a:lvl9pPr>
-          </a:lstStyle>
-          <a:p>
-            <a:pPr lvl="0"/>
-            <a:r>
-              <a:rPr lang="en-GB"/>
-              <a:t>Click to edit Master text styles</a:t>
-            </a:r>
-          </a:p>
-        </p:txBody>
-      </p:sp>
-      <p:sp>
-        <p:nvSpPr>
-          <p:cNvPr id="14" name="Text Placeholder 4"/>
-          <p:cNvSpPr>
-            <a:spLocks noGrp="1"/>
-          </p:cNvSpPr>
-          <p:nvPr>
-            <p:ph type="body" sz="quarter" idx="13"/>
-          </p:nvPr>
-        </p:nvSpPr>
-        <p:spPr>
-          <a:xfrm>
-            <a:off x="7982775" y="4532845"/>
-            <a:ext cx="3051095" cy="576262"/>
-          </a:xfrm>
-        </p:spPr>
-        <p:txBody>
-          <a:bodyPr anchor="b">
-            <a:noAutofit/>
-          </a:bodyPr>
-          <a:lstStyle>
-            <a:lvl1pPr marL="0" indent="0">
-              <a:buNone/>
-              <a:defRPr sz="2400" b="0">
-                <a:solidFill>
-                  <a:schemeClr val="accent1">
-                    <a:lumMod val="60000"/>
-                    <a:lumOff val="40000"/>
-                  </a:schemeClr>
-                </a:solidFill>
-              </a:defRPr>
-            </a:lvl1pPr>
-            <a:lvl2pPr marL="457200" indent="0">
-              <a:buNone/>
-              <a:defRPr sz="2000" b="1"/>
-            </a:lvl2pPr>
-            <a:lvl3pPr marL="914400" indent="0">
-              <a:buNone/>
-              <a:defRPr sz="1800" b="1"/>
-            </a:lvl3pPr>
-            <a:lvl4pPr marL="1371600" indent="0">
-              <a:buNone/>
-              <a:defRPr sz="1600" b="1"/>
-            </a:lvl4pPr>
-            <a:lvl5pPr marL="1828800" indent="0">
-              <a:buNone/>
-              <a:defRPr sz="1600" b="1"/>
-            </a:lvl5pPr>
-            <a:lvl6pPr marL="2286000" indent="0">
-              <a:buNone/>
-              <a:defRPr sz="1600" b="1"/>
-            </a:lvl6pPr>
-            <a:lvl7pPr marL="2743200" indent="0">
-              <a:buNone/>
-              <a:defRPr sz="1600" b="1"/>
-            </a:lvl7pPr>
-            <a:lvl8pPr marL="3200400" indent="0">
-              <a:buNone/>
-              <a:defRPr sz="1600" b="1"/>
-            </a:lvl8pPr>
-            <a:lvl9pPr marL="3657600" indent="0">
-              <a:buNone/>
-              <a:defRPr sz="1600" b="1"/>
-            </a:lvl9pPr>
-          </a:lstStyle>
-          <a:p>
-            <a:pPr lvl="0"/>
-            <a:r>
-              <a:rPr lang="en-GB"/>
-              <a:t>Click to edit Master text styles</a:t>
-            </a:r>
-          </a:p>
-        </p:txBody>
-      </p:sp>
-      <p:sp>
-        <p:nvSpPr>
-          <p:cNvPr id="42" name="Picture Placeholder 2"/>
-          <p:cNvSpPr>
-            <a:spLocks noGrp="1" noChangeAspect="1"/>
-          </p:cNvSpPr>
-          <p:nvPr>
-            <p:ph type="pic" idx="22"/>
-          </p:nvPr>
-        </p:nvSpPr>
-        <p:spPr>
-          <a:xfrm>
-            <a:off x="8163031" y="2603500"/>
-            <a:ext cx="2691242" cy="1591510"/>
-          </a:xfrm>
-          <a:prstGeom prst="roundRect">
-            <a:avLst>
-              <a:gd name="adj" fmla="val 1858"/>
-            </a:avLst>
-          </a:prstGeom>
-          <a:effectLst>
-            <a:outerShdw blurRad="50800" dist="50800" dir="5400000" algn="tl" rotWithShape="0">
-              <a:srgbClr val="000000">
-                <a:alpha val="43000"/>
-              </a:srgbClr>
-            </a:outerShdw>
-          </a:effectLst>
-        </p:spPr>
-        <p:txBody>
-          <a:bodyPr anchor="t">
-            <a:normAutofit/>
-          </a:bodyPr>
-          <a:lstStyle>
-            <a:lvl1pPr marL="0" indent="0" algn="ctr">
-              <a:buNone/>
-              <a:defRPr sz="1600"/>
-            </a:lvl1pPr>
-            <a:lvl2pPr marL="457200" indent="0">
-              <a:buNone/>
-              <a:defRPr sz="1600"/>
-            </a:lvl2pPr>
-            <a:lvl3pPr marL="914400" indent="0">
-              <a:buNone/>
-              <a:defRPr sz="1600"/>
-            </a:lvl3pPr>
-            <a:lvl4pPr marL="1371600" indent="0">
-              <a:buNone/>
-              <a:defRPr sz="1600"/>
-            </a:lvl4pPr>
-            <a:lvl5pPr marL="1828800" indent="0">
-              <a:buNone/>
-              <a:defRPr sz="1600"/>
-            </a:lvl5pPr>
-            <a:lvl6pPr marL="2286000" indent="0">
-              <a:buNone/>
-              <a:defRPr sz="1600"/>
-            </a:lvl6pPr>
-            <a:lvl7pPr marL="2743200" indent="0">
-              <a:buNone/>
-              <a:defRPr sz="1600"/>
-            </a:lvl7pPr>
-            <a:lvl8pPr marL="3200400" indent="0">
-              <a:buNone/>
-              <a:defRPr sz="1600"/>
-            </a:lvl8pPr>
-            <a:lvl9pPr marL="3657600" indent="0">
-              <a:buNone/>
-              <a:defRPr sz="1600"/>
-            </a:lvl9pPr>
-          </a:lstStyle>
-          <a:p>
-            <a:r>
-              <a:rPr lang="en-GB"/>
-              <a:t>Click icon to add picture</a:t>
-            </a:r>
-            <a:endParaRPr lang="en-US" dirty="0"/>
-          </a:p>
-        </p:txBody>
-      </p:sp>
-      <p:sp>
-        <p:nvSpPr>
-          <p:cNvPr id="24" name="Text Placeholder 3"/>
-          <p:cNvSpPr>
-            <a:spLocks noGrp="1"/>
-          </p:cNvSpPr>
-          <p:nvPr>
-            <p:ph type="body" sz="half" idx="20"/>
-          </p:nvPr>
-        </p:nvSpPr>
-        <p:spPr>
-          <a:xfrm>
-            <a:off x="7982775" y="5109104"/>
-            <a:ext cx="3051096" cy="917952"/>
-          </a:xfrm>
-        </p:spPr>
-        <p:txBody>
-          <a:bodyPr anchor="t">
-            <a:normAutofit/>
-          </a:bodyPr>
-          <a:lstStyle>
-            <a:lvl1pPr marL="0" indent="0">
-              <a:buNone/>
-              <a:defRPr sz="1400"/>
-            </a:lvl1pPr>
-            <a:lvl2pPr marL="457200" indent="0">
-              <a:buNone/>
-              <a:defRPr sz="1200"/>
-            </a:lvl2pPr>
-            <a:lvl3pPr marL="914400" indent="0">
-              <a:buNone/>
-              <a:defRPr sz="1000"/>
-            </a:lvl3pPr>
-            <a:lvl4pPr marL="1371600" indent="0">
-              <a:buNone/>
-              <a:defRPr sz="900"/>
-            </a:lvl4pPr>
-            <a:lvl5pPr marL="1828800" indent="0">
-              <a:buNone/>
-              <a:defRPr sz="900"/>
-            </a:lvl5pPr>
-            <a:lvl6pPr marL="2286000" indent="0">
-              <a:buNone/>
-              <a:defRPr sz="900"/>
-            </a:lvl6pPr>
-            <a:lvl7pPr marL="2743200" indent="0">
-              <a:buNone/>
-              <a:defRPr sz="900"/>
-            </a:lvl7pPr>
-            <a:lvl8pPr marL="3200400" indent="0">
-              <a:buNone/>
-              <a:defRPr sz="900"/>
-            </a:lvl8pPr>
-            <a:lvl9pPr marL="3657600" indent="0">
-              <a:buNone/>
-              <a:defRPr sz="900"/>
-            </a:lvl9pPr>
-          </a:lstStyle>
-          <a:p>
-            <a:pPr lvl="0"/>
-            <a:r>
-              <a:rPr lang="en-GB"/>
-              <a:t>Click to edit Master text styles</a:t>
-            </a:r>
-          </a:p>
-        </p:txBody>
-      </p:sp>
-      <p:cxnSp>
-        <p:nvCxnSpPr>
-          <p:cNvPr id="43" name="Straight Connector 42"/>
-          <p:cNvCxnSpPr/>
-          <p:nvPr/>
-        </p:nvCxnSpPr>
-        <p:spPr>
-          <a:xfrm>
-            <a:off x="4405831" y="2569633"/>
-            <a:ext cx="0" cy="3492499"/>
-          </a:xfrm>
-          <a:prstGeom prst="line">
-            <a:avLst/>
-          </a:prstGeom>
-          <a:ln w="12700" cmpd="sng">
-            <a:solidFill>
-              <a:schemeClr val="accent1">
-                <a:alpha val="40000"/>
-              </a:schemeClr>
-            </a:solidFill>
-          </a:ln>
-        </p:spPr>
-        <p:style>
-          <a:lnRef idx="2">
-            <a:schemeClr val="accent1"/>
-          </a:lnRef>
-          <a:fillRef idx="0">
-            <a:schemeClr val="accent1"/>
-          </a:fillRef>
-          <a:effectRef idx="1">
-            <a:schemeClr val="accent1"/>
-          </a:effectRef>
-          <a:fontRef idx="minor">
-            <a:schemeClr val="tx1"/>
-          </a:fontRef>
-        </p:style>
-      </p:cxnSp>
-      <p:cxnSp>
-        <p:nvCxnSpPr>
-          <p:cNvPr id="44" name="Straight Connector 43"/>
-          <p:cNvCxnSpPr/>
-          <p:nvPr/>
-        </p:nvCxnSpPr>
-        <p:spPr>
-          <a:xfrm>
-            <a:off x="7797802" y="2569633"/>
-            <a:ext cx="0" cy="3492499"/>
-          </a:xfrm>
-          <a:prstGeom prst="line">
-            <a:avLst/>
-          </a:prstGeom>
-          <a:ln w="12700" cmpd="sng">
-            <a:solidFill>
-              <a:schemeClr val="accent1">
-                <a:alpha val="40000"/>
-              </a:schemeClr>
-            </a:solidFill>
-          </a:ln>
-        </p:spPr>
-        <p:style>
-          <a:lnRef idx="2">
-            <a:schemeClr val="accent1"/>
-          </a:lnRef>
-          <a:fillRef idx="0">
-            <a:schemeClr val="accent1"/>
-          </a:fillRef>
-          <a:effectRef idx="1">
-            <a:schemeClr val="accent1"/>
-          </a:effectRef>
-          <a:fontRef idx="minor">
-            <a:schemeClr val="tx1"/>
-          </a:fontRef>
-        </p:style>
-      </p:cxnSp>
-      <p:sp>
-        <p:nvSpPr>
-          <p:cNvPr id="7" name="Date Placeholder 6"/>
-          <p:cNvSpPr>
-            <a:spLocks noGrp="1"/>
-          </p:cNvSpPr>
-          <p:nvPr>
-            <p:ph type="dt" sz="half" idx="10"/>
-          </p:nvPr>
-        </p:nvSpPr>
-        <p:spPr/>
-        <p:txBody>
-          <a:bodyPr/>
-          <a:lstStyle/>
-          <a:p>
-            <a:fld id="{34DA4601-22FE-8A4F-9553-E61570E048DD}" type="datetimeFigureOut">
-              <a:rPr lang="en-KE" smtClean="0"/>
-              <a:t>04/07/2022</a:t>
-            </a:fld>
-            <a:endParaRPr lang="en-KE"/>
-          </a:p>
-        </p:txBody>
-      </p:sp>
-      <p:sp>
-        <p:nvSpPr>
-          <p:cNvPr id="8" name="Footer Placeholder 7"/>
-          <p:cNvSpPr>
-            <a:spLocks noGrp="1"/>
-          </p:cNvSpPr>
-          <p:nvPr>
-            <p:ph type="ftr" sz="quarter" idx="11"/>
-          </p:nvPr>
-        </p:nvSpPr>
-        <p:spPr>
-          <a:xfrm>
-            <a:off x="561111" y="6391838"/>
-            <a:ext cx="3644282" cy="304801"/>
-          </a:xfrm>
-        </p:spPr>
-        <p:txBody>
-          <a:bodyPr/>
-          <a:lstStyle/>
-          <a:p>
-            <a:endParaRPr lang="en-KE"/>
-          </a:p>
-        </p:txBody>
-      </p:sp>
-      <p:sp>
-        <p:nvSpPr>
-          <p:cNvPr id="9" name="Slide Number Placeholder 8"/>
-          <p:cNvSpPr>
-            <a:spLocks noGrp="1"/>
-          </p:cNvSpPr>
-          <p:nvPr>
-            <p:ph type="sldNum" sz="quarter" idx="12"/>
-          </p:nvPr>
-        </p:nvSpPr>
-        <p:spPr/>
-        <p:txBody>
-          <a:bodyPr/>
-          <a:lstStyle/>
-          <a:p>
-            <a:fld id="{02F743FD-E683-2D46-859D-984CCF51A6C6}" type="slidenum">
-              <a:rPr lang="en-KE" smtClean="0"/>
-              <a:t>‹#›</a:t>
-            </a:fld>
-            <a:endParaRPr lang="en-KE"/>
-          </a:p>
-        </p:txBody>
-      </p:sp>
-    </p:spTree>
-    <p:extLst>
-      <p:ext uri="{BB962C8B-B14F-4D97-AF65-F5344CB8AC3E}">
-        <p14:creationId xmlns:p14="http://schemas.microsoft.com/office/powerpoint/2010/main" val="2250863795"/>
+        <p14:creationId xmlns:p14="http://schemas.microsoft.com/office/powerpoint/2010/main" val="1728618581"/>
       </p:ext>
     </p:extLst>
   </p:cSld>
@@ -6312,8 +6717,8 @@
         </p:nvSpPr>
         <p:spPr>
           <a:xfrm>
-            <a:off x="1154954" y="973668"/>
-            <a:ext cx="8825659" cy="706964"/>
+            <a:off x="1154953" y="973668"/>
+            <a:ext cx="8825660" cy="706964"/>
           </a:xfrm>
         </p:spPr>
         <p:txBody>
@@ -6338,12 +6743,7 @@
             <p:ph type="body" orient="vert" idx="1"/>
           </p:nvPr>
         </p:nvSpPr>
-        <p:spPr>
-          <a:xfrm>
-            <a:off x="1154954" y="2603500"/>
-            <a:ext cx="8825659" cy="3416300"/>
-          </a:xfrm>
-        </p:spPr>
+        <p:spPr/>
         <p:txBody>
           <a:bodyPr vert="eaVert" anchor="t" anchorCtr="0"/>
           <a:lstStyle/>
@@ -6395,12 +6795,7 @@
             <p:ph type="dt" sz="half" idx="10"/>
           </p:nvPr>
         </p:nvSpPr>
-        <p:spPr>
-          <a:xfrm>
-            <a:off x="10695439" y="6391838"/>
-            <a:ext cx="990599" cy="304799"/>
-          </a:xfrm>
-        </p:spPr>
+        <p:spPr/>
         <p:txBody>
           <a:bodyPr/>
           <a:lstStyle/>
@@ -6458,7 +6853,7 @@
     </p:spTree>
     <p:extLst>
       <p:ext uri="{BB962C8B-B14F-4D97-AF65-F5344CB8AC3E}">
-        <p14:creationId xmlns:p14="http://schemas.microsoft.com/office/powerpoint/2010/main" val="3112259887"/>
+        <p14:creationId xmlns:p14="http://schemas.microsoft.com/office/powerpoint/2010/main" val="2653769827"/>
       </p:ext>
     </p:extLst>
   </p:cSld>
@@ -6487,21 +6882,21 @@
       </p:grpSpPr>
       <p:grpSp>
         <p:nvGrpSpPr>
-          <p:cNvPr id="9" name="Group 8"/>
+          <p:cNvPr id="19" name="Group 18"/>
           <p:cNvGrpSpPr/>
           <p:nvPr/>
         </p:nvGrpSpPr>
         <p:grpSpPr>
           <a:xfrm>
-            <a:off x="0" y="0"/>
-            <a:ext cx="12192000" cy="6858000"/>
-            <a:chOff x="0" y="0"/>
-            <a:chExt cx="12192000" cy="6858000"/>
+            <a:off x="0" y="-2373"/>
+            <a:ext cx="12192000" cy="6867027"/>
+            <a:chOff x="0" y="-2373"/>
+            <a:chExt cx="12192000" cy="6867027"/>
           </a:xfrm>
         </p:grpSpPr>
         <p:sp>
           <p:nvSpPr>
-            <p:cNvPr id="12" name="Rectangle 11"/>
+            <p:cNvPr id="11" name="Rectangle 10"/>
             <p:cNvSpPr/>
             <p:nvPr/>
           </p:nvSpPr>
@@ -6517,15 +6912,16 @@
               <a:blip r:embed="rId2">
                 <a:duotone>
                   <a:schemeClr val="dk2">
-                    <a:shade val="69000"/>
-                    <a:hueMod val="91000"/>
+                    <a:shade val="62000"/>
+                    <a:hueMod val="108000"/>
                     <a:satMod val="164000"/>
-                    <a:lumMod val="74000"/>
+                    <a:lumMod val="69000"/>
                   </a:schemeClr>
                   <a:schemeClr val="dk2">
-                    <a:hueMod val="124000"/>
-                    <a:satMod val="140000"/>
-                    <a:lumMod val="142000"/>
+                    <a:tint val="96000"/>
+                    <a:hueMod val="90000"/>
+                    <a:satMod val="130000"/>
+                    <a:lumMod val="134000"/>
                   </a:schemeClr>
                 </a:duotone>
               </a:blip>
@@ -6556,13 +6952,13 @@
         </p:sp>
         <p:sp>
           <p:nvSpPr>
-            <p:cNvPr id="15" name="Oval 14"/>
+            <p:cNvPr id="14" name="Oval 13"/>
             <p:cNvSpPr/>
             <p:nvPr/>
           </p:nvSpPr>
           <p:spPr>
             <a:xfrm>
-              <a:off x="0" y="2667000"/>
+              <a:off x="3220" y="2667000"/>
               <a:ext cx="4191000" cy="4191000"/>
             </a:xfrm>
             <a:prstGeom prst="ellipse">
@@ -6571,17 +6967,23 @@
             <a:gradFill flip="none" rotWithShape="1">
               <a:gsLst>
                 <a:gs pos="0">
-                  <a:schemeClr val="accent5">
+                  <a:schemeClr val="bg2">
+                    <a:lumMod val="40000"/>
+                    <a:lumOff val="60000"/>
                     <a:alpha val="11000"/>
                   </a:schemeClr>
                 </a:gs>
                 <a:gs pos="75000">
-                  <a:schemeClr val="accent5">
+                  <a:schemeClr val="bg2">
+                    <a:lumMod val="40000"/>
+                    <a:lumOff val="60000"/>
                     <a:alpha val="0"/>
                   </a:schemeClr>
                 </a:gs>
                 <a:gs pos="36000">
-                  <a:schemeClr val="accent5">
+                  <a:schemeClr val="bg2">
+                    <a:lumMod val="40000"/>
+                    <a:lumOff val="60000"/>
                     <a:alpha val="10000"/>
                   </a:schemeClr>
                 </a:gs>
@@ -6613,13 +7015,13 @@
         </p:sp>
         <p:sp>
           <p:nvSpPr>
-            <p:cNvPr id="16" name="Oval 15"/>
+            <p:cNvPr id="15" name="Oval 14"/>
             <p:cNvSpPr/>
             <p:nvPr/>
           </p:nvSpPr>
           <p:spPr>
             <a:xfrm>
-              <a:off x="0" y="2895600"/>
+              <a:off x="1750" y="2895600"/>
               <a:ext cx="2362200" cy="2362200"/>
             </a:xfrm>
             <a:prstGeom prst="ellipse">
@@ -6628,17 +7030,23 @@
             <a:gradFill flip="none" rotWithShape="1">
               <a:gsLst>
                 <a:gs pos="0">
-                  <a:schemeClr val="accent5">
+                  <a:schemeClr val="bg2">
+                    <a:lumMod val="40000"/>
+                    <a:lumOff val="60000"/>
                     <a:alpha val="8000"/>
                   </a:schemeClr>
                 </a:gs>
                 <a:gs pos="72000">
-                  <a:schemeClr val="accent5">
+                  <a:schemeClr val="bg2">
+                    <a:lumMod val="40000"/>
+                    <a:lumOff val="60000"/>
                     <a:alpha val="0"/>
                   </a:schemeClr>
                 </a:gs>
                 <a:gs pos="36000">
-                  <a:schemeClr val="accent5">
+                  <a:schemeClr val="bg2">
+                    <a:lumMod val="40000"/>
+                    <a:lumOff val="60000"/>
                     <a:alpha val="8000"/>
                   </a:schemeClr>
                 </a:gs>
@@ -6670,14 +7078,14 @@
         </p:sp>
         <p:sp>
           <p:nvSpPr>
-            <p:cNvPr id="18" name="Oval 17"/>
+            <p:cNvPr id="16" name="Oval 15"/>
             <p:cNvSpPr/>
             <p:nvPr/>
           </p:nvSpPr>
           <p:spPr>
             <a:xfrm>
-              <a:off x="8609012" y="5867400"/>
-              <a:ext cx="990600" cy="990600"/>
+              <a:off x="8609012" y="1676400"/>
+              <a:ext cx="2819400" cy="2819400"/>
             </a:xfrm>
             <a:prstGeom prst="ellipse">
               <a:avLst/>
@@ -6685,18 +7093,24 @@
             <a:gradFill flip="none" rotWithShape="1">
               <a:gsLst>
                 <a:gs pos="0">
-                  <a:schemeClr val="accent5">
-                    <a:alpha val="14000"/>
+                  <a:schemeClr val="bg2">
+                    <a:lumMod val="40000"/>
+                    <a:lumOff val="60000"/>
+                    <a:alpha val="7000"/>
                   </a:schemeClr>
                 </a:gs>
-                <a:gs pos="66000">
-                  <a:schemeClr val="accent5">
+                <a:gs pos="69000">
+                  <a:schemeClr val="bg2">
+                    <a:lumMod val="40000"/>
+                    <a:lumOff val="60000"/>
                     <a:alpha val="0"/>
                   </a:schemeClr>
                 </a:gs>
                 <a:gs pos="36000">
-                  <a:schemeClr val="accent5">
-                    <a:alpha val="7000"/>
+                  <a:schemeClr val="bg2">
+                    <a:lumMod val="40000"/>
+                    <a:lumOff val="60000"/>
+                    <a:alpha val="6000"/>
                   </a:schemeClr>
                 </a:gs>
               </a:gsLst>
@@ -6727,14 +7141,14 @@
         </p:sp>
         <p:sp>
           <p:nvSpPr>
-            <p:cNvPr id="19" name="Oval 18"/>
+            <p:cNvPr id="17" name="Oval 16"/>
             <p:cNvSpPr/>
             <p:nvPr/>
           </p:nvSpPr>
           <p:spPr>
             <a:xfrm>
-              <a:off x="8609012" y="1676400"/>
-              <a:ext cx="2819400" cy="2819400"/>
+              <a:off x="7999412" y="-2373"/>
+              <a:ext cx="1600200" cy="1600200"/>
             </a:xfrm>
             <a:prstGeom prst="ellipse">
               <a:avLst/>
@@ -6742,18 +7156,24 @@
             <a:gradFill flip="none" rotWithShape="1">
               <a:gsLst>
                 <a:gs pos="0">
-                  <a:schemeClr val="accent5">
-                    <a:alpha val="7000"/>
+                  <a:schemeClr val="bg2">
+                    <a:lumMod val="40000"/>
+                    <a:lumOff val="60000"/>
+                    <a:alpha val="14000"/>
                   </a:schemeClr>
                 </a:gs>
-                <a:gs pos="69000">
-                  <a:schemeClr val="accent5">
+                <a:gs pos="73000">
+                  <a:schemeClr val="bg2">
+                    <a:lumMod val="40000"/>
+                    <a:lumOff val="60000"/>
                     <a:alpha val="0"/>
                   </a:schemeClr>
                 </a:gs>
                 <a:gs pos="36000">
-                  <a:schemeClr val="accent5">
-                    <a:alpha val="6000"/>
+                  <a:schemeClr val="bg2">
+                    <a:lumMod val="40000"/>
+                    <a:lumOff val="60000"/>
+                    <a:alpha val="7000"/>
                   </a:schemeClr>
                 </a:gs>
               </a:gsLst>
@@ -6784,14 +7204,14 @@
         </p:sp>
         <p:sp>
           <p:nvSpPr>
-            <p:cNvPr id="20" name="Oval 19"/>
+            <p:cNvPr id="18" name="Oval 17"/>
             <p:cNvSpPr/>
             <p:nvPr/>
           </p:nvSpPr>
           <p:spPr>
             <a:xfrm>
-              <a:off x="7999412" y="8464"/>
-              <a:ext cx="1600200" cy="1600200"/>
+              <a:off x="8609012" y="5874054"/>
+              <a:ext cx="990600" cy="990600"/>
             </a:xfrm>
             <a:prstGeom prst="ellipse">
               <a:avLst/>
@@ -6799,17 +7219,23 @@
             <a:gradFill flip="none" rotWithShape="1">
               <a:gsLst>
                 <a:gs pos="0">
-                  <a:schemeClr val="accent5">
+                  <a:schemeClr val="bg2">
+                    <a:lumMod val="40000"/>
+                    <a:lumOff val="60000"/>
                     <a:alpha val="14000"/>
                   </a:schemeClr>
                 </a:gs>
-                <a:gs pos="73000">
-                  <a:schemeClr val="accent5">
+                <a:gs pos="66000">
+                  <a:schemeClr val="bg2">
+                    <a:lumMod val="40000"/>
+                    <a:lumOff val="60000"/>
                     <a:alpha val="0"/>
                   </a:schemeClr>
                 </a:gs>
                 <a:gs pos="36000">
-                  <a:schemeClr val="accent5">
+                  <a:schemeClr val="bg2">
+                    <a:lumMod val="40000"/>
+                    <a:lumOff val="60000"/>
                     <a:alpha val="7000"/>
                   </a:schemeClr>
                 </a:gs>
@@ -6841,44 +7267,7 @@
         </p:sp>
         <p:sp>
           <p:nvSpPr>
-            <p:cNvPr id="7" name="Rectangle 6"/>
-            <p:cNvSpPr/>
-            <p:nvPr/>
-          </p:nvSpPr>
-          <p:spPr bwMode="gray">
-            <a:xfrm>
-              <a:off x="414867" y="402165"/>
-              <a:ext cx="6510866" cy="6053670"/>
-            </a:xfrm>
-            <a:prstGeom prst="rect">
-              <a:avLst/>
-            </a:prstGeom>
-            <a:solidFill>
-              <a:schemeClr val="bg1"/>
-            </a:solidFill>
-            <a:ln>
-              <a:noFill/>
-            </a:ln>
-            <a:effectLst/>
-          </p:spPr>
-          <p:style>
-            <a:lnRef idx="1">
-              <a:schemeClr val="accent1"/>
-            </a:lnRef>
-            <a:fillRef idx="3">
-              <a:schemeClr val="accent1"/>
-            </a:fillRef>
-            <a:effectRef idx="2">
-              <a:schemeClr val="accent1"/>
-            </a:effectRef>
-            <a:fontRef idx="minor">
-              <a:schemeClr val="lt1"/>
-            </a:fontRef>
-          </p:style>
-        </p:sp>
-        <p:sp>
-          <p:nvSpPr>
-            <p:cNvPr id="17" name="Freeform 5"/>
+            <p:cNvPr id="7" name="Freeform 5"/>
             <p:cNvSpPr/>
             <p:nvPr/>
           </p:nvSpPr>
@@ -7025,7 +7414,44 @@
         </p:sp>
         <p:sp>
           <p:nvSpPr>
-            <p:cNvPr id="10" name="Freeform 5"/>
+            <p:cNvPr id="8" name="Rectangle 7"/>
+            <p:cNvSpPr/>
+            <p:nvPr/>
+          </p:nvSpPr>
+          <p:spPr>
+            <a:xfrm>
+              <a:off x="414867" y="402165"/>
+              <a:ext cx="6510866" cy="6053670"/>
+            </a:xfrm>
+            <a:prstGeom prst="rect">
+              <a:avLst/>
+            </a:prstGeom>
+            <a:solidFill>
+              <a:schemeClr val="bg1"/>
+            </a:solidFill>
+            <a:ln>
+              <a:noFill/>
+            </a:ln>
+            <a:effectLst/>
+          </p:spPr>
+          <p:style>
+            <a:lnRef idx="1">
+              <a:schemeClr val="accent1"/>
+            </a:lnRef>
+            <a:fillRef idx="3">
+              <a:schemeClr val="accent1"/>
+            </a:fillRef>
+            <a:effectRef idx="2">
+              <a:schemeClr val="accent1"/>
+            </a:effectRef>
+            <a:fontRef idx="minor">
+              <a:schemeClr val="lt1"/>
+            </a:fontRef>
+          </p:style>
+        </p:sp>
+        <p:sp>
+          <p:nvSpPr>
+            <p:cNvPr id="9" name="Freeform 5"/>
             <p:cNvSpPr/>
             <p:nvPr/>
           </p:nvSpPr>
@@ -7209,7 +7635,7 @@
         </p:sp>
         <p:sp>
           <p:nvSpPr>
-            <p:cNvPr id="13" name="Freeform 5"/>
+            <p:cNvPr id="12" name="Freeform 5"/>
             <p:cNvSpPr>
               <a:spLocks noEditPoints="1"/>
             </p:cNvSpPr>
@@ -7284,8 +7710,8 @@
         </p:nvSpPr>
         <p:spPr>
           <a:xfrm>
-            <a:off x="8585235" y="1278467"/>
-            <a:ext cx="1409965" cy="4748590"/>
+            <a:off x="8576756" y="1278468"/>
+            <a:ext cx="1413933" cy="4748589"/>
           </a:xfrm>
         </p:spPr>
         <p:txBody>
@@ -7312,8 +7738,8 @@
         </p:nvSpPr>
         <p:spPr>
           <a:xfrm>
-            <a:off x="1154954" y="1278467"/>
-            <a:ext cx="6256025" cy="4748590"/>
+            <a:off x="1154954" y="1278468"/>
+            <a:ext cx="6247546" cy="4748590"/>
           </a:xfrm>
         </p:spPr>
         <p:txBody>
@@ -7367,12 +7793,7 @@
             <p:ph type="dt" sz="half" idx="10"/>
           </p:nvPr>
         </p:nvSpPr>
-        <p:spPr>
-          <a:xfrm>
-            <a:off x="10653104" y="6391838"/>
-            <a:ext cx="992135" cy="304799"/>
-          </a:xfrm>
-        </p:spPr>
+        <p:spPr/>
         <p:txBody>
           <a:bodyPr/>
           <a:lstStyle/>
@@ -7406,7 +7827,7 @@
       </p:sp>
       <p:sp>
         <p:nvSpPr>
-          <p:cNvPr id="14" name="Rectangle 13"/>
+          <p:cNvPr id="13" name="Rectangle 12"/>
           <p:cNvSpPr/>
           <p:nvPr/>
         </p:nvSpPr>
@@ -7466,7 +7887,7 @@
     </p:spTree>
     <p:extLst>
       <p:ext uri="{BB962C8B-B14F-4D97-AF65-F5344CB8AC3E}">
-        <p14:creationId xmlns:p14="http://schemas.microsoft.com/office/powerpoint/2010/main" val="3435958720"/>
+        <p14:creationId xmlns:p14="http://schemas.microsoft.com/office/powerpoint/2010/main" val="3340032689"/>
       </p:ext>
     </p:extLst>
   </p:cSld>
@@ -7526,12 +7947,7 @@
             <p:ph idx="1"/>
           </p:nvPr>
         </p:nvSpPr>
-        <p:spPr>
-          <a:xfrm>
-            <a:off x="1154954" y="2603500"/>
-            <a:ext cx="8825659" cy="3416300"/>
-          </a:xfrm>
-        </p:spPr>
+        <p:spPr/>
         <p:txBody>
           <a:bodyPr/>
           <a:lstStyle/>
@@ -7641,7 +8057,7 @@
     </p:spTree>
     <p:extLst>
       <p:ext uri="{BB962C8B-B14F-4D97-AF65-F5344CB8AC3E}">
-        <p14:creationId xmlns:p14="http://schemas.microsoft.com/office/powerpoint/2010/main" val="1402421569"/>
+        <p14:creationId xmlns:p14="http://schemas.microsoft.com/office/powerpoint/2010/main" val="3700686917"/>
       </p:ext>
     </p:extLst>
   </p:cSld>
@@ -7670,21 +8086,21 @@
       </p:grpSpPr>
       <p:grpSp>
         <p:nvGrpSpPr>
-          <p:cNvPr id="8" name="Group 7"/>
+          <p:cNvPr id="13" name="Group 12"/>
           <p:cNvGrpSpPr/>
           <p:nvPr/>
         </p:nvGrpSpPr>
         <p:grpSpPr>
           <a:xfrm>
-            <a:off x="0" y="0"/>
-            <a:ext cx="12192000" cy="6858000"/>
-            <a:chOff x="0" y="0"/>
-            <a:chExt cx="12192000" cy="6858000"/>
+            <a:off x="0" y="-2373"/>
+            <a:ext cx="12192000" cy="6867027"/>
+            <a:chOff x="0" y="-2373"/>
+            <a:chExt cx="12192000" cy="6867027"/>
           </a:xfrm>
         </p:grpSpPr>
         <p:sp>
           <p:nvSpPr>
-            <p:cNvPr id="14" name="Rectangle 13"/>
+            <p:cNvPr id="11" name="Rectangle 10"/>
             <p:cNvSpPr/>
             <p:nvPr/>
           </p:nvSpPr>
@@ -7700,15 +8116,16 @@
               <a:blip r:embed="rId2">
                 <a:duotone>
                   <a:schemeClr val="dk2">
-                    <a:shade val="69000"/>
-                    <a:hueMod val="91000"/>
+                    <a:shade val="62000"/>
+                    <a:hueMod val="108000"/>
                     <a:satMod val="164000"/>
-                    <a:lumMod val="74000"/>
+                    <a:lumMod val="69000"/>
                   </a:schemeClr>
                   <a:schemeClr val="dk2">
-                    <a:hueMod val="124000"/>
-                    <a:satMod val="140000"/>
-                    <a:lumMod val="142000"/>
+                    <a:tint val="96000"/>
+                    <a:hueMod val="90000"/>
+                    <a:satMod val="130000"/>
+                    <a:lumMod val="134000"/>
                   </a:schemeClr>
                 </a:duotone>
               </a:blip>
@@ -7739,13 +8156,13 @@
         </p:sp>
         <p:sp>
           <p:nvSpPr>
-            <p:cNvPr id="17" name="Oval 16"/>
+            <p:cNvPr id="14" name="Oval 13"/>
             <p:cNvSpPr/>
             <p:nvPr/>
           </p:nvSpPr>
           <p:spPr>
             <a:xfrm>
-              <a:off x="0" y="2667000"/>
+              <a:off x="3220" y="2667000"/>
               <a:ext cx="4191000" cy="4191000"/>
             </a:xfrm>
             <a:prstGeom prst="ellipse">
@@ -7754,17 +8171,23 @@
             <a:gradFill flip="none" rotWithShape="1">
               <a:gsLst>
                 <a:gs pos="0">
-                  <a:schemeClr val="accent5">
+                  <a:schemeClr val="bg2">
+                    <a:lumMod val="40000"/>
+                    <a:lumOff val="60000"/>
                     <a:alpha val="11000"/>
                   </a:schemeClr>
                 </a:gs>
                 <a:gs pos="75000">
-                  <a:schemeClr val="accent5">
+                  <a:schemeClr val="bg2">
+                    <a:lumMod val="40000"/>
+                    <a:lumOff val="60000"/>
                     <a:alpha val="0"/>
                   </a:schemeClr>
                 </a:gs>
                 <a:gs pos="36000">
-                  <a:schemeClr val="accent5">
+                  <a:schemeClr val="bg2">
+                    <a:lumMod val="40000"/>
+                    <a:lumOff val="60000"/>
                     <a:alpha val="10000"/>
                   </a:schemeClr>
                 </a:gs>
@@ -7796,13 +8219,13 @@
         </p:sp>
         <p:sp>
           <p:nvSpPr>
-            <p:cNvPr id="18" name="Oval 17"/>
+            <p:cNvPr id="16" name="Oval 15"/>
             <p:cNvSpPr/>
             <p:nvPr/>
           </p:nvSpPr>
           <p:spPr>
             <a:xfrm>
-              <a:off x="0" y="2895600"/>
+              <a:off x="1750" y="2895600"/>
               <a:ext cx="2362200" cy="2362200"/>
             </a:xfrm>
             <a:prstGeom prst="ellipse">
@@ -7811,17 +8234,23 @@
             <a:gradFill flip="none" rotWithShape="1">
               <a:gsLst>
                 <a:gs pos="0">
-                  <a:schemeClr val="accent5">
+                  <a:schemeClr val="bg2">
+                    <a:lumMod val="40000"/>
+                    <a:lumOff val="60000"/>
                     <a:alpha val="8000"/>
                   </a:schemeClr>
                 </a:gs>
                 <a:gs pos="72000">
-                  <a:schemeClr val="accent5">
+                  <a:schemeClr val="bg2">
+                    <a:lumMod val="40000"/>
+                    <a:lumOff val="60000"/>
                     <a:alpha val="0"/>
                   </a:schemeClr>
                 </a:gs>
                 <a:gs pos="36000">
-                  <a:schemeClr val="accent5">
+                  <a:schemeClr val="bg2">
+                    <a:lumMod val="40000"/>
+                    <a:lumOff val="60000"/>
                     <a:alpha val="8000"/>
                   </a:schemeClr>
                 </a:gs>
@@ -7853,14 +8282,14 @@
         </p:sp>
         <p:sp>
           <p:nvSpPr>
-            <p:cNvPr id="19" name="Oval 18"/>
+            <p:cNvPr id="17" name="Oval 16"/>
             <p:cNvSpPr/>
             <p:nvPr/>
           </p:nvSpPr>
           <p:spPr>
             <a:xfrm>
-              <a:off x="8609012" y="5867400"/>
-              <a:ext cx="990600" cy="990600"/>
+              <a:off x="8609012" y="1676400"/>
+              <a:ext cx="2819400" cy="2819400"/>
             </a:xfrm>
             <a:prstGeom prst="ellipse">
               <a:avLst/>
@@ -7868,18 +8297,24 @@
             <a:gradFill flip="none" rotWithShape="1">
               <a:gsLst>
                 <a:gs pos="0">
-                  <a:schemeClr val="accent5">
-                    <a:alpha val="14000"/>
+                  <a:schemeClr val="bg2">
+                    <a:lumMod val="40000"/>
+                    <a:lumOff val="60000"/>
+                    <a:alpha val="7000"/>
                   </a:schemeClr>
                 </a:gs>
-                <a:gs pos="66000">
-                  <a:schemeClr val="accent5">
+                <a:gs pos="69000">
+                  <a:schemeClr val="bg2">
+                    <a:lumMod val="40000"/>
+                    <a:lumOff val="60000"/>
                     <a:alpha val="0"/>
                   </a:schemeClr>
                 </a:gs>
                 <a:gs pos="36000">
-                  <a:schemeClr val="accent5">
-                    <a:alpha val="7000"/>
+                  <a:schemeClr val="bg2">
+                    <a:lumMod val="40000"/>
+                    <a:lumOff val="60000"/>
+                    <a:alpha val="6000"/>
                   </a:schemeClr>
                 </a:gs>
               </a:gsLst>
@@ -7910,14 +8345,14 @@
         </p:sp>
         <p:sp>
           <p:nvSpPr>
-            <p:cNvPr id="20" name="Oval 19"/>
+            <p:cNvPr id="18" name="Oval 17"/>
             <p:cNvSpPr/>
             <p:nvPr/>
           </p:nvSpPr>
           <p:spPr>
             <a:xfrm>
-              <a:off x="8609012" y="1676400"/>
-              <a:ext cx="2819400" cy="2819400"/>
+              <a:off x="7999412" y="-2373"/>
+              <a:ext cx="1600200" cy="1600200"/>
             </a:xfrm>
             <a:prstGeom prst="ellipse">
               <a:avLst/>
@@ -7925,18 +8360,24 @@
             <a:gradFill flip="none" rotWithShape="1">
               <a:gsLst>
                 <a:gs pos="0">
-                  <a:schemeClr val="accent5">
-                    <a:alpha val="7000"/>
+                  <a:schemeClr val="bg2">
+                    <a:lumMod val="40000"/>
+                    <a:lumOff val="60000"/>
+                    <a:alpha val="14000"/>
                   </a:schemeClr>
                 </a:gs>
-                <a:gs pos="69000">
-                  <a:schemeClr val="accent5">
+                <a:gs pos="73000">
+                  <a:schemeClr val="bg2">
+                    <a:lumMod val="40000"/>
+                    <a:lumOff val="60000"/>
                     <a:alpha val="0"/>
                   </a:schemeClr>
                 </a:gs>
                 <a:gs pos="36000">
-                  <a:schemeClr val="accent5">
-                    <a:alpha val="6000"/>
+                  <a:schemeClr val="bg2">
+                    <a:lumMod val="40000"/>
+                    <a:lumOff val="60000"/>
+                    <a:alpha val="7000"/>
                   </a:schemeClr>
                 </a:gs>
               </a:gsLst>
@@ -7967,14 +8408,14 @@
         </p:sp>
         <p:sp>
           <p:nvSpPr>
-            <p:cNvPr id="21" name="Oval 20"/>
+            <p:cNvPr id="19" name="Oval 18"/>
             <p:cNvSpPr/>
             <p:nvPr/>
           </p:nvSpPr>
           <p:spPr>
             <a:xfrm>
-              <a:off x="7999412" y="8464"/>
-              <a:ext cx="1600200" cy="1600200"/>
+              <a:off x="8609012" y="5874054"/>
+              <a:ext cx="990600" cy="990600"/>
             </a:xfrm>
             <a:prstGeom prst="ellipse">
               <a:avLst/>
@@ -7982,17 +8423,23 @@
             <a:gradFill flip="none" rotWithShape="1">
               <a:gsLst>
                 <a:gs pos="0">
-                  <a:schemeClr val="accent5">
+                  <a:schemeClr val="bg2">
+                    <a:lumMod val="40000"/>
+                    <a:lumOff val="60000"/>
                     <a:alpha val="14000"/>
                   </a:schemeClr>
                 </a:gs>
-                <a:gs pos="73000">
-                  <a:schemeClr val="accent5">
+                <a:gs pos="66000">
+                  <a:schemeClr val="bg2">
+                    <a:lumMod val="40000"/>
+                    <a:lumOff val="60000"/>
                     <a:alpha val="0"/>
                   </a:schemeClr>
                 </a:gs>
                 <a:gs pos="36000">
-                  <a:schemeClr val="accent5">
+                  <a:schemeClr val="bg2">
+                    <a:lumMod val="40000"/>
+                    <a:lumOff val="60000"/>
                     <a:alpha val="7000"/>
                   </a:schemeClr>
                 </a:gs>
@@ -8024,11 +8471,11 @@
         </p:sp>
         <p:sp>
           <p:nvSpPr>
-            <p:cNvPr id="10" name="Rectangle 9"/>
+            <p:cNvPr id="7" name="Rectangle 6"/>
             <p:cNvSpPr/>
             <p:nvPr/>
           </p:nvSpPr>
-          <p:spPr bwMode="gray">
+          <p:spPr>
             <a:xfrm>
               <a:off x="7289800" y="402165"/>
               <a:ext cx="4478865" cy="6053670"/>
@@ -8061,191 +8508,7 @@
         </p:sp>
         <p:sp>
           <p:nvSpPr>
-            <p:cNvPr id="11" name="Freeform 5"/>
-            <p:cNvSpPr/>
-            <p:nvPr/>
-          </p:nvSpPr>
-          <p:spPr bwMode="gray">
-            <a:xfrm rot="16200000">
-              <a:off x="3787244" y="2801721"/>
-              <a:ext cx="6053670" cy="1254558"/>
-            </a:xfrm>
-            <a:custGeom>
-              <a:avLst/>
-              <a:gdLst/>
-              <a:ahLst/>
-              <a:cxnLst/>
-              <a:rect l="l" t="t" r="r" b="b"/>
-              <a:pathLst>
-                <a:path w="10000" h="8000">
-                  <a:moveTo>
-                    <a:pt x="0" y="0"/>
-                  </a:moveTo>
-                  <a:lnTo>
-                    <a:pt x="0" y="7970"/>
-                  </a:lnTo>
-                  <a:lnTo>
-                    <a:pt x="10000" y="8000"/>
-                  </a:lnTo>
-                  <a:lnTo>
-                    <a:pt x="10000" y="7"/>
-                  </a:lnTo>
-                  <a:lnTo>
-                    <a:pt x="10000" y="7"/>
-                  </a:lnTo>
-                  <a:lnTo>
-                    <a:pt x="9773" y="156"/>
-                  </a:lnTo>
-                  <a:lnTo>
-                    <a:pt x="9547" y="298"/>
-                  </a:lnTo>
-                  <a:lnTo>
-                    <a:pt x="9320" y="437"/>
-                  </a:lnTo>
-                  <a:lnTo>
-                    <a:pt x="9092" y="556"/>
-                  </a:lnTo>
-                  <a:lnTo>
-                    <a:pt x="8865" y="676"/>
-                  </a:lnTo>
-                  <a:lnTo>
-                    <a:pt x="8637" y="788"/>
-                  </a:lnTo>
-                  <a:lnTo>
-                    <a:pt x="8412" y="884"/>
-                  </a:lnTo>
-                  <a:lnTo>
-                    <a:pt x="8184" y="975"/>
-                  </a:lnTo>
-                  <a:lnTo>
-                    <a:pt x="7957" y="1058"/>
-                  </a:lnTo>
-                  <a:lnTo>
-                    <a:pt x="7734" y="1130"/>
-                  </a:lnTo>
-                  <a:lnTo>
-                    <a:pt x="7508" y="1202"/>
-                  </a:lnTo>
-                  <a:lnTo>
-                    <a:pt x="7285" y="1262"/>
-                  </a:lnTo>
-                  <a:lnTo>
-                    <a:pt x="7062" y="1309"/>
-                  </a:lnTo>
-                  <a:lnTo>
-                    <a:pt x="6840" y="1358"/>
-                  </a:lnTo>
-                  <a:lnTo>
-                    <a:pt x="6620" y="1399"/>
-                  </a:lnTo>
-                  <a:lnTo>
-                    <a:pt x="6402" y="1428"/>
-                  </a:lnTo>
-                  <a:lnTo>
-                    <a:pt x="6184" y="1453"/>
-                  </a:lnTo>
-                  <a:lnTo>
-                    <a:pt x="5968" y="1477"/>
-                  </a:lnTo>
-                  <a:lnTo>
-                    <a:pt x="5755" y="1488"/>
-                  </a:lnTo>
-                  <a:lnTo>
-                    <a:pt x="5542" y="1500"/>
-                  </a:lnTo>
-                  <a:lnTo>
-                    <a:pt x="5332" y="1506"/>
-                  </a:lnTo>
-                  <a:lnTo>
-                    <a:pt x="5124" y="1500"/>
-                  </a:lnTo>
-                  <a:lnTo>
-                    <a:pt x="4918" y="1500"/>
-                  </a:lnTo>
-                  <a:lnTo>
-                    <a:pt x="4714" y="1488"/>
-                  </a:lnTo>
-                  <a:lnTo>
-                    <a:pt x="4514" y="1470"/>
-                  </a:lnTo>
-                  <a:lnTo>
-                    <a:pt x="4316" y="1453"/>
-                  </a:lnTo>
-                  <a:lnTo>
-                    <a:pt x="4122" y="1434"/>
-                  </a:lnTo>
-                  <a:lnTo>
-                    <a:pt x="3929" y="1405"/>
-                  </a:lnTo>
-                  <a:lnTo>
-                    <a:pt x="3739" y="1374"/>
-                  </a:lnTo>
-                  <a:lnTo>
-                    <a:pt x="3553" y="1346"/>
-                  </a:lnTo>
-                  <a:lnTo>
-                    <a:pt x="3190" y="1267"/>
-                  </a:lnTo>
-                  <a:lnTo>
-                    <a:pt x="2842" y="1183"/>
-                  </a:lnTo>
-                  <a:lnTo>
-                    <a:pt x="2508" y="1095"/>
-                  </a:lnTo>
-                  <a:lnTo>
-                    <a:pt x="2192" y="998"/>
-                  </a:lnTo>
-                  <a:lnTo>
-                    <a:pt x="1890" y="897"/>
-                  </a:lnTo>
-                  <a:lnTo>
-                    <a:pt x="1610" y="788"/>
-                  </a:lnTo>
-                  <a:lnTo>
-                    <a:pt x="1347" y="681"/>
-                  </a:lnTo>
-                  <a:lnTo>
-                    <a:pt x="1105" y="574"/>
-                  </a:lnTo>
-                  <a:lnTo>
-                    <a:pt x="883" y="473"/>
-                  </a:lnTo>
-                  <a:lnTo>
-                    <a:pt x="686" y="377"/>
-                  </a:lnTo>
-                  <a:lnTo>
-                    <a:pt x="508" y="286"/>
-                  </a:lnTo>
-                  <a:lnTo>
-                    <a:pt x="358" y="210"/>
-                  </a:lnTo>
-                  <a:lnTo>
-                    <a:pt x="232" y="138"/>
-                  </a:lnTo>
-                  <a:lnTo>
-                    <a:pt x="59" y="35"/>
-                  </a:lnTo>
-                  <a:lnTo>
-                    <a:pt x="0" y="0"/>
-                  </a:lnTo>
-                  <a:lnTo>
-                    <a:pt x="0" y="0"/>
-                  </a:lnTo>
-                  <a:close/>
-                </a:path>
-              </a:pathLst>
-            </a:custGeom>
-            <a:solidFill>
-              <a:schemeClr val="bg1"/>
-            </a:solidFill>
-            <a:ln>
-              <a:noFill/>
-            </a:ln>
-          </p:spPr>
-        </p:sp>
-        <p:sp>
-          <p:nvSpPr>
-            <p:cNvPr id="12" name="Freeform 5"/>
+            <p:cNvPr id="9" name="Freeform 5"/>
             <p:cNvSpPr/>
             <p:nvPr/>
           </p:nvSpPr>
@@ -8392,7 +8655,191 @@
         </p:sp>
         <p:sp>
           <p:nvSpPr>
-            <p:cNvPr id="15" name="Freeform 5"/>
+            <p:cNvPr id="8" name="Freeform 5"/>
+            <p:cNvSpPr/>
+            <p:nvPr/>
+          </p:nvSpPr>
+          <p:spPr bwMode="gray">
+            <a:xfrm rot="16200000">
+              <a:off x="3787244" y="2801721"/>
+              <a:ext cx="6053670" cy="1254558"/>
+            </a:xfrm>
+            <a:custGeom>
+              <a:avLst/>
+              <a:gdLst/>
+              <a:ahLst/>
+              <a:cxnLst/>
+              <a:rect l="l" t="t" r="r" b="b"/>
+              <a:pathLst>
+                <a:path w="10000" h="8000">
+                  <a:moveTo>
+                    <a:pt x="0" y="0"/>
+                  </a:moveTo>
+                  <a:lnTo>
+                    <a:pt x="0" y="7970"/>
+                  </a:lnTo>
+                  <a:lnTo>
+                    <a:pt x="10000" y="8000"/>
+                  </a:lnTo>
+                  <a:lnTo>
+                    <a:pt x="10000" y="7"/>
+                  </a:lnTo>
+                  <a:lnTo>
+                    <a:pt x="10000" y="7"/>
+                  </a:lnTo>
+                  <a:lnTo>
+                    <a:pt x="9773" y="156"/>
+                  </a:lnTo>
+                  <a:lnTo>
+                    <a:pt x="9547" y="298"/>
+                  </a:lnTo>
+                  <a:lnTo>
+                    <a:pt x="9320" y="437"/>
+                  </a:lnTo>
+                  <a:lnTo>
+                    <a:pt x="9092" y="556"/>
+                  </a:lnTo>
+                  <a:lnTo>
+                    <a:pt x="8865" y="676"/>
+                  </a:lnTo>
+                  <a:lnTo>
+                    <a:pt x="8637" y="788"/>
+                  </a:lnTo>
+                  <a:lnTo>
+                    <a:pt x="8412" y="884"/>
+                  </a:lnTo>
+                  <a:lnTo>
+                    <a:pt x="8184" y="975"/>
+                  </a:lnTo>
+                  <a:lnTo>
+                    <a:pt x="7957" y="1058"/>
+                  </a:lnTo>
+                  <a:lnTo>
+                    <a:pt x="7734" y="1130"/>
+                  </a:lnTo>
+                  <a:lnTo>
+                    <a:pt x="7508" y="1202"/>
+                  </a:lnTo>
+                  <a:lnTo>
+                    <a:pt x="7285" y="1262"/>
+                  </a:lnTo>
+                  <a:lnTo>
+                    <a:pt x="7062" y="1309"/>
+                  </a:lnTo>
+                  <a:lnTo>
+                    <a:pt x="6840" y="1358"/>
+                  </a:lnTo>
+                  <a:lnTo>
+                    <a:pt x="6620" y="1399"/>
+                  </a:lnTo>
+                  <a:lnTo>
+                    <a:pt x="6402" y="1428"/>
+                  </a:lnTo>
+                  <a:lnTo>
+                    <a:pt x="6184" y="1453"/>
+                  </a:lnTo>
+                  <a:lnTo>
+                    <a:pt x="5968" y="1477"/>
+                  </a:lnTo>
+                  <a:lnTo>
+                    <a:pt x="5755" y="1488"/>
+                  </a:lnTo>
+                  <a:lnTo>
+                    <a:pt x="5542" y="1500"/>
+                  </a:lnTo>
+                  <a:lnTo>
+                    <a:pt x="5332" y="1506"/>
+                  </a:lnTo>
+                  <a:lnTo>
+                    <a:pt x="5124" y="1500"/>
+                  </a:lnTo>
+                  <a:lnTo>
+                    <a:pt x="4918" y="1500"/>
+                  </a:lnTo>
+                  <a:lnTo>
+                    <a:pt x="4714" y="1488"/>
+                  </a:lnTo>
+                  <a:lnTo>
+                    <a:pt x="4514" y="1470"/>
+                  </a:lnTo>
+                  <a:lnTo>
+                    <a:pt x="4316" y="1453"/>
+                  </a:lnTo>
+                  <a:lnTo>
+                    <a:pt x="4122" y="1434"/>
+                  </a:lnTo>
+                  <a:lnTo>
+                    <a:pt x="3929" y="1405"/>
+                  </a:lnTo>
+                  <a:lnTo>
+                    <a:pt x="3739" y="1374"/>
+                  </a:lnTo>
+                  <a:lnTo>
+                    <a:pt x="3553" y="1346"/>
+                  </a:lnTo>
+                  <a:lnTo>
+                    <a:pt x="3190" y="1267"/>
+                  </a:lnTo>
+                  <a:lnTo>
+                    <a:pt x="2842" y="1183"/>
+                  </a:lnTo>
+                  <a:lnTo>
+                    <a:pt x="2508" y="1095"/>
+                  </a:lnTo>
+                  <a:lnTo>
+                    <a:pt x="2192" y="998"/>
+                  </a:lnTo>
+                  <a:lnTo>
+                    <a:pt x="1890" y="897"/>
+                  </a:lnTo>
+                  <a:lnTo>
+                    <a:pt x="1610" y="788"/>
+                  </a:lnTo>
+                  <a:lnTo>
+                    <a:pt x="1347" y="681"/>
+                  </a:lnTo>
+                  <a:lnTo>
+                    <a:pt x="1105" y="574"/>
+                  </a:lnTo>
+                  <a:lnTo>
+                    <a:pt x="883" y="473"/>
+                  </a:lnTo>
+                  <a:lnTo>
+                    <a:pt x="686" y="377"/>
+                  </a:lnTo>
+                  <a:lnTo>
+                    <a:pt x="508" y="286"/>
+                  </a:lnTo>
+                  <a:lnTo>
+                    <a:pt x="358" y="210"/>
+                  </a:lnTo>
+                  <a:lnTo>
+                    <a:pt x="232" y="138"/>
+                  </a:lnTo>
+                  <a:lnTo>
+                    <a:pt x="59" y="35"/>
+                  </a:lnTo>
+                  <a:lnTo>
+                    <a:pt x="0" y="0"/>
+                  </a:lnTo>
+                  <a:lnTo>
+                    <a:pt x="0" y="0"/>
+                  </a:lnTo>
+                  <a:close/>
+                </a:path>
+              </a:pathLst>
+            </a:custGeom>
+            <a:solidFill>
+              <a:schemeClr val="bg1"/>
+            </a:solidFill>
+            <a:ln>
+              <a:noFill/>
+            </a:ln>
+          </p:spPr>
+        </p:sp>
+        <p:sp>
+          <p:nvSpPr>
+            <p:cNvPr id="12" name="Freeform 5"/>
             <p:cNvSpPr>
               <a:spLocks noEditPoints="1"/>
             </p:cNvSpPr>
@@ -8467,8 +8914,8 @@
         </p:nvSpPr>
         <p:spPr>
           <a:xfrm>
-            <a:off x="1154954" y="2677645"/>
-            <a:ext cx="4351025" cy="2283824"/>
+            <a:off x="1154956" y="2677645"/>
+            <a:ext cx="4351023" cy="2283824"/>
           </a:xfrm>
         </p:spPr>
         <p:txBody>
@@ -8499,8 +8946,8 @@
         </p:nvSpPr>
         <p:spPr>
           <a:xfrm>
-            <a:off x="6895559" y="2677644"/>
-            <a:ext cx="3757545" cy="2283824"/>
+            <a:off x="6895558" y="2677644"/>
+            <a:ext cx="3755379" cy="2283823"/>
           </a:xfrm>
         </p:spPr>
         <p:txBody>
@@ -8510,10 +8957,7 @@
               <a:buNone/>
               <a:defRPr sz="2000" cap="all">
                 <a:solidFill>
-                  <a:schemeClr val="accent1">
-                    <a:lumMod val="60000"/>
-                    <a:lumOff val="40000"/>
-                  </a:schemeClr>
+                  <a:schemeClr val="accent1"/>
                 </a:solidFill>
               </a:defRPr>
             </a:lvl1pPr>
@@ -8651,7 +9095,7 @@
       </p:sp>
       <p:sp>
         <p:nvSpPr>
-          <p:cNvPr id="16" name="Rectangle 15"/>
+          <p:cNvPr id="15" name="Rectangle 14"/>
           <p:cNvSpPr/>
           <p:nvPr/>
         </p:nvSpPr>
@@ -8711,7 +9155,7 @@
     </p:spTree>
     <p:extLst>
       <p:ext uri="{BB962C8B-B14F-4D97-AF65-F5344CB8AC3E}">
-        <p14:creationId xmlns:p14="http://schemas.microsoft.com/office/powerpoint/2010/main" val="1367480318"/>
+        <p14:creationId xmlns:p14="http://schemas.microsoft.com/office/powerpoint/2010/main" val="4069922124"/>
       </p:ext>
     </p:extLst>
   </p:cSld>
@@ -8947,7 +9391,7 @@
     </p:spTree>
     <p:extLst>
       <p:ext uri="{BB962C8B-B14F-4D97-AF65-F5344CB8AC3E}">
-        <p14:creationId xmlns:p14="http://schemas.microsoft.com/office/powerpoint/2010/main" val="1939680826"/>
+        <p14:creationId xmlns:p14="http://schemas.microsoft.com/office/powerpoint/2010/main" val="2195358824"/>
       </p:ext>
     </p:extLst>
   </p:cSld>
@@ -9214,7 +9658,7 @@
         </p:nvSpPr>
         <p:spPr>
           <a:xfrm>
-            <a:off x="6208712" y="3179762"/>
+            <a:off x="6208710" y="3179762"/>
             <a:ext cx="4825159" cy="2840039"/>
           </a:xfrm>
         </p:spPr>
@@ -9222,35 +9666,7 @@
           <a:bodyPr>
             <a:normAutofit/>
           </a:bodyPr>
-          <a:lstStyle>
-            <a:lvl1pPr>
-              <a:defRPr sz="1800"/>
-            </a:lvl1pPr>
-            <a:lvl2pPr>
-              <a:defRPr sz="1600"/>
-            </a:lvl2pPr>
-            <a:lvl3pPr>
-              <a:defRPr sz="1400"/>
-            </a:lvl3pPr>
-            <a:lvl4pPr>
-              <a:defRPr sz="1200"/>
-            </a:lvl4pPr>
-            <a:lvl5pPr>
-              <a:defRPr sz="1200"/>
-            </a:lvl5pPr>
-            <a:lvl6pPr>
-              <a:defRPr sz="1200"/>
-            </a:lvl6pPr>
-            <a:lvl7pPr>
-              <a:defRPr sz="1200"/>
-            </a:lvl7pPr>
-            <a:lvl8pPr>
-              <a:defRPr sz="1200"/>
-            </a:lvl8pPr>
-            <a:lvl9pPr>
-              <a:defRPr sz="1200"/>
-            </a:lvl9pPr>
-          </a:lstStyle>
+          <a:lstStyle/>
           <a:p>
             <a:pPr lvl="0"/>
             <a:r>
@@ -9357,7 +9773,7 @@
     </p:spTree>
     <p:extLst>
       <p:ext uri="{BB962C8B-B14F-4D97-AF65-F5344CB8AC3E}">
-        <p14:creationId xmlns:p14="http://schemas.microsoft.com/office/powerpoint/2010/main" val="2134416933"/>
+        <p14:creationId xmlns:p14="http://schemas.microsoft.com/office/powerpoint/2010/main" val="928445014"/>
       </p:ext>
     </p:extLst>
   </p:cSld>
@@ -9386,7 +9802,7 @@
       </p:grpSpPr>
       <p:sp>
         <p:nvSpPr>
-          <p:cNvPr id="9" name="Title 1"/>
+          <p:cNvPr id="2" name="Title 1"/>
           <p:cNvSpPr>
             <a:spLocks noGrp="1"/>
           </p:cNvSpPr>
@@ -9394,19 +9810,10 @@
             <p:ph type="title"/>
           </p:nvPr>
         </p:nvSpPr>
-        <p:spPr>
-          <a:xfrm>
-            <a:off x="1154954" y="973668"/>
-            <a:ext cx="8761413" cy="706964"/>
-          </a:xfrm>
-        </p:spPr>
+        <p:spPr/>
         <p:txBody>
           <a:bodyPr/>
-          <a:lstStyle>
-            <a:lvl1pPr>
-              <a:defRPr/>
-            </a:lvl1pPr>
-          </a:lstStyle>
+          <a:lstStyle/>
           <a:p>
             <a:r>
               <a:rPr lang="en-GB"/>
@@ -9484,7 +9891,7 @@
     </p:spTree>
     <p:extLst>
       <p:ext uri="{BB962C8B-B14F-4D97-AF65-F5344CB8AC3E}">
-        <p14:creationId xmlns:p14="http://schemas.microsoft.com/office/powerpoint/2010/main" val="508230534"/>
+        <p14:creationId xmlns:p14="http://schemas.microsoft.com/office/powerpoint/2010/main" val="778508678"/>
       </p:ext>
     </p:extLst>
   </p:cSld>
@@ -9615,7 +10022,7 @@
     </p:spTree>
     <p:extLst>
       <p:ext uri="{BB962C8B-B14F-4D97-AF65-F5344CB8AC3E}">
-        <p14:creationId xmlns:p14="http://schemas.microsoft.com/office/powerpoint/2010/main" val="532381064"/>
+        <p14:creationId xmlns:p14="http://schemas.microsoft.com/office/powerpoint/2010/main" val="859982332"/>
       </p:ext>
     </p:extLst>
   </p:cSld>
@@ -9644,21 +10051,21 @@
       </p:grpSpPr>
       <p:grpSp>
         <p:nvGrpSpPr>
-          <p:cNvPr id="9" name="Group 8"/>
+          <p:cNvPr id="14" name="Group 13"/>
           <p:cNvGrpSpPr/>
           <p:nvPr/>
         </p:nvGrpSpPr>
         <p:grpSpPr>
           <a:xfrm>
-            <a:off x="0" y="0"/>
-            <a:ext cx="12192000" cy="6858000"/>
-            <a:chOff x="0" y="0"/>
-            <a:chExt cx="12192000" cy="6858000"/>
+            <a:off x="0" y="-2373"/>
+            <a:ext cx="12192000" cy="6867027"/>
+            <a:chOff x="0" y="-2373"/>
+            <a:chExt cx="12192000" cy="6867027"/>
           </a:xfrm>
         </p:grpSpPr>
         <p:sp>
           <p:nvSpPr>
-            <p:cNvPr id="14" name="Rectangle 13"/>
+            <p:cNvPr id="12" name="Rectangle 11"/>
             <p:cNvSpPr/>
             <p:nvPr/>
           </p:nvSpPr>
@@ -9674,15 +10081,16 @@
               <a:blip r:embed="rId2">
                 <a:duotone>
                   <a:schemeClr val="dk2">
-                    <a:shade val="69000"/>
-                    <a:hueMod val="91000"/>
+                    <a:shade val="62000"/>
+                    <a:hueMod val="108000"/>
                     <a:satMod val="164000"/>
-                    <a:lumMod val="74000"/>
+                    <a:lumMod val="69000"/>
                   </a:schemeClr>
                   <a:schemeClr val="dk2">
-                    <a:hueMod val="124000"/>
-                    <a:satMod val="140000"/>
-                    <a:lumMod val="142000"/>
+                    <a:tint val="96000"/>
+                    <a:hueMod val="90000"/>
+                    <a:satMod val="130000"/>
+                    <a:lumMod val="134000"/>
                   </a:schemeClr>
                 </a:duotone>
               </a:blip>
@@ -9713,13 +10121,13 @@
         </p:sp>
         <p:sp>
           <p:nvSpPr>
-            <p:cNvPr id="17" name="Oval 16"/>
+            <p:cNvPr id="16" name="Oval 15"/>
             <p:cNvSpPr/>
             <p:nvPr/>
           </p:nvSpPr>
           <p:spPr>
             <a:xfrm>
-              <a:off x="0" y="2667000"/>
+              <a:off x="3220" y="2667000"/>
               <a:ext cx="4191000" cy="4191000"/>
             </a:xfrm>
             <a:prstGeom prst="ellipse">
@@ -9728,17 +10136,23 @@
             <a:gradFill flip="none" rotWithShape="1">
               <a:gsLst>
                 <a:gs pos="0">
-                  <a:schemeClr val="accent5">
+                  <a:schemeClr val="bg2">
+                    <a:lumMod val="40000"/>
+                    <a:lumOff val="60000"/>
                     <a:alpha val="11000"/>
                   </a:schemeClr>
                 </a:gs>
                 <a:gs pos="75000">
-                  <a:schemeClr val="accent5">
+                  <a:schemeClr val="bg2">
+                    <a:lumMod val="40000"/>
+                    <a:lumOff val="60000"/>
                     <a:alpha val="0"/>
                   </a:schemeClr>
                 </a:gs>
                 <a:gs pos="36000">
-                  <a:schemeClr val="accent5">
+                  <a:schemeClr val="bg2">
+                    <a:lumMod val="40000"/>
+                    <a:lumOff val="60000"/>
                     <a:alpha val="10000"/>
                   </a:schemeClr>
                 </a:gs>
@@ -9770,13 +10184,13 @@
         </p:sp>
         <p:sp>
           <p:nvSpPr>
-            <p:cNvPr id="19" name="Oval 18"/>
+            <p:cNvPr id="17" name="Oval 16"/>
             <p:cNvSpPr/>
             <p:nvPr/>
           </p:nvSpPr>
           <p:spPr>
             <a:xfrm>
-              <a:off x="0" y="2895600"/>
+              <a:off x="1750" y="2895600"/>
               <a:ext cx="2362200" cy="2362200"/>
             </a:xfrm>
             <a:prstGeom prst="ellipse">
@@ -9785,17 +10199,23 @@
             <a:gradFill flip="none" rotWithShape="1">
               <a:gsLst>
                 <a:gs pos="0">
-                  <a:schemeClr val="accent5">
+                  <a:schemeClr val="bg2">
+                    <a:lumMod val="40000"/>
+                    <a:lumOff val="60000"/>
                     <a:alpha val="8000"/>
                   </a:schemeClr>
                 </a:gs>
                 <a:gs pos="72000">
-                  <a:schemeClr val="accent5">
+                  <a:schemeClr val="bg2">
+                    <a:lumMod val="40000"/>
+                    <a:lumOff val="60000"/>
                     <a:alpha val="0"/>
                   </a:schemeClr>
                 </a:gs>
                 <a:gs pos="36000">
-                  <a:schemeClr val="accent5">
+                  <a:schemeClr val="bg2">
+                    <a:lumMod val="40000"/>
+                    <a:lumOff val="60000"/>
                     <a:alpha val="8000"/>
                   </a:schemeClr>
                 </a:gs>
@@ -9827,14 +10247,14 @@
         </p:sp>
         <p:sp>
           <p:nvSpPr>
-            <p:cNvPr id="20" name="Oval 19"/>
+            <p:cNvPr id="18" name="Oval 17"/>
             <p:cNvSpPr/>
             <p:nvPr/>
           </p:nvSpPr>
           <p:spPr>
             <a:xfrm>
-              <a:off x="8609012" y="5867400"/>
-              <a:ext cx="990600" cy="990600"/>
+              <a:off x="8609012" y="1676400"/>
+              <a:ext cx="2819400" cy="2819400"/>
             </a:xfrm>
             <a:prstGeom prst="ellipse">
               <a:avLst/>
@@ -9842,18 +10262,24 @@
             <a:gradFill flip="none" rotWithShape="1">
               <a:gsLst>
                 <a:gs pos="0">
-                  <a:schemeClr val="accent5">
-                    <a:alpha val="14000"/>
+                  <a:schemeClr val="bg2">
+                    <a:lumMod val="40000"/>
+                    <a:lumOff val="60000"/>
+                    <a:alpha val="7000"/>
                   </a:schemeClr>
                 </a:gs>
-                <a:gs pos="66000">
-                  <a:schemeClr val="accent5">
+                <a:gs pos="69000">
+                  <a:schemeClr val="bg2">
+                    <a:lumMod val="40000"/>
+                    <a:lumOff val="60000"/>
                     <a:alpha val="0"/>
                   </a:schemeClr>
                 </a:gs>
                 <a:gs pos="36000">
-                  <a:schemeClr val="accent5">
-                    <a:alpha val="7000"/>
+                  <a:schemeClr val="bg2">
+                    <a:lumMod val="40000"/>
+                    <a:lumOff val="60000"/>
+                    <a:alpha val="6000"/>
                   </a:schemeClr>
                 </a:gs>
               </a:gsLst>
@@ -9884,14 +10310,14 @@
         </p:sp>
         <p:sp>
           <p:nvSpPr>
-            <p:cNvPr id="21" name="Oval 20"/>
+            <p:cNvPr id="19" name="Oval 18"/>
             <p:cNvSpPr/>
             <p:nvPr/>
           </p:nvSpPr>
           <p:spPr>
             <a:xfrm>
-              <a:off x="8609012" y="1676400"/>
-              <a:ext cx="2819400" cy="2819400"/>
+              <a:off x="7999412" y="-2373"/>
+              <a:ext cx="1600200" cy="1600200"/>
             </a:xfrm>
             <a:prstGeom prst="ellipse">
               <a:avLst/>
@@ -9899,18 +10325,24 @@
             <a:gradFill flip="none" rotWithShape="1">
               <a:gsLst>
                 <a:gs pos="0">
-                  <a:schemeClr val="accent5">
-                    <a:alpha val="7000"/>
+                  <a:schemeClr val="bg2">
+                    <a:lumMod val="40000"/>
+                    <a:lumOff val="60000"/>
+                    <a:alpha val="14000"/>
                   </a:schemeClr>
                 </a:gs>
-                <a:gs pos="69000">
-                  <a:schemeClr val="accent5">
+                <a:gs pos="73000">
+                  <a:schemeClr val="bg2">
+                    <a:lumMod val="40000"/>
+                    <a:lumOff val="60000"/>
                     <a:alpha val="0"/>
                   </a:schemeClr>
                 </a:gs>
                 <a:gs pos="36000">
-                  <a:schemeClr val="accent5">
-                    <a:alpha val="6000"/>
+                  <a:schemeClr val="bg2">
+                    <a:lumMod val="40000"/>
+                    <a:lumOff val="60000"/>
+                    <a:alpha val="7000"/>
                   </a:schemeClr>
                 </a:gs>
               </a:gsLst>
@@ -9941,14 +10373,14 @@
         </p:sp>
         <p:sp>
           <p:nvSpPr>
-            <p:cNvPr id="22" name="Oval 21"/>
+            <p:cNvPr id="20" name="Oval 19"/>
             <p:cNvSpPr/>
             <p:nvPr/>
           </p:nvSpPr>
           <p:spPr>
             <a:xfrm>
-              <a:off x="7999412" y="8464"/>
-              <a:ext cx="1600200" cy="1600200"/>
+              <a:off x="8609012" y="5874054"/>
+              <a:ext cx="990600" cy="990600"/>
             </a:xfrm>
             <a:prstGeom prst="ellipse">
               <a:avLst/>
@@ -9956,17 +10388,23 @@
             <a:gradFill flip="none" rotWithShape="1">
               <a:gsLst>
                 <a:gs pos="0">
-                  <a:schemeClr val="accent5">
+                  <a:schemeClr val="bg2">
+                    <a:lumMod val="40000"/>
+                    <a:lumOff val="60000"/>
                     <a:alpha val="14000"/>
                   </a:schemeClr>
                 </a:gs>
-                <a:gs pos="73000">
-                  <a:schemeClr val="accent5">
+                <a:gs pos="66000">
+                  <a:schemeClr val="bg2">
+                    <a:lumMod val="40000"/>
+                    <a:lumOff val="60000"/>
                     <a:alpha val="0"/>
                   </a:schemeClr>
                 </a:gs>
                 <a:gs pos="36000">
-                  <a:schemeClr val="accent5">
+                  <a:schemeClr val="bg2">
+                    <a:lumMod val="40000"/>
+                    <a:lumOff val="60000"/>
                     <a:alpha val="7000"/>
                   </a:schemeClr>
                 </a:gs>
@@ -9998,11 +10436,11 @@
         </p:sp>
         <p:sp>
           <p:nvSpPr>
-            <p:cNvPr id="11" name="Rectangle 10"/>
+            <p:cNvPr id="8" name="Rectangle 7"/>
             <p:cNvSpPr/>
             <p:nvPr/>
           </p:nvSpPr>
-          <p:spPr bwMode="gray">
+          <p:spPr>
             <a:xfrm>
               <a:off x="5713412" y="402165"/>
               <a:ext cx="6055253" cy="6053670"/>
@@ -10035,7 +10473,7 @@
         </p:sp>
         <p:sp>
           <p:nvSpPr>
-            <p:cNvPr id="18" name="Freeform 5"/>
+            <p:cNvPr id="10" name="Freeform 5"/>
             <p:cNvSpPr/>
             <p:nvPr/>
           </p:nvSpPr>
@@ -10182,7 +10620,7 @@
         </p:sp>
         <p:sp>
           <p:nvSpPr>
-            <p:cNvPr id="12" name="Freeform 5"/>
+            <p:cNvPr id="9" name="Freeform 5"/>
             <p:cNvSpPr/>
             <p:nvPr/>
           </p:nvSpPr>
@@ -10366,7 +10804,7 @@
         </p:sp>
         <p:sp>
           <p:nvSpPr>
-            <p:cNvPr id="15" name="Freeform 5"/>
+            <p:cNvPr id="13" name="Freeform 5"/>
             <p:cNvSpPr>
               <a:spLocks noEditPoints="1"/>
             </p:cNvSpPr>
@@ -10441,8 +10879,8 @@
         </p:nvSpPr>
         <p:spPr>
           <a:xfrm>
-            <a:off x="1154955" y="1295400"/>
-            <a:ext cx="2793158" cy="1600200"/>
+            <a:off x="1154954" y="1295400"/>
+            <a:ext cx="2793159" cy="1600200"/>
           </a:xfrm>
         </p:spPr>
         <p:txBody>
@@ -10474,7 +10912,7 @@
         <p:spPr>
           <a:xfrm>
             <a:off x="5781146" y="1447800"/>
-            <a:ext cx="5190066" cy="4572000"/>
+            <a:ext cx="5190065" cy="4572000"/>
           </a:xfrm>
         </p:spPr>
         <p:txBody>
@@ -10532,8 +10970,8 @@
         </p:nvSpPr>
         <p:spPr bwMode="gray">
           <a:xfrm>
-            <a:off x="1154954" y="3129280"/>
-            <a:ext cx="2793158" cy="2895599"/>
+            <a:off x="1154955" y="2895600"/>
+            <a:ext cx="2793158" cy="3129279"/>
           </a:xfrm>
         </p:spPr>
         <p:txBody>
@@ -10543,10 +10981,7 @@
               <a:buNone/>
               <a:defRPr sz="1400">
                 <a:solidFill>
-                  <a:schemeClr val="accent1">
-                    <a:lumMod val="60000"/>
-                    <a:lumOff val="40000"/>
-                  </a:schemeClr>
+                  <a:schemeClr val="accent1"/>
                 </a:solidFill>
               </a:defRPr>
             </a:lvl1pPr>
@@ -10636,7 +11071,7 @@
       </p:sp>
       <p:sp>
         <p:nvSpPr>
-          <p:cNvPr id="16" name="Rectangle 15"/>
+          <p:cNvPr id="15" name="Rectangle 14"/>
           <p:cNvSpPr/>
           <p:nvPr/>
         </p:nvSpPr>
@@ -10696,7 +11131,7 @@
     </p:spTree>
     <p:extLst>
       <p:ext uri="{BB962C8B-B14F-4D97-AF65-F5344CB8AC3E}">
-        <p14:creationId xmlns:p14="http://schemas.microsoft.com/office/powerpoint/2010/main" val="2627914053"/>
+        <p14:creationId xmlns:p14="http://schemas.microsoft.com/office/powerpoint/2010/main" val="2757915194"/>
       </p:ext>
     </p:extLst>
   </p:cSld>
@@ -10725,21 +11160,21 @@
       </p:grpSpPr>
       <p:grpSp>
         <p:nvGrpSpPr>
-          <p:cNvPr id="9" name="Group 8"/>
+          <p:cNvPr id="20" name="Group 19"/>
           <p:cNvGrpSpPr/>
           <p:nvPr/>
         </p:nvGrpSpPr>
         <p:grpSpPr>
           <a:xfrm>
-            <a:off x="0" y="0"/>
-            <a:ext cx="12192000" cy="6858000"/>
-            <a:chOff x="0" y="0"/>
-            <a:chExt cx="12192000" cy="6858000"/>
+            <a:off x="0" y="-2373"/>
+            <a:ext cx="12192000" cy="6867027"/>
+            <a:chOff x="0" y="-2373"/>
+            <a:chExt cx="12192000" cy="6867027"/>
           </a:xfrm>
         </p:grpSpPr>
         <p:sp>
           <p:nvSpPr>
-            <p:cNvPr id="14" name="Rectangle 13"/>
+            <p:cNvPr id="12" name="Rectangle 11"/>
             <p:cNvSpPr/>
             <p:nvPr/>
           </p:nvSpPr>
@@ -10755,15 +11190,16 @@
               <a:blip r:embed="rId2">
                 <a:duotone>
                   <a:schemeClr val="dk2">
-                    <a:shade val="69000"/>
-                    <a:hueMod val="91000"/>
+                    <a:shade val="62000"/>
+                    <a:hueMod val="108000"/>
                     <a:satMod val="164000"/>
-                    <a:lumMod val="74000"/>
+                    <a:lumMod val="69000"/>
                   </a:schemeClr>
                   <a:schemeClr val="dk2">
-                    <a:hueMod val="124000"/>
-                    <a:satMod val="140000"/>
-                    <a:lumMod val="142000"/>
+                    <a:tint val="96000"/>
+                    <a:hueMod val="90000"/>
+                    <a:satMod val="130000"/>
+                    <a:lumMod val="134000"/>
                   </a:schemeClr>
                 </a:duotone>
               </a:blip>
@@ -10794,13 +11230,13 @@
         </p:sp>
         <p:sp>
           <p:nvSpPr>
-            <p:cNvPr id="17" name="Oval 16"/>
+            <p:cNvPr id="15" name="Oval 14"/>
             <p:cNvSpPr/>
             <p:nvPr/>
           </p:nvSpPr>
           <p:spPr>
             <a:xfrm>
-              <a:off x="0" y="2667000"/>
+              <a:off x="3220" y="2667000"/>
               <a:ext cx="4191000" cy="4191000"/>
             </a:xfrm>
             <a:prstGeom prst="ellipse">
@@ -10809,17 +11245,23 @@
             <a:gradFill flip="none" rotWithShape="1">
               <a:gsLst>
                 <a:gs pos="0">
-                  <a:schemeClr val="accent5">
+                  <a:schemeClr val="bg2">
+                    <a:lumMod val="40000"/>
+                    <a:lumOff val="60000"/>
                     <a:alpha val="11000"/>
                   </a:schemeClr>
                 </a:gs>
                 <a:gs pos="75000">
-                  <a:schemeClr val="accent5">
+                  <a:schemeClr val="bg2">
+                    <a:lumMod val="40000"/>
+                    <a:lumOff val="60000"/>
                     <a:alpha val="0"/>
                   </a:schemeClr>
                 </a:gs>
                 <a:gs pos="36000">
-                  <a:schemeClr val="accent5">
+                  <a:schemeClr val="bg2">
+                    <a:lumMod val="40000"/>
+                    <a:lumOff val="60000"/>
                     <a:alpha val="10000"/>
                   </a:schemeClr>
                 </a:gs>
@@ -10851,13 +11293,13 @@
         </p:sp>
         <p:sp>
           <p:nvSpPr>
-            <p:cNvPr id="18" name="Oval 17"/>
+            <p:cNvPr id="16" name="Oval 15"/>
             <p:cNvSpPr/>
             <p:nvPr/>
           </p:nvSpPr>
           <p:spPr>
             <a:xfrm>
-              <a:off x="0" y="2895600"/>
+              <a:off x="1750" y="2895600"/>
               <a:ext cx="2362200" cy="2362200"/>
             </a:xfrm>
             <a:prstGeom prst="ellipse">
@@ -10866,17 +11308,23 @@
             <a:gradFill flip="none" rotWithShape="1">
               <a:gsLst>
                 <a:gs pos="0">
-                  <a:schemeClr val="accent5">
+                  <a:schemeClr val="bg2">
+                    <a:lumMod val="40000"/>
+                    <a:lumOff val="60000"/>
                     <a:alpha val="8000"/>
                   </a:schemeClr>
                 </a:gs>
                 <a:gs pos="72000">
-                  <a:schemeClr val="accent5">
+                  <a:schemeClr val="bg2">
+                    <a:lumMod val="40000"/>
+                    <a:lumOff val="60000"/>
                     <a:alpha val="0"/>
                   </a:schemeClr>
                 </a:gs>
                 <a:gs pos="36000">
-                  <a:schemeClr val="accent5">
+                  <a:schemeClr val="bg2">
+                    <a:lumMod val="40000"/>
+                    <a:lumOff val="60000"/>
                     <a:alpha val="8000"/>
                   </a:schemeClr>
                 </a:gs>
@@ -10908,14 +11356,14 @@
         </p:sp>
         <p:sp>
           <p:nvSpPr>
-            <p:cNvPr id="19" name="Oval 18"/>
+            <p:cNvPr id="17" name="Oval 16"/>
             <p:cNvSpPr/>
             <p:nvPr/>
           </p:nvSpPr>
           <p:spPr>
             <a:xfrm>
-              <a:off x="8609012" y="5867400"/>
-              <a:ext cx="990600" cy="990600"/>
+              <a:off x="8609012" y="1676400"/>
+              <a:ext cx="2819400" cy="2819400"/>
             </a:xfrm>
             <a:prstGeom prst="ellipse">
               <a:avLst/>
@@ -10923,18 +11371,24 @@
             <a:gradFill flip="none" rotWithShape="1">
               <a:gsLst>
                 <a:gs pos="0">
-                  <a:schemeClr val="accent5">
-                    <a:alpha val="14000"/>
+                  <a:schemeClr val="bg2">
+                    <a:lumMod val="40000"/>
+                    <a:lumOff val="60000"/>
+                    <a:alpha val="7000"/>
                   </a:schemeClr>
                 </a:gs>
-                <a:gs pos="66000">
-                  <a:schemeClr val="accent5">
+                <a:gs pos="69000">
+                  <a:schemeClr val="bg2">
+                    <a:lumMod val="40000"/>
+                    <a:lumOff val="60000"/>
                     <a:alpha val="0"/>
                   </a:schemeClr>
                 </a:gs>
                 <a:gs pos="36000">
-                  <a:schemeClr val="accent5">
-                    <a:alpha val="7000"/>
+                  <a:schemeClr val="bg2">
+                    <a:lumMod val="40000"/>
+                    <a:lumOff val="60000"/>
+                    <a:alpha val="6000"/>
                   </a:schemeClr>
                 </a:gs>
               </a:gsLst>
@@ -10965,14 +11419,14 @@
         </p:sp>
         <p:sp>
           <p:nvSpPr>
-            <p:cNvPr id="20" name="Oval 19"/>
+            <p:cNvPr id="18" name="Oval 17"/>
             <p:cNvSpPr/>
             <p:nvPr/>
           </p:nvSpPr>
           <p:spPr>
             <a:xfrm>
-              <a:off x="8609012" y="1676400"/>
-              <a:ext cx="2819400" cy="2819400"/>
+              <a:off x="7999412" y="-2373"/>
+              <a:ext cx="1600200" cy="1600200"/>
             </a:xfrm>
             <a:prstGeom prst="ellipse">
               <a:avLst/>
@@ -10980,18 +11434,24 @@
             <a:gradFill flip="none" rotWithShape="1">
               <a:gsLst>
                 <a:gs pos="0">
-                  <a:schemeClr val="accent5">
-                    <a:alpha val="7000"/>
+                  <a:schemeClr val="bg2">
+                    <a:lumMod val="40000"/>
+                    <a:lumOff val="60000"/>
+                    <a:alpha val="14000"/>
                   </a:schemeClr>
                 </a:gs>
-                <a:gs pos="69000">
-                  <a:schemeClr val="accent5">
+                <a:gs pos="73000">
+                  <a:schemeClr val="bg2">
+                    <a:lumMod val="40000"/>
+                    <a:lumOff val="60000"/>
                     <a:alpha val="0"/>
                   </a:schemeClr>
                 </a:gs>
                 <a:gs pos="36000">
-                  <a:schemeClr val="accent5">
-                    <a:alpha val="6000"/>
+                  <a:schemeClr val="bg2">
+                    <a:lumMod val="40000"/>
+                    <a:lumOff val="60000"/>
+                    <a:alpha val="7000"/>
                   </a:schemeClr>
                 </a:gs>
               </a:gsLst>
@@ -11022,14 +11482,14 @@
         </p:sp>
         <p:sp>
           <p:nvSpPr>
-            <p:cNvPr id="21" name="Oval 20"/>
+            <p:cNvPr id="19" name="Oval 18"/>
             <p:cNvSpPr/>
             <p:nvPr/>
           </p:nvSpPr>
           <p:spPr>
             <a:xfrm>
-              <a:off x="7999412" y="8464"/>
-              <a:ext cx="1600200" cy="1600200"/>
+              <a:off x="8609012" y="5874054"/>
+              <a:ext cx="990600" cy="990600"/>
             </a:xfrm>
             <a:prstGeom prst="ellipse">
               <a:avLst/>
@@ -11037,17 +11497,23 @@
             <a:gradFill flip="none" rotWithShape="1">
               <a:gsLst>
                 <a:gs pos="0">
-                  <a:schemeClr val="accent5">
+                  <a:schemeClr val="bg2">
+                    <a:lumMod val="40000"/>
+                    <a:lumOff val="60000"/>
                     <a:alpha val="14000"/>
                   </a:schemeClr>
                 </a:gs>
-                <a:gs pos="73000">
-                  <a:schemeClr val="accent5">
+                <a:gs pos="66000">
+                  <a:schemeClr val="bg2">
+                    <a:lumMod val="40000"/>
+                    <a:lumOff val="60000"/>
                     <a:alpha val="0"/>
                   </a:schemeClr>
                 </a:gs>
                 <a:gs pos="36000">
-                  <a:schemeClr val="accent5">
+                  <a:schemeClr val="bg2">
+                    <a:lumMod val="40000"/>
+                    <a:lumOff val="60000"/>
                     <a:alpha val="7000"/>
                   </a:schemeClr>
                 </a:gs>
@@ -11079,11 +11545,11 @@
         </p:sp>
         <p:sp>
           <p:nvSpPr>
-            <p:cNvPr id="11" name="Rectangle 10"/>
+            <p:cNvPr id="8" name="Rectangle 7"/>
             <p:cNvSpPr/>
             <p:nvPr/>
           </p:nvSpPr>
-          <p:spPr bwMode="gray">
+          <p:spPr>
             <a:xfrm>
               <a:off x="6172200" y="402165"/>
               <a:ext cx="5596465" cy="6053670"/>
@@ -11116,7 +11582,191 @@
         </p:sp>
         <p:sp>
           <p:nvSpPr>
-            <p:cNvPr id="22" name="Freeform 5"/>
+            <p:cNvPr id="9" name="Freeform 5"/>
+            <p:cNvSpPr/>
+            <p:nvPr/>
+          </p:nvSpPr>
+          <p:spPr bwMode="gray">
+            <a:xfrm rot="16200000">
+              <a:off x="3295432" y="2801721"/>
+              <a:ext cx="6053670" cy="1254558"/>
+            </a:xfrm>
+            <a:custGeom>
+              <a:avLst/>
+              <a:gdLst/>
+              <a:ahLst/>
+              <a:cxnLst/>
+              <a:rect l="l" t="t" r="r" b="b"/>
+              <a:pathLst>
+                <a:path w="10000" h="8000">
+                  <a:moveTo>
+                    <a:pt x="0" y="0"/>
+                  </a:moveTo>
+                  <a:lnTo>
+                    <a:pt x="0" y="7970"/>
+                  </a:lnTo>
+                  <a:lnTo>
+                    <a:pt x="10000" y="8000"/>
+                  </a:lnTo>
+                  <a:lnTo>
+                    <a:pt x="10000" y="7"/>
+                  </a:lnTo>
+                  <a:lnTo>
+                    <a:pt x="10000" y="7"/>
+                  </a:lnTo>
+                  <a:lnTo>
+                    <a:pt x="9773" y="156"/>
+                  </a:lnTo>
+                  <a:lnTo>
+                    <a:pt x="9547" y="298"/>
+                  </a:lnTo>
+                  <a:lnTo>
+                    <a:pt x="9320" y="437"/>
+                  </a:lnTo>
+                  <a:lnTo>
+                    <a:pt x="9092" y="556"/>
+                  </a:lnTo>
+                  <a:lnTo>
+                    <a:pt x="8865" y="676"/>
+                  </a:lnTo>
+                  <a:lnTo>
+                    <a:pt x="8637" y="788"/>
+                  </a:lnTo>
+                  <a:lnTo>
+                    <a:pt x="8412" y="884"/>
+                  </a:lnTo>
+                  <a:lnTo>
+                    <a:pt x="8184" y="975"/>
+                  </a:lnTo>
+                  <a:lnTo>
+                    <a:pt x="7957" y="1058"/>
+                  </a:lnTo>
+                  <a:lnTo>
+                    <a:pt x="7734" y="1130"/>
+                  </a:lnTo>
+                  <a:lnTo>
+                    <a:pt x="7508" y="1202"/>
+                  </a:lnTo>
+                  <a:lnTo>
+                    <a:pt x="7285" y="1262"/>
+                  </a:lnTo>
+                  <a:lnTo>
+                    <a:pt x="7062" y="1309"/>
+                  </a:lnTo>
+                  <a:lnTo>
+                    <a:pt x="6840" y="1358"/>
+                  </a:lnTo>
+                  <a:lnTo>
+                    <a:pt x="6620" y="1399"/>
+                  </a:lnTo>
+                  <a:lnTo>
+                    <a:pt x="6402" y="1428"/>
+                  </a:lnTo>
+                  <a:lnTo>
+                    <a:pt x="6184" y="1453"/>
+                  </a:lnTo>
+                  <a:lnTo>
+                    <a:pt x="5968" y="1477"/>
+                  </a:lnTo>
+                  <a:lnTo>
+                    <a:pt x="5755" y="1488"/>
+                  </a:lnTo>
+                  <a:lnTo>
+                    <a:pt x="5542" y="1500"/>
+                  </a:lnTo>
+                  <a:lnTo>
+                    <a:pt x="5332" y="1506"/>
+                  </a:lnTo>
+                  <a:lnTo>
+                    <a:pt x="5124" y="1500"/>
+                  </a:lnTo>
+                  <a:lnTo>
+                    <a:pt x="4918" y="1500"/>
+                  </a:lnTo>
+                  <a:lnTo>
+                    <a:pt x="4714" y="1488"/>
+                  </a:lnTo>
+                  <a:lnTo>
+                    <a:pt x="4514" y="1470"/>
+                  </a:lnTo>
+                  <a:lnTo>
+                    <a:pt x="4316" y="1453"/>
+                  </a:lnTo>
+                  <a:lnTo>
+                    <a:pt x="4122" y="1434"/>
+                  </a:lnTo>
+                  <a:lnTo>
+                    <a:pt x="3929" y="1405"/>
+                  </a:lnTo>
+                  <a:lnTo>
+                    <a:pt x="3739" y="1374"/>
+                  </a:lnTo>
+                  <a:lnTo>
+                    <a:pt x="3553" y="1346"/>
+                  </a:lnTo>
+                  <a:lnTo>
+                    <a:pt x="3190" y="1267"/>
+                  </a:lnTo>
+                  <a:lnTo>
+                    <a:pt x="2842" y="1183"/>
+                  </a:lnTo>
+                  <a:lnTo>
+                    <a:pt x="2508" y="1095"/>
+                  </a:lnTo>
+                  <a:lnTo>
+                    <a:pt x="2192" y="998"/>
+                  </a:lnTo>
+                  <a:lnTo>
+                    <a:pt x="1890" y="897"/>
+                  </a:lnTo>
+                  <a:lnTo>
+                    <a:pt x="1610" y="788"/>
+                  </a:lnTo>
+                  <a:lnTo>
+                    <a:pt x="1347" y="681"/>
+                  </a:lnTo>
+                  <a:lnTo>
+                    <a:pt x="1105" y="574"/>
+                  </a:lnTo>
+                  <a:lnTo>
+                    <a:pt x="883" y="473"/>
+                  </a:lnTo>
+                  <a:lnTo>
+                    <a:pt x="686" y="377"/>
+                  </a:lnTo>
+                  <a:lnTo>
+                    <a:pt x="508" y="286"/>
+                  </a:lnTo>
+                  <a:lnTo>
+                    <a:pt x="358" y="210"/>
+                  </a:lnTo>
+                  <a:lnTo>
+                    <a:pt x="232" y="138"/>
+                  </a:lnTo>
+                  <a:lnTo>
+                    <a:pt x="59" y="35"/>
+                  </a:lnTo>
+                  <a:lnTo>
+                    <a:pt x="0" y="0"/>
+                  </a:lnTo>
+                  <a:lnTo>
+                    <a:pt x="0" y="0"/>
+                  </a:lnTo>
+                  <a:close/>
+                </a:path>
+              </a:pathLst>
+            </a:custGeom>
+            <a:solidFill>
+              <a:schemeClr val="bg1"/>
+            </a:solidFill>
+            <a:ln>
+              <a:noFill/>
+            </a:ln>
+          </p:spPr>
+        </p:sp>
+        <p:sp>
+          <p:nvSpPr>
+            <p:cNvPr id="10" name="Freeform 5"/>
             <p:cNvSpPr/>
             <p:nvPr/>
           </p:nvSpPr>
@@ -11263,191 +11913,7 @@
         </p:sp>
         <p:sp>
           <p:nvSpPr>
-            <p:cNvPr id="12" name="Freeform 5"/>
-            <p:cNvSpPr/>
-            <p:nvPr/>
-          </p:nvSpPr>
-          <p:spPr bwMode="gray">
-            <a:xfrm rot="16200000">
-              <a:off x="3295432" y="2801721"/>
-              <a:ext cx="6053670" cy="1254558"/>
-            </a:xfrm>
-            <a:custGeom>
-              <a:avLst/>
-              <a:gdLst/>
-              <a:ahLst/>
-              <a:cxnLst/>
-              <a:rect l="l" t="t" r="r" b="b"/>
-              <a:pathLst>
-                <a:path w="10000" h="8000">
-                  <a:moveTo>
-                    <a:pt x="0" y="0"/>
-                  </a:moveTo>
-                  <a:lnTo>
-                    <a:pt x="0" y="7970"/>
-                  </a:lnTo>
-                  <a:lnTo>
-                    <a:pt x="10000" y="8000"/>
-                  </a:lnTo>
-                  <a:lnTo>
-                    <a:pt x="10000" y="7"/>
-                  </a:lnTo>
-                  <a:lnTo>
-                    <a:pt x="10000" y="7"/>
-                  </a:lnTo>
-                  <a:lnTo>
-                    <a:pt x="9773" y="156"/>
-                  </a:lnTo>
-                  <a:lnTo>
-                    <a:pt x="9547" y="298"/>
-                  </a:lnTo>
-                  <a:lnTo>
-                    <a:pt x="9320" y="437"/>
-                  </a:lnTo>
-                  <a:lnTo>
-                    <a:pt x="9092" y="556"/>
-                  </a:lnTo>
-                  <a:lnTo>
-                    <a:pt x="8865" y="676"/>
-                  </a:lnTo>
-                  <a:lnTo>
-                    <a:pt x="8637" y="788"/>
-                  </a:lnTo>
-                  <a:lnTo>
-                    <a:pt x="8412" y="884"/>
-                  </a:lnTo>
-                  <a:lnTo>
-                    <a:pt x="8184" y="975"/>
-                  </a:lnTo>
-                  <a:lnTo>
-                    <a:pt x="7957" y="1058"/>
-                  </a:lnTo>
-                  <a:lnTo>
-                    <a:pt x="7734" y="1130"/>
-                  </a:lnTo>
-                  <a:lnTo>
-                    <a:pt x="7508" y="1202"/>
-                  </a:lnTo>
-                  <a:lnTo>
-                    <a:pt x="7285" y="1262"/>
-                  </a:lnTo>
-                  <a:lnTo>
-                    <a:pt x="7062" y="1309"/>
-                  </a:lnTo>
-                  <a:lnTo>
-                    <a:pt x="6840" y="1358"/>
-                  </a:lnTo>
-                  <a:lnTo>
-                    <a:pt x="6620" y="1399"/>
-                  </a:lnTo>
-                  <a:lnTo>
-                    <a:pt x="6402" y="1428"/>
-                  </a:lnTo>
-                  <a:lnTo>
-                    <a:pt x="6184" y="1453"/>
-                  </a:lnTo>
-                  <a:lnTo>
-                    <a:pt x="5968" y="1477"/>
-                  </a:lnTo>
-                  <a:lnTo>
-                    <a:pt x="5755" y="1488"/>
-                  </a:lnTo>
-                  <a:lnTo>
-                    <a:pt x="5542" y="1500"/>
-                  </a:lnTo>
-                  <a:lnTo>
-                    <a:pt x="5332" y="1506"/>
-                  </a:lnTo>
-                  <a:lnTo>
-                    <a:pt x="5124" y="1500"/>
-                  </a:lnTo>
-                  <a:lnTo>
-                    <a:pt x="4918" y="1500"/>
-                  </a:lnTo>
-                  <a:lnTo>
-                    <a:pt x="4714" y="1488"/>
-                  </a:lnTo>
-                  <a:lnTo>
-                    <a:pt x="4514" y="1470"/>
-                  </a:lnTo>
-                  <a:lnTo>
-                    <a:pt x="4316" y="1453"/>
-                  </a:lnTo>
-                  <a:lnTo>
-                    <a:pt x="4122" y="1434"/>
-                  </a:lnTo>
-                  <a:lnTo>
-                    <a:pt x="3929" y="1405"/>
-                  </a:lnTo>
-                  <a:lnTo>
-                    <a:pt x="3739" y="1374"/>
-                  </a:lnTo>
-                  <a:lnTo>
-                    <a:pt x="3553" y="1346"/>
-                  </a:lnTo>
-                  <a:lnTo>
-                    <a:pt x="3190" y="1267"/>
-                  </a:lnTo>
-                  <a:lnTo>
-                    <a:pt x="2842" y="1183"/>
-                  </a:lnTo>
-                  <a:lnTo>
-                    <a:pt x="2508" y="1095"/>
-                  </a:lnTo>
-                  <a:lnTo>
-                    <a:pt x="2192" y="998"/>
-                  </a:lnTo>
-                  <a:lnTo>
-                    <a:pt x="1890" y="897"/>
-                  </a:lnTo>
-                  <a:lnTo>
-                    <a:pt x="1610" y="788"/>
-                  </a:lnTo>
-                  <a:lnTo>
-                    <a:pt x="1347" y="681"/>
-                  </a:lnTo>
-                  <a:lnTo>
-                    <a:pt x="1105" y="574"/>
-                  </a:lnTo>
-                  <a:lnTo>
-                    <a:pt x="883" y="473"/>
-                  </a:lnTo>
-                  <a:lnTo>
-                    <a:pt x="686" y="377"/>
-                  </a:lnTo>
-                  <a:lnTo>
-                    <a:pt x="508" y="286"/>
-                  </a:lnTo>
-                  <a:lnTo>
-                    <a:pt x="358" y="210"/>
-                  </a:lnTo>
-                  <a:lnTo>
-                    <a:pt x="232" y="138"/>
-                  </a:lnTo>
-                  <a:lnTo>
-                    <a:pt x="59" y="35"/>
-                  </a:lnTo>
-                  <a:lnTo>
-                    <a:pt x="0" y="0"/>
-                  </a:lnTo>
-                  <a:lnTo>
-                    <a:pt x="0" y="0"/>
-                  </a:lnTo>
-                  <a:close/>
-                </a:path>
-              </a:pathLst>
-            </a:custGeom>
-            <a:solidFill>
-              <a:schemeClr val="bg1"/>
-            </a:solidFill>
-            <a:ln>
-              <a:noFill/>
-            </a:ln>
-          </p:spPr>
-        </p:sp>
-        <p:sp>
-          <p:nvSpPr>
-            <p:cNvPr id="15" name="Freeform 5"/>
+            <p:cNvPr id="13" name="Freeform 5"/>
             <p:cNvSpPr>
               <a:spLocks noEditPoints="1"/>
             </p:cNvSpPr>
@@ -11522,8 +11988,8 @@
         </p:nvSpPr>
         <p:spPr>
           <a:xfrm>
-            <a:off x="1154955" y="1693333"/>
-            <a:ext cx="3865134" cy="1735667"/>
+            <a:off x="1153907" y="1693332"/>
+            <a:ext cx="3860260" cy="1735668"/>
           </a:xfrm>
         </p:spPr>
         <p:txBody>
@@ -11615,9 +12081,6 @@
             </a:lvl9pPr>
           </a:lstStyle>
           <a:p>
-            <a:pPr marL="0" lvl="0" indent="0" algn="ctr">
-              <a:buNone/>
-            </a:pPr>
             <a:r>
               <a:rPr lang="en-GB"/>
               <a:t>Click icon to add picture</a:t>
@@ -11638,7 +12101,7 @@
         </p:nvSpPr>
         <p:spPr bwMode="gray">
           <a:xfrm>
-            <a:off x="1154954" y="3657600"/>
+            <a:off x="1154955" y="3657600"/>
             <a:ext cx="3859212" cy="1371600"/>
           </a:xfrm>
         </p:spPr>
@@ -11651,10 +12114,7 @@
               <a:buNone/>
               <a:defRPr sz="1400">
                 <a:solidFill>
-                  <a:schemeClr val="accent1">
-                    <a:lumMod val="60000"/>
-                    <a:lumOff val="40000"/>
-                  </a:schemeClr>
+                  <a:schemeClr val="accent1"/>
                 </a:solidFill>
               </a:defRPr>
             </a:lvl1pPr>
@@ -11744,7 +12204,7 @@
       </p:sp>
       <p:sp>
         <p:nvSpPr>
-          <p:cNvPr id="16" name="Rectangle 15"/>
+          <p:cNvPr id="14" name="Rectangle 13"/>
           <p:cNvSpPr/>
           <p:nvPr/>
         </p:nvSpPr>
@@ -11804,7 +12264,7 @@
     </p:spTree>
     <p:extLst>
       <p:ext uri="{BB962C8B-B14F-4D97-AF65-F5344CB8AC3E}">
-        <p14:creationId xmlns:p14="http://schemas.microsoft.com/office/powerpoint/2010/main" val="2339945080"/>
+        <p14:creationId xmlns:p14="http://schemas.microsoft.com/office/powerpoint/2010/main" val="180786890"/>
       </p:ext>
     </p:extLst>
   </p:cSld>
@@ -11838,21 +12298,21 @@
       </p:grpSpPr>
       <p:grpSp>
         <p:nvGrpSpPr>
-          <p:cNvPr id="8" name="Group 7"/>
+          <p:cNvPr id="9" name="Group 8"/>
           <p:cNvGrpSpPr/>
           <p:nvPr/>
         </p:nvGrpSpPr>
         <p:grpSpPr>
           <a:xfrm>
-            <a:off x="0" y="0"/>
-            <a:ext cx="12192000" cy="6858000"/>
-            <a:chOff x="0" y="0"/>
-            <a:chExt cx="12192000" cy="6858000"/>
+            <a:off x="0" y="-2373"/>
+            <a:ext cx="12192000" cy="6867027"/>
+            <a:chOff x="0" y="-2373"/>
+            <a:chExt cx="12192000" cy="6867027"/>
           </a:xfrm>
         </p:grpSpPr>
         <p:sp>
           <p:nvSpPr>
-            <p:cNvPr id="7" name="Rectangle 6"/>
+            <p:cNvPr id="26" name="Rectangle 25"/>
             <p:cNvSpPr/>
             <p:nvPr/>
           </p:nvSpPr>
@@ -11868,15 +12328,16 @@
               <a:blip r:embed="rId19">
                 <a:duotone>
                   <a:schemeClr val="dk2">
-                    <a:shade val="69000"/>
-                    <a:hueMod val="91000"/>
+                    <a:shade val="62000"/>
+                    <a:hueMod val="108000"/>
                     <a:satMod val="164000"/>
-                    <a:lumMod val="74000"/>
+                    <a:lumMod val="69000"/>
                   </a:schemeClr>
                   <a:schemeClr val="dk2">
-                    <a:hueMod val="124000"/>
-                    <a:satMod val="140000"/>
-                    <a:lumMod val="142000"/>
+                    <a:tint val="96000"/>
+                    <a:hueMod val="90000"/>
+                    <a:satMod val="130000"/>
+                    <a:lumMod val="134000"/>
                   </a:schemeClr>
                 </a:duotone>
               </a:blip>
@@ -11907,13 +12368,13 @@
         </p:sp>
         <p:sp>
           <p:nvSpPr>
-            <p:cNvPr id="13" name="Oval 12"/>
+            <p:cNvPr id="15" name="Oval 14"/>
             <p:cNvSpPr/>
             <p:nvPr/>
           </p:nvSpPr>
           <p:spPr>
             <a:xfrm>
-              <a:off x="0" y="2667000"/>
+              <a:off x="3220" y="2667000"/>
               <a:ext cx="4191000" cy="4191000"/>
             </a:xfrm>
             <a:prstGeom prst="ellipse">
@@ -11922,17 +12383,23 @@
             <a:gradFill flip="none" rotWithShape="1">
               <a:gsLst>
                 <a:gs pos="0">
-                  <a:schemeClr val="accent5">
+                  <a:schemeClr val="bg2">
+                    <a:lumMod val="40000"/>
+                    <a:lumOff val="60000"/>
                     <a:alpha val="11000"/>
                   </a:schemeClr>
                 </a:gs>
                 <a:gs pos="75000">
-                  <a:schemeClr val="accent5">
+                  <a:schemeClr val="bg2">
+                    <a:lumMod val="40000"/>
+                    <a:lumOff val="60000"/>
                     <a:alpha val="0"/>
                   </a:schemeClr>
                 </a:gs>
                 <a:gs pos="36000">
-                  <a:schemeClr val="accent5">
+                  <a:schemeClr val="bg2">
+                    <a:lumMod val="40000"/>
+                    <a:lumOff val="60000"/>
                     <a:alpha val="10000"/>
                   </a:schemeClr>
                 </a:gs>
@@ -11964,13 +12431,13 @@
         </p:sp>
         <p:sp>
           <p:nvSpPr>
-            <p:cNvPr id="15" name="Oval 14"/>
+            <p:cNvPr id="16" name="Oval 15"/>
             <p:cNvSpPr/>
             <p:nvPr/>
           </p:nvSpPr>
           <p:spPr>
             <a:xfrm>
-              <a:off x="0" y="2895600"/>
+              <a:off x="1750" y="2895600"/>
               <a:ext cx="2362200" cy="2362200"/>
             </a:xfrm>
             <a:prstGeom prst="ellipse">
@@ -11979,17 +12446,23 @@
             <a:gradFill flip="none" rotWithShape="1">
               <a:gsLst>
                 <a:gs pos="0">
-                  <a:schemeClr val="accent5">
+                  <a:schemeClr val="bg2">
+                    <a:lumMod val="40000"/>
+                    <a:lumOff val="60000"/>
                     <a:alpha val="8000"/>
                   </a:schemeClr>
                 </a:gs>
                 <a:gs pos="72000">
-                  <a:schemeClr val="accent5">
+                  <a:schemeClr val="bg2">
+                    <a:lumMod val="40000"/>
+                    <a:lumOff val="60000"/>
                     <a:alpha val="0"/>
                   </a:schemeClr>
                 </a:gs>
                 <a:gs pos="36000">
-                  <a:schemeClr val="accent5">
+                  <a:schemeClr val="bg2">
+                    <a:lumMod val="40000"/>
+                    <a:lumOff val="60000"/>
                     <a:alpha val="8000"/>
                   </a:schemeClr>
                 </a:gs>
@@ -12021,14 +12494,14 @@
         </p:sp>
         <p:sp>
           <p:nvSpPr>
-            <p:cNvPr id="18" name="Oval 17"/>
+            <p:cNvPr id="17" name="Oval 16"/>
             <p:cNvSpPr/>
             <p:nvPr/>
           </p:nvSpPr>
           <p:spPr>
             <a:xfrm>
-              <a:off x="8609012" y="5867400"/>
-              <a:ext cx="990600" cy="990600"/>
+              <a:off x="8609012" y="1676400"/>
+              <a:ext cx="2819400" cy="2819400"/>
             </a:xfrm>
             <a:prstGeom prst="ellipse">
               <a:avLst/>
@@ -12036,18 +12509,24 @@
             <a:gradFill flip="none" rotWithShape="1">
               <a:gsLst>
                 <a:gs pos="0">
-                  <a:schemeClr val="accent5">
-                    <a:alpha val="14000"/>
+                  <a:schemeClr val="bg2">
+                    <a:lumMod val="40000"/>
+                    <a:lumOff val="60000"/>
+                    <a:alpha val="7000"/>
                   </a:schemeClr>
                 </a:gs>
-                <a:gs pos="66000">
-                  <a:schemeClr val="accent5">
+                <a:gs pos="69000">
+                  <a:schemeClr val="bg2">
+                    <a:lumMod val="40000"/>
+                    <a:lumOff val="60000"/>
                     <a:alpha val="0"/>
                   </a:schemeClr>
                 </a:gs>
                 <a:gs pos="36000">
-                  <a:schemeClr val="accent5">
-                    <a:alpha val="7000"/>
+                  <a:schemeClr val="bg2">
+                    <a:lumMod val="40000"/>
+                    <a:lumOff val="60000"/>
+                    <a:alpha val="6000"/>
                   </a:schemeClr>
                 </a:gs>
               </a:gsLst>
@@ -12078,14 +12557,14 @@
         </p:sp>
         <p:sp>
           <p:nvSpPr>
-            <p:cNvPr id="16" name="Oval 15"/>
+            <p:cNvPr id="18" name="Oval 17"/>
             <p:cNvSpPr/>
             <p:nvPr/>
           </p:nvSpPr>
           <p:spPr>
             <a:xfrm>
-              <a:off x="8609012" y="1676400"/>
-              <a:ext cx="2819400" cy="2819400"/>
+              <a:off x="7999412" y="-2373"/>
+              <a:ext cx="1600200" cy="1600200"/>
             </a:xfrm>
             <a:prstGeom prst="ellipse">
               <a:avLst/>
@@ -12093,18 +12572,24 @@
             <a:gradFill flip="none" rotWithShape="1">
               <a:gsLst>
                 <a:gs pos="0">
-                  <a:schemeClr val="accent5">
-                    <a:alpha val="7000"/>
+                  <a:schemeClr val="bg2">
+                    <a:lumMod val="40000"/>
+                    <a:lumOff val="60000"/>
+                    <a:alpha val="14000"/>
                   </a:schemeClr>
                 </a:gs>
-                <a:gs pos="69000">
-                  <a:schemeClr val="accent5">
+                <a:gs pos="73000">
+                  <a:schemeClr val="bg2">
+                    <a:lumMod val="40000"/>
+                    <a:lumOff val="60000"/>
                     <a:alpha val="0"/>
                   </a:schemeClr>
                 </a:gs>
                 <a:gs pos="36000">
-                  <a:schemeClr val="accent5">
-                    <a:alpha val="6000"/>
+                  <a:schemeClr val="bg2">
+                    <a:lumMod val="40000"/>
+                    <a:lumOff val="60000"/>
+                    <a:alpha val="7000"/>
                   </a:schemeClr>
                 </a:gs>
               </a:gsLst>
@@ -12135,14 +12620,14 @@
         </p:sp>
         <p:sp>
           <p:nvSpPr>
-            <p:cNvPr id="17" name="Oval 16"/>
+            <p:cNvPr id="19" name="Oval 18"/>
             <p:cNvSpPr/>
             <p:nvPr/>
           </p:nvSpPr>
           <p:spPr>
             <a:xfrm>
-              <a:off x="7999412" y="8464"/>
-              <a:ext cx="1600200" cy="1600200"/>
+              <a:off x="8609012" y="5874054"/>
+              <a:ext cx="990600" cy="990600"/>
             </a:xfrm>
             <a:prstGeom prst="ellipse">
               <a:avLst/>
@@ -12150,17 +12635,23 @@
             <a:gradFill flip="none" rotWithShape="1">
               <a:gsLst>
                 <a:gs pos="0">
-                  <a:schemeClr val="accent5">
+                  <a:schemeClr val="bg2">
+                    <a:lumMod val="40000"/>
+                    <a:lumOff val="60000"/>
                     <a:alpha val="14000"/>
                   </a:schemeClr>
                 </a:gs>
-                <a:gs pos="73000">
-                  <a:schemeClr val="accent5">
+                <a:gs pos="66000">
+                  <a:schemeClr val="bg2">
+                    <a:lumMod val="40000"/>
+                    <a:lumOff val="60000"/>
                     <a:alpha val="0"/>
                   </a:schemeClr>
                 </a:gs>
                 <a:gs pos="36000">
-                  <a:schemeClr val="accent5">
+                  <a:schemeClr val="bg2">
+                    <a:lumMod val="40000"/>
+                    <a:lumOff val="60000"/>
                     <a:alpha val="7000"/>
                   </a:schemeClr>
                 </a:gs>
@@ -12192,7 +12683,7 @@
         </p:sp>
         <p:sp>
           <p:nvSpPr>
-            <p:cNvPr id="20" name="Freeform 5"/>
+            <p:cNvPr id="23" name="Freeform 5"/>
             <p:cNvSpPr/>
             <p:nvPr/>
           </p:nvSpPr>
@@ -12339,7 +12830,7 @@
         </p:sp>
         <p:sp>
           <p:nvSpPr>
-            <p:cNvPr id="19" name="Freeform 5"/>
+            <p:cNvPr id="20" name="Freeform 5"/>
             <p:cNvSpPr/>
             <p:nvPr/>
           </p:nvSpPr>
@@ -12523,7 +13014,7 @@
         </p:sp>
         <p:sp>
           <p:nvSpPr>
-            <p:cNvPr id="14" name="Freeform 5"/>
+            <p:cNvPr id="21" name="Freeform 5"/>
             <p:cNvSpPr>
               <a:spLocks noEditPoints="1"/>
             </p:cNvSpPr>
@@ -12598,7 +13089,7 @@
         </p:nvSpPr>
         <p:spPr bwMode="gray">
           <a:xfrm>
-            <a:off x="1154954" y="973668"/>
+            <a:off x="1154953" y="973668"/>
             <a:ext cx="8761413" cy="706964"/>
           </a:xfrm>
           <a:prstGeom prst="rect">
@@ -12631,8 +13122,8 @@
         </p:nvSpPr>
         <p:spPr>
           <a:xfrm>
-            <a:off x="1154954" y="2603500"/>
-            <a:ext cx="8761413" cy="3416300"/>
+            <a:off x="1154955" y="2603500"/>
+            <a:ext cx="8761412" cy="3416300"/>
           </a:xfrm>
           <a:prstGeom prst="rect">
             <a:avLst/>
@@ -12693,7 +13184,7 @@
         </p:nvSpPr>
         <p:spPr>
           <a:xfrm>
-            <a:off x="10653104" y="6391838"/>
+            <a:off x="10650938" y="6394061"/>
             <a:ext cx="990599" cy="304799"/>
           </a:xfrm>
           <a:prstGeom prst="rect">
@@ -12701,7 +13192,7 @@
           </a:prstGeom>
         </p:spPr>
         <p:txBody>
-          <a:bodyPr vert="horz" lIns="91440" tIns="45720" rIns="91440" bIns="45720" rtlCol="0" anchor="ctr"/>
+          <a:bodyPr vert="horz" lIns="91440" tIns="45720" rIns="91440" bIns="45720" rtlCol="0" anchor="t"/>
           <a:lstStyle>
             <a:lvl1pPr algn="r">
               <a:defRPr sz="1000" b="1" i="0">
@@ -12732,7 +13223,7 @@
         </p:nvSpPr>
         <p:spPr>
           <a:xfrm>
-            <a:off x="561110" y="6391838"/>
+            <a:off x="528358" y="6391838"/>
             <a:ext cx="3859795" cy="304801"/>
           </a:xfrm>
           <a:prstGeom prst="rect">
@@ -12740,13 +13231,14 @@
           </a:prstGeom>
         </p:spPr>
         <p:txBody>
-          <a:bodyPr vert="horz" lIns="91440" tIns="45720" rIns="91440" bIns="45720" rtlCol="0" anchor="ctr"/>
+          <a:bodyPr vert="horz" lIns="91440" tIns="45720" rIns="91440" bIns="45720" rtlCol="0" anchor="b"/>
           <a:lstStyle>
             <a:lvl1pPr algn="l">
               <a:defRPr sz="1000" b="1" i="0">
                 <a:solidFill>
                   <a:schemeClr val="accent1"/>
                 </a:solidFill>
+                <a:latin typeface="+mn-lt"/>
               </a:defRPr>
             </a:lvl1pPr>
           </a:lstStyle>
@@ -12757,7 +13249,7 @@
       </p:sp>
       <p:sp>
         <p:nvSpPr>
-          <p:cNvPr id="21" name="Rectangle 20"/>
+          <p:cNvPr id="22" name="Rectangle 21"/>
           <p:cNvSpPr/>
           <p:nvPr/>
         </p:nvSpPr>
@@ -12801,7 +13293,7 @@
             <p:ph type="sldNum" sz="quarter" idx="4"/>
           </p:nvPr>
         </p:nvSpPr>
-        <p:spPr bwMode="gray">
+        <p:spPr>
           <a:xfrm>
             <a:off x="10352540" y="295729"/>
             <a:ext cx="838199" cy="767687"/>
@@ -12818,6 +13310,7 @@
                 <a:solidFill>
                   <a:schemeClr val="bg1"/>
                 </a:solidFill>
+                <a:latin typeface="+mn-lt"/>
               </a:defRPr>
             </a:lvl1pPr>
           </a:lstStyle>
@@ -12833,29 +13326,29 @@
     </p:spTree>
     <p:extLst>
       <p:ext uri="{BB962C8B-B14F-4D97-AF65-F5344CB8AC3E}">
-        <p14:creationId xmlns:p14="http://schemas.microsoft.com/office/powerpoint/2010/main" val="2426605879"/>
+        <p14:creationId xmlns:p14="http://schemas.microsoft.com/office/powerpoint/2010/main" val="2567509475"/>
       </p:ext>
     </p:extLst>
   </p:cSld>
   <p:clrMap bg1="lt1" tx1="dk1" bg2="lt2" tx2="dk2" accent1="accent1" accent2="accent2" accent3="accent3" accent4="accent4" accent5="accent5" accent6="accent6" hlink="hlink" folHlink="folHlink"/>
   <p:sldLayoutIdLst>
-    <p:sldLayoutId id="2147483811" r:id="rId1"/>
-    <p:sldLayoutId id="2147483812" r:id="rId2"/>
-    <p:sldLayoutId id="2147483813" r:id="rId3"/>
-    <p:sldLayoutId id="2147483814" r:id="rId4"/>
-    <p:sldLayoutId id="2147483815" r:id="rId5"/>
-    <p:sldLayoutId id="2147483816" r:id="rId6"/>
-    <p:sldLayoutId id="2147483817" r:id="rId7"/>
-    <p:sldLayoutId id="2147483818" r:id="rId8"/>
-    <p:sldLayoutId id="2147483819" r:id="rId9"/>
-    <p:sldLayoutId id="2147483820" r:id="rId10"/>
-    <p:sldLayoutId id="2147483821" r:id="rId11"/>
-    <p:sldLayoutId id="2147483822" r:id="rId12"/>
-    <p:sldLayoutId id="2147483823" r:id="rId13"/>
-    <p:sldLayoutId id="2147483824" r:id="rId14"/>
-    <p:sldLayoutId id="2147483825" r:id="rId15"/>
-    <p:sldLayoutId id="2147483826" r:id="rId16"/>
-    <p:sldLayoutId id="2147483827" r:id="rId17"/>
+    <p:sldLayoutId id="2147483925" r:id="rId1"/>
+    <p:sldLayoutId id="2147483926" r:id="rId2"/>
+    <p:sldLayoutId id="2147483927" r:id="rId3"/>
+    <p:sldLayoutId id="2147483928" r:id="rId4"/>
+    <p:sldLayoutId id="2147483929" r:id="rId5"/>
+    <p:sldLayoutId id="2147483930" r:id="rId6"/>
+    <p:sldLayoutId id="2147483931" r:id="rId7"/>
+    <p:sldLayoutId id="2147483932" r:id="rId8"/>
+    <p:sldLayoutId id="2147483933" r:id="rId9"/>
+    <p:sldLayoutId id="2147483934" r:id="rId10"/>
+    <p:sldLayoutId id="2147483935" r:id="rId11"/>
+    <p:sldLayoutId id="2147483936" r:id="rId12"/>
+    <p:sldLayoutId id="2147483937" r:id="rId13"/>
+    <p:sldLayoutId id="2147483938" r:id="rId14"/>
+    <p:sldLayoutId id="2147483939" r:id="rId15"/>
+    <p:sldLayoutId id="2147483940" r:id="rId16"/>
+    <p:sldLayoutId id="2147483941" r:id="rId17"/>
   </p:sldLayoutIdLst>
   <p:txStyles>
     <p:titleStyle>
@@ -13624,7 +14117,7 @@
         </p:blipFill>
         <p:spPr>
           <a:xfrm>
-            <a:off x="3432969" y="2603500"/>
+            <a:off x="3401219" y="2603500"/>
             <a:ext cx="4270375" cy="3416300"/>
           </a:xfrm>
         </p:spPr>
@@ -15072,34 +15565,34 @@
         <a:sysClr val="window" lastClr="FFFFFF"/>
       </a:lt1>
       <a:dk2>
-        <a:srgbClr val="3B3059"/>
+        <a:srgbClr val="0E5580"/>
       </a:dk2>
       <a:lt2>
         <a:srgbClr val="EBEBEB"/>
       </a:lt2>
       <a:accent1>
-        <a:srgbClr val="B31166"/>
+        <a:srgbClr val="ACD433"/>
       </a:accent1>
       <a:accent2>
-        <a:srgbClr val="E33D6F"/>
+        <a:srgbClr val="E6C133"/>
       </a:accent2>
       <a:accent3>
-        <a:srgbClr val="E45F3C"/>
+        <a:srgbClr val="EF7A24"/>
       </a:accent3>
       <a:accent4>
-        <a:srgbClr val="E9943A"/>
+        <a:srgbClr val="5AA0F5"/>
       </a:accent4>
       <a:accent5>
-        <a:srgbClr val="9B6BF2"/>
+        <a:srgbClr val="75CEEC"/>
       </a:accent5>
       <a:accent6>
-        <a:srgbClr val="D53DD0"/>
+        <a:srgbClr val="65D6A0"/>
       </a:accent6>
       <a:hlink>
-        <a:srgbClr val="8F8F8F"/>
+        <a:srgbClr val="C4E46E"/>
       </a:hlink>
       <a:folHlink>
-        <a:srgbClr val="A5A5A5"/>
+        <a:srgbClr val="BDE0FB"/>
       </a:folHlink>
     </a:clrScheme>
     <a:fontScheme name="Ion Boardroom">
@@ -15275,17 +15768,17 @@
           <a:gsLst>
             <a:gs pos="0">
               <a:schemeClr val="phClr">
-                <a:tint val="98000"/>
-                <a:hueMod val="124000"/>
-                <a:satMod val="148000"/>
-                <a:lumMod val="124000"/>
+                <a:tint val="92000"/>
+                <a:hueMod val="96000"/>
+                <a:satMod val="128000"/>
+                <a:lumMod val="114000"/>
               </a:schemeClr>
             </a:gs>
             <a:gs pos="100000">
               <a:schemeClr val="phClr">
-                <a:shade val="76000"/>
-                <a:hueMod val="89000"/>
-                <a:satMod val="164000"/>
+                <a:shade val="62000"/>
+                <a:hueMod val="100000"/>
+                <a:satMod val="134000"/>
                 <a:lumMod val="56000"/>
               </a:schemeClr>
             </a:gs>
@@ -15298,15 +15791,16 @@
           <a:blip xmlns:r="http://schemas.openxmlformats.org/officeDocument/2006/relationships" r:embed="rId1">
             <a:duotone>
               <a:schemeClr val="phClr">
-                <a:shade val="69000"/>
-                <a:hueMod val="91000"/>
+                <a:shade val="62000"/>
+                <a:hueMod val="108000"/>
                 <a:satMod val="164000"/>
-                <a:lumMod val="74000"/>
+                <a:lumMod val="69000"/>
               </a:schemeClr>
               <a:schemeClr val="phClr">
-                <a:hueMod val="124000"/>
-                <a:satMod val="140000"/>
-                <a:lumMod val="142000"/>
+                <a:tint val="96000"/>
+                <a:hueMod val="90000"/>
+                <a:satMod val="130000"/>
+                <a:lumMod val="134000"/>
               </a:schemeClr>
             </a:duotone>
           </a:blip>
@@ -15319,7 +15813,7 @@
   <a:extraClrSchemeLst/>
   <a:extLst>
     <a:ext uri="{05A4C25C-085E-4340-85A3-A5531E510DB2}">
-      <thm15:themeFamily xmlns:thm15="http://schemas.microsoft.com/office/thememl/2012/main" name="Ion Boardroom" id="{FC33163D-4339-46B1-8EED-24C834239D99}" vid="{B8502691-933B-45FE-8764-BA278511EF27}"/>
+      <thm15:themeFamily xmlns:thm15="http://schemas.microsoft.com/office/thememl/2012/main" name="Ion Boardroom" id="{FC33163D-4339-46B1-8EED-24C834239D99}" vid="{A3AB87EF-B655-4FFF-8D05-F333AD7F2789}"/>
     </a:ext>
   </a:extLst>
 </a:theme>

--- a/HouseAnalysis_presentation.pptx
+++ b/HouseAnalysis_presentation.pptx
@@ -14117,8 +14117,8 @@
         </p:blipFill>
         <p:spPr>
           <a:xfrm>
-            <a:off x="3401219" y="2603500"/>
-            <a:ext cx="4270375" cy="3416300"/>
+            <a:off x="3148314" y="1851949"/>
+            <a:ext cx="5000263" cy="4375231"/>
           </a:xfrm>
         </p:spPr>
       </p:pic>
@@ -14393,8 +14393,8 @@
         </p:nvSpPr>
         <p:spPr>
           <a:xfrm>
-            <a:off x="834342" y="2204977"/>
-            <a:ext cx="10515600" cy="4224760"/>
+            <a:off x="834342" y="2662177"/>
+            <a:ext cx="10515600" cy="3767560"/>
           </a:xfrm>
         </p:spPr>
         <p:txBody>
@@ -14408,11 +14408,11 @@
               <a:buAutoNum type="arabicPeriod"/>
             </a:pPr>
             <a:r>
-              <a:rPr lang="en-KE" sz="2400" dirty="0"/>
+              <a:rPr lang="en-KE" dirty="0"/>
               <a:t>The top 3 most profitable feature combination include: </a:t>
             </a:r>
             <a:r>
-              <a:rPr lang="en-KE" sz="2400" b="1" dirty="0"/>
+              <a:rPr lang="en-KE" b="1" dirty="0"/>
               <a:t>Sqft_living , grade and bathrooms</a:t>
             </a:r>
           </a:p>
@@ -14422,7 +14422,7 @@
               <a:buAutoNum type="arabicPeriod"/>
             </a:pPr>
             <a:r>
-              <a:rPr lang="en-KE" sz="2400" dirty="0"/>
+              <a:rPr lang="en-KE" dirty="0"/>
               <a:t>Sqft_living is the most correlated feature to the house prices ie more sqft_living attracts higher prices and vice versa</a:t>
             </a:r>
           </a:p>
@@ -14432,7 +14432,7 @@
               <a:buAutoNum type="arabicPeriod"/>
             </a:pPr>
             <a:r>
-              <a:rPr lang="en-KE" sz="2400" dirty="0"/>
+              <a:rPr lang="en-KE" dirty="0"/>
               <a:t>New houses of between 0-20 years and older houses of above 70 years fetch higher prices as compared to those between 20-70 years</a:t>
             </a:r>
           </a:p>
@@ -14442,7 +14442,7 @@
               <a:buAutoNum type="arabicPeriod"/>
             </a:pPr>
             <a:r>
-              <a:rPr lang="en-KE" sz="2400" dirty="0"/>
+              <a:rPr lang="en-KE" dirty="0"/>
               <a:t>Houses of higher condition fetch higher prices as compared to those of lower conditions</a:t>
             </a:r>
           </a:p>
@@ -14651,8 +14651,8 @@
         </p:nvSpPr>
         <p:spPr>
           <a:xfrm>
-            <a:off x="838200" y="2326511"/>
-            <a:ext cx="10899011" cy="4016414"/>
+            <a:off x="838200" y="2500132"/>
+            <a:ext cx="10899011" cy="3842793"/>
           </a:xfrm>
         </p:spPr>
         <p:txBody>
@@ -14666,7 +14666,7 @@
               <a:buAutoNum type="arabicPeriod"/>
             </a:pPr>
             <a:r>
-              <a:rPr lang="en-KE" dirty="0">
+              <a:rPr lang="en-KE" sz="1600" dirty="0">
                 <a:highlight>
                   <a:srgbClr val="00FFFF"/>
                 </a:highlight>
@@ -14674,7 +14674,7 @@
               <a:t>We</a:t>
             </a:r>
             <a:r>
-              <a:rPr lang="en-KE" dirty="0"/>
+              <a:rPr lang="en-KE" sz="1600" dirty="0"/>
               <a:t> recommend that Homeowners should consider sqft_living ,grade and bathrooms when planning on selling their houses </a:t>
             </a:r>
           </a:p>
@@ -14684,7 +14684,7 @@
               <a:buAutoNum type="arabicPeriod"/>
             </a:pPr>
             <a:r>
-              <a:rPr lang="en-KE" dirty="0"/>
+              <a:rPr lang="en-KE" sz="1600" dirty="0"/>
               <a:t>We recommend to Homeowners that they should consider selling houses in the month of April when the prices are at the highest </a:t>
             </a:r>
           </a:p>
@@ -14694,7 +14694,7 @@
               <a:buAutoNum type="arabicPeriod"/>
             </a:pPr>
             <a:r>
-              <a:rPr lang="en-KE" dirty="0"/>
+              <a:rPr lang="en-KE" sz="1600" dirty="0"/>
               <a:t>We recommend to Homeowners who want to buy houses to consider buying in the month of February when the prices are at their lowest</a:t>
             </a:r>
           </a:p>
@@ -14704,7 +14704,7 @@
               <a:buAutoNum type="arabicPeriod"/>
             </a:pPr>
             <a:r>
-              <a:rPr lang="en-KE" dirty="0"/>
+              <a:rPr lang="en-KE" sz="1600" dirty="0"/>
               <a:t>We recommend to Homeowners to consider buying houses of ages between 20-70 years where there prices are relatively low and sell when is age is above 70 years as prices are higher</a:t>
             </a:r>
           </a:p>
@@ -14714,7 +14714,7 @@
               <a:buAutoNum type="arabicPeriod"/>
             </a:pPr>
             <a:r>
-              <a:rPr lang="en-KE" dirty="0"/>
+              <a:rPr lang="en-KE" sz="1600" dirty="0"/>
               <a:t>We recommend to Homeowners to consider buying houses as the trend shows that the prices have been increasing for the past two years and well it is likely it will continue</a:t>
             </a:r>
           </a:p>
